--- a/slides/03-eda-pt1.pptx
+++ b/slides/03-eda-pt1.pptx
@@ -5,46 +5,48 @@
     <p:sldMasterId id="2147483852" r:id="rId1"/>
   </p:sldMasterIdLst>
   <p:notesMasterIdLst>
-    <p:notesMasterId r:id="rId39"/>
+    <p:notesMasterId r:id="rId41"/>
   </p:notesMasterIdLst>
   <p:sldIdLst>
     <p:sldId id="256" r:id="rId2"/>
     <p:sldId id="257" r:id="rId3"/>
-    <p:sldId id="308" r:id="rId4"/>
-    <p:sldId id="309" r:id="rId5"/>
-    <p:sldId id="310" r:id="rId6"/>
-    <p:sldId id="311" r:id="rId7"/>
-    <p:sldId id="312" r:id="rId8"/>
-    <p:sldId id="313" r:id="rId9"/>
-    <p:sldId id="314" r:id="rId10"/>
-    <p:sldId id="315" r:id="rId11"/>
-    <p:sldId id="316" r:id="rId12"/>
-    <p:sldId id="317" r:id="rId13"/>
-    <p:sldId id="328" r:id="rId14"/>
-    <p:sldId id="318" r:id="rId15"/>
-    <p:sldId id="329" r:id="rId16"/>
-    <p:sldId id="319" r:id="rId17"/>
-    <p:sldId id="330" r:id="rId18"/>
-    <p:sldId id="320" r:id="rId19"/>
-    <p:sldId id="331" r:id="rId20"/>
-    <p:sldId id="321" r:id="rId21"/>
-    <p:sldId id="322" r:id="rId22"/>
-    <p:sldId id="323" r:id="rId23"/>
-    <p:sldId id="332" r:id="rId24"/>
-    <p:sldId id="324" r:id="rId25"/>
-    <p:sldId id="333" r:id="rId26"/>
-    <p:sldId id="325" r:id="rId27"/>
-    <p:sldId id="326" r:id="rId28"/>
-    <p:sldId id="327" r:id="rId29"/>
-    <p:sldId id="334" r:id="rId30"/>
-    <p:sldId id="335" r:id="rId31"/>
-    <p:sldId id="336" r:id="rId32"/>
-    <p:sldId id="337" r:id="rId33"/>
-    <p:sldId id="338" r:id="rId34"/>
-    <p:sldId id="339" r:id="rId35"/>
-    <p:sldId id="340" r:id="rId36"/>
-    <p:sldId id="341" r:id="rId37"/>
-    <p:sldId id="342" r:id="rId38"/>
+    <p:sldId id="343" r:id="rId4"/>
+    <p:sldId id="344" r:id="rId5"/>
+    <p:sldId id="308" r:id="rId6"/>
+    <p:sldId id="309" r:id="rId7"/>
+    <p:sldId id="310" r:id="rId8"/>
+    <p:sldId id="311" r:id="rId9"/>
+    <p:sldId id="312" r:id="rId10"/>
+    <p:sldId id="313" r:id="rId11"/>
+    <p:sldId id="314" r:id="rId12"/>
+    <p:sldId id="315" r:id="rId13"/>
+    <p:sldId id="316" r:id="rId14"/>
+    <p:sldId id="317" r:id="rId15"/>
+    <p:sldId id="328" r:id="rId16"/>
+    <p:sldId id="318" r:id="rId17"/>
+    <p:sldId id="329" r:id="rId18"/>
+    <p:sldId id="319" r:id="rId19"/>
+    <p:sldId id="330" r:id="rId20"/>
+    <p:sldId id="320" r:id="rId21"/>
+    <p:sldId id="331" r:id="rId22"/>
+    <p:sldId id="321" r:id="rId23"/>
+    <p:sldId id="322" r:id="rId24"/>
+    <p:sldId id="323" r:id="rId25"/>
+    <p:sldId id="332" r:id="rId26"/>
+    <p:sldId id="324" r:id="rId27"/>
+    <p:sldId id="333" r:id="rId28"/>
+    <p:sldId id="325" r:id="rId29"/>
+    <p:sldId id="326" r:id="rId30"/>
+    <p:sldId id="327" r:id="rId31"/>
+    <p:sldId id="334" r:id="rId32"/>
+    <p:sldId id="335" r:id="rId33"/>
+    <p:sldId id="336" r:id="rId34"/>
+    <p:sldId id="337" r:id="rId35"/>
+    <p:sldId id="338" r:id="rId36"/>
+    <p:sldId id="339" r:id="rId37"/>
+    <p:sldId id="340" r:id="rId38"/>
+    <p:sldId id="341" r:id="rId39"/>
+    <p:sldId id="342" r:id="rId40"/>
   </p:sldIdLst>
   <p:sldSz cx="12192000" cy="6858000"/>
   <p:notesSz cx="6858000" cy="9144000"/>
@@ -233,7 +235,7 @@
           <a:p>
             <a:fld id="{3CBB8A52-8AC5-C74C-97FB-632C448F3674}" type="datetimeFigureOut">
               <a:rPr lang="en-US" smtClean="0"/>
-              <a:t>12/14/23</a:t>
+              <a:t>1/23/24</a:t>
             </a:fld>
             <a:endParaRPr lang="en-US"/>
           </a:p>
@@ -565,7 +567,7 @@
           <a:p>
             <a:fld id="{E666506D-5C9B-294C-B2AE-15ACE8B5B9F7}" type="slidenum">
               <a:rPr lang="en-US" smtClean="0"/>
-              <a:t>11</a:t>
+              <a:t>13</a:t>
             </a:fld>
             <a:endParaRPr lang="en-US"/>
           </a:p>
@@ -649,7 +651,7 @@
           <a:p>
             <a:fld id="{E666506D-5C9B-294C-B2AE-15ACE8B5B9F7}" type="slidenum">
               <a:rPr lang="en-US" smtClean="0"/>
-              <a:t>20</a:t>
+              <a:t>22</a:t>
             </a:fld>
             <a:endParaRPr lang="en-US"/>
           </a:p>
@@ -733,7 +735,7 @@
           <a:p>
             <a:fld id="{E666506D-5C9B-294C-B2AE-15ACE8B5B9F7}" type="slidenum">
               <a:rPr lang="en-US" smtClean="0"/>
-              <a:t>21</a:t>
+              <a:t>23</a:t>
             </a:fld>
             <a:endParaRPr lang="en-US"/>
           </a:p>
@@ -817,7 +819,7 @@
           <a:p>
             <a:fld id="{E666506D-5C9B-294C-B2AE-15ACE8B5B9F7}" type="slidenum">
               <a:rPr lang="en-US" smtClean="0"/>
-              <a:t>22</a:t>
+              <a:t>24</a:t>
             </a:fld>
             <a:endParaRPr lang="en-US"/>
           </a:p>
@@ -901,7 +903,7 @@
           <a:p>
             <a:fld id="{E666506D-5C9B-294C-B2AE-15ACE8B5B9F7}" type="slidenum">
               <a:rPr lang="en-US" smtClean="0"/>
-              <a:t>23</a:t>
+              <a:t>25</a:t>
             </a:fld>
             <a:endParaRPr lang="en-US"/>
           </a:p>
@@ -985,7 +987,7 @@
           <a:p>
             <a:fld id="{E666506D-5C9B-294C-B2AE-15ACE8B5B9F7}" type="slidenum">
               <a:rPr lang="en-US" smtClean="0"/>
-              <a:t>24</a:t>
+              <a:t>26</a:t>
             </a:fld>
             <a:endParaRPr lang="en-US"/>
           </a:p>
@@ -1069,7 +1071,7 @@
           <a:p>
             <a:fld id="{E666506D-5C9B-294C-B2AE-15ACE8B5B9F7}" type="slidenum">
               <a:rPr lang="en-US" smtClean="0"/>
-              <a:t>25</a:t>
+              <a:t>27</a:t>
             </a:fld>
             <a:endParaRPr lang="en-US"/>
           </a:p>
@@ -1153,7 +1155,7 @@
           <a:p>
             <a:fld id="{E666506D-5C9B-294C-B2AE-15ACE8B5B9F7}" type="slidenum">
               <a:rPr lang="en-US" smtClean="0"/>
-              <a:t>26</a:t>
+              <a:t>28</a:t>
             </a:fld>
             <a:endParaRPr lang="en-US"/>
           </a:p>
@@ -1237,7 +1239,7 @@
           <a:p>
             <a:fld id="{E666506D-5C9B-294C-B2AE-15ACE8B5B9F7}" type="slidenum">
               <a:rPr lang="en-US" smtClean="0"/>
-              <a:t>27</a:t>
+              <a:t>29</a:t>
             </a:fld>
             <a:endParaRPr lang="en-US"/>
           </a:p>
@@ -1321,7 +1323,7 @@
           <a:p>
             <a:fld id="{E666506D-5C9B-294C-B2AE-15ACE8B5B9F7}" type="slidenum">
               <a:rPr lang="en-US" smtClean="0"/>
-              <a:t>28</a:t>
+              <a:t>30</a:t>
             </a:fld>
             <a:endParaRPr lang="en-US"/>
           </a:p>
@@ -1405,7 +1407,7 @@
           <a:p>
             <a:fld id="{E666506D-5C9B-294C-B2AE-15ACE8B5B9F7}" type="slidenum">
               <a:rPr lang="en-US" smtClean="0"/>
-              <a:t>29</a:t>
+              <a:t>31</a:t>
             </a:fld>
             <a:endParaRPr lang="en-US"/>
           </a:p>
@@ -1489,7 +1491,7 @@
           <a:p>
             <a:fld id="{E666506D-5C9B-294C-B2AE-15ACE8B5B9F7}" type="slidenum">
               <a:rPr lang="en-US" smtClean="0"/>
-              <a:t>12</a:t>
+              <a:t>14</a:t>
             </a:fld>
             <a:endParaRPr lang="en-US"/>
           </a:p>
@@ -1573,7 +1575,7 @@
           <a:p>
             <a:fld id="{E666506D-5C9B-294C-B2AE-15ACE8B5B9F7}" type="slidenum">
               <a:rPr lang="en-US" smtClean="0"/>
-              <a:t>30</a:t>
+              <a:t>32</a:t>
             </a:fld>
             <a:endParaRPr lang="en-US"/>
           </a:p>
@@ -1657,7 +1659,7 @@
           <a:p>
             <a:fld id="{E666506D-5C9B-294C-B2AE-15ACE8B5B9F7}" type="slidenum">
               <a:rPr lang="en-US" smtClean="0"/>
-              <a:t>31</a:t>
+              <a:t>33</a:t>
             </a:fld>
             <a:endParaRPr lang="en-US"/>
           </a:p>
@@ -1741,7 +1743,7 @@
           <a:p>
             <a:fld id="{E666506D-5C9B-294C-B2AE-15ACE8B5B9F7}" type="slidenum">
               <a:rPr lang="en-US" smtClean="0"/>
-              <a:t>32</a:t>
+              <a:t>34</a:t>
             </a:fld>
             <a:endParaRPr lang="en-US"/>
           </a:p>
@@ -1825,7 +1827,7 @@
           <a:p>
             <a:fld id="{E666506D-5C9B-294C-B2AE-15ACE8B5B9F7}" type="slidenum">
               <a:rPr lang="en-US" smtClean="0"/>
-              <a:t>33</a:t>
+              <a:t>35</a:t>
             </a:fld>
             <a:endParaRPr lang="en-US"/>
           </a:p>
@@ -1909,7 +1911,7 @@
           <a:p>
             <a:fld id="{E666506D-5C9B-294C-B2AE-15ACE8B5B9F7}" type="slidenum">
               <a:rPr lang="en-US" smtClean="0"/>
-              <a:t>34</a:t>
+              <a:t>36</a:t>
             </a:fld>
             <a:endParaRPr lang="en-US"/>
           </a:p>
@@ -1993,7 +1995,7 @@
           <a:p>
             <a:fld id="{E666506D-5C9B-294C-B2AE-15ACE8B5B9F7}" type="slidenum">
               <a:rPr lang="en-US" smtClean="0"/>
-              <a:t>35</a:t>
+              <a:t>37</a:t>
             </a:fld>
             <a:endParaRPr lang="en-US"/>
           </a:p>
@@ -2077,7 +2079,7 @@
           <a:p>
             <a:fld id="{E666506D-5C9B-294C-B2AE-15ACE8B5B9F7}" type="slidenum">
               <a:rPr lang="en-US" smtClean="0"/>
-              <a:t>36</a:t>
+              <a:t>38</a:t>
             </a:fld>
             <a:endParaRPr lang="en-US"/>
           </a:p>
@@ -2161,7 +2163,7 @@
           <a:p>
             <a:fld id="{E666506D-5C9B-294C-B2AE-15ACE8B5B9F7}" type="slidenum">
               <a:rPr lang="en-US" smtClean="0"/>
-              <a:t>37</a:t>
+              <a:t>39</a:t>
             </a:fld>
             <a:endParaRPr lang="en-US"/>
           </a:p>
@@ -2245,7 +2247,7 @@
           <a:p>
             <a:fld id="{E666506D-5C9B-294C-B2AE-15ACE8B5B9F7}" type="slidenum">
               <a:rPr lang="en-US" smtClean="0"/>
-              <a:t>13</a:t>
+              <a:t>15</a:t>
             </a:fld>
             <a:endParaRPr lang="en-US"/>
           </a:p>
@@ -2329,7 +2331,7 @@
           <a:p>
             <a:fld id="{E666506D-5C9B-294C-B2AE-15ACE8B5B9F7}" type="slidenum">
               <a:rPr lang="en-US" smtClean="0"/>
-              <a:t>14</a:t>
+              <a:t>16</a:t>
             </a:fld>
             <a:endParaRPr lang="en-US"/>
           </a:p>
@@ -2413,7 +2415,7 @@
           <a:p>
             <a:fld id="{E666506D-5C9B-294C-B2AE-15ACE8B5B9F7}" type="slidenum">
               <a:rPr lang="en-US" smtClean="0"/>
-              <a:t>15</a:t>
+              <a:t>17</a:t>
             </a:fld>
             <a:endParaRPr lang="en-US"/>
           </a:p>
@@ -2497,7 +2499,7 @@
           <a:p>
             <a:fld id="{E666506D-5C9B-294C-B2AE-15ACE8B5B9F7}" type="slidenum">
               <a:rPr lang="en-US" smtClean="0"/>
-              <a:t>16</a:t>
+              <a:t>18</a:t>
             </a:fld>
             <a:endParaRPr lang="en-US"/>
           </a:p>
@@ -2581,7 +2583,7 @@
           <a:p>
             <a:fld id="{E666506D-5C9B-294C-B2AE-15ACE8B5B9F7}" type="slidenum">
               <a:rPr lang="en-US" smtClean="0"/>
-              <a:t>17</a:t>
+              <a:t>19</a:t>
             </a:fld>
             <a:endParaRPr lang="en-US"/>
           </a:p>
@@ -2665,7 +2667,7 @@
           <a:p>
             <a:fld id="{E666506D-5C9B-294C-B2AE-15ACE8B5B9F7}" type="slidenum">
               <a:rPr lang="en-US" smtClean="0"/>
-              <a:t>18</a:t>
+              <a:t>20</a:t>
             </a:fld>
             <a:endParaRPr lang="en-US"/>
           </a:p>
@@ -2749,7 +2751,7 @@
           <a:p>
             <a:fld id="{E666506D-5C9B-294C-B2AE-15ACE8B5B9F7}" type="slidenum">
               <a:rPr lang="en-US" smtClean="0"/>
-              <a:t>19</a:t>
+              <a:t>21</a:t>
             </a:fld>
             <a:endParaRPr lang="en-US"/>
           </a:p>
@@ -2993,7 +2995,7 @@
             <a:fld id="{5586B75A-687E-405C-8A0B-8D00578BA2C3}" type="datetimeFigureOut">
               <a:rPr lang="en-US" smtClean="0"/>
               <a:pPr/>
-              <a:t>12/14/23</a:t>
+              <a:t>1/23/24</a:t>
             </a:fld>
             <a:endParaRPr lang="en-US" dirty="0"/>
           </a:p>
@@ -3165,7 +3167,7 @@
             <a:fld id="{5586B75A-687E-405C-8A0B-8D00578BA2C3}" type="datetimeFigureOut">
               <a:rPr lang="en-US" smtClean="0"/>
               <a:pPr/>
-              <a:t>12/14/23</a:t>
+              <a:t>1/23/24</a:t>
             </a:fld>
             <a:endParaRPr lang="en-US" dirty="0"/>
           </a:p>
@@ -3347,7 +3349,7 @@
             <a:fld id="{5586B75A-687E-405C-8A0B-8D00578BA2C3}" type="datetimeFigureOut">
               <a:rPr lang="en-US" smtClean="0"/>
               <a:pPr/>
-              <a:t>12/14/23</a:t>
+              <a:t>1/23/24</a:t>
             </a:fld>
             <a:endParaRPr lang="en-US" dirty="0"/>
           </a:p>
@@ -3519,7 +3521,7 @@
             <a:fld id="{5586B75A-687E-405C-8A0B-8D00578BA2C3}" type="datetimeFigureOut">
               <a:rPr lang="en-US" smtClean="0"/>
               <a:pPr/>
-              <a:t>12/14/23</a:t>
+              <a:t>1/23/24</a:t>
             </a:fld>
             <a:endParaRPr lang="en-US" dirty="0"/>
           </a:p>
@@ -3775,7 +3777,7 @@
             <a:fld id="{5586B75A-687E-405C-8A0B-8D00578BA2C3}" type="datetimeFigureOut">
               <a:rPr lang="en-US" smtClean="0"/>
               <a:pPr/>
-              <a:t>12/14/23</a:t>
+              <a:t>1/23/24</a:t>
             </a:fld>
             <a:endParaRPr lang="en-US" dirty="0"/>
           </a:p>
@@ -4065,7 +4067,7 @@
             <a:fld id="{5586B75A-687E-405C-8A0B-8D00578BA2C3}" type="datetimeFigureOut">
               <a:rPr lang="en-US" smtClean="0"/>
               <a:pPr/>
-              <a:t>12/14/23</a:t>
+              <a:t>1/23/24</a:t>
             </a:fld>
             <a:endParaRPr lang="en-US" dirty="0"/>
           </a:p>
@@ -4509,7 +4511,7 @@
             <a:fld id="{5586B75A-687E-405C-8A0B-8D00578BA2C3}" type="datetimeFigureOut">
               <a:rPr lang="en-US" smtClean="0"/>
               <a:pPr/>
-              <a:t>12/14/23</a:t>
+              <a:t>1/23/24</a:t>
             </a:fld>
             <a:endParaRPr lang="en-US" dirty="0"/>
           </a:p>
@@ -4629,7 +4631,7 @@
             <a:fld id="{5586B75A-687E-405C-8A0B-8D00578BA2C3}" type="datetimeFigureOut">
               <a:rPr lang="en-US" smtClean="0"/>
               <a:pPr/>
-              <a:t>12/14/23</a:t>
+              <a:t>1/23/24</a:t>
             </a:fld>
             <a:endParaRPr lang="en-US" dirty="0"/>
           </a:p>
@@ -4726,7 +4728,7 @@
             <a:fld id="{5586B75A-687E-405C-8A0B-8D00578BA2C3}" type="datetimeFigureOut">
               <a:rPr lang="en-US" smtClean="0"/>
               <a:pPr/>
-              <a:t>12/14/23</a:t>
+              <a:t>1/23/24</a:t>
             </a:fld>
             <a:endParaRPr lang="en-US" dirty="0"/>
           </a:p>
@@ -5016,7 +5018,7 @@
             <a:fld id="{5586B75A-687E-405C-8A0B-8D00578BA2C3}" type="datetimeFigureOut">
               <a:rPr lang="en-US" smtClean="0"/>
               <a:pPr/>
-              <a:t>12/14/23</a:t>
+              <a:t>1/23/24</a:t>
             </a:fld>
             <a:endParaRPr lang="en-US" dirty="0"/>
           </a:p>
@@ -5291,7 +5293,7 @@
             <a:fld id="{5586B75A-687E-405C-8A0B-8D00578BA2C3}" type="datetimeFigureOut">
               <a:rPr lang="en-US" smtClean="0"/>
               <a:pPr/>
-              <a:t>12/14/23</a:t>
+              <a:t>1/23/24</a:t>
             </a:fld>
             <a:endParaRPr lang="en-US" dirty="0"/>
           </a:p>
@@ -5590,7 +5592,7 @@
             <a:fld id="{5586B75A-687E-405C-8A0B-8D00578BA2C3}" type="datetimeFigureOut">
               <a:rPr lang="en-US" smtClean="0"/>
               <a:pPr/>
-              <a:t>12/14/23</a:t>
+              <a:t>1/23/24</a:t>
             </a:fld>
             <a:endParaRPr lang="en-US" dirty="0"/>
           </a:p>
@@ -6235,6 +6237,1997 @@
           <a:p>
             <a:r>
               <a:rPr lang="en-US" dirty="0"/>
+              <a:t>Big </a:t>
+            </a:r>
+            <a:r>
+              <a:rPr lang="en-US" spc="-50" dirty="0"/>
+              <a:t>Picture</a:t>
+            </a:r>
+            <a:endParaRPr lang="en-US" dirty="0"/>
+          </a:p>
+        </p:txBody>
+      </p:sp>
+      <p:sp>
+        <p:nvSpPr>
+          <p:cNvPr id="4" name="object 5">
+            <a:extLst>
+              <a:ext uri="{FF2B5EF4-FFF2-40B4-BE49-F238E27FC236}">
+                <a16:creationId xmlns:a16="http://schemas.microsoft.com/office/drawing/2014/main" id="{DE7012AC-9617-6FCB-6057-BA0C508327A1}"/>
+              </a:ext>
+            </a:extLst>
+          </p:cNvPr>
+          <p:cNvSpPr txBox="1"/>
+          <p:nvPr/>
+        </p:nvSpPr>
+        <p:spPr>
+          <a:xfrm>
+            <a:off x="3557212" y="375587"/>
+            <a:ext cx="8144458" cy="2058256"/>
+          </a:xfrm>
+          <a:prstGeom prst="rect">
+            <a:avLst/>
+          </a:prstGeom>
+        </p:spPr>
+        <p:txBody>
+          <a:bodyPr vert="horz" wrap="square" lIns="0" tIns="109474" rIns="0" bIns="0" rtlCol="0">
+            <a:spAutoFit/>
+          </a:bodyPr>
+          <a:lstStyle/>
+          <a:p>
+            <a:pPr marL="25168">
+              <a:spcBef>
+                <a:spcPts val="860"/>
+              </a:spcBef>
+            </a:pPr>
+            <a:r>
+              <a:rPr sz="2180" spc="-40" dirty="0">
+                <a:latin typeface="Arial"/>
+                <a:cs typeface="Arial"/>
+              </a:rPr>
+              <a:t>Thus</a:t>
+            </a:r>
+            <a:r>
+              <a:rPr sz="2180" spc="-79" dirty="0">
+                <a:latin typeface="Arial"/>
+                <a:cs typeface="Arial"/>
+              </a:rPr>
+              <a:t> </a:t>
+            </a:r>
+            <a:r>
+              <a:rPr sz="2180" dirty="0">
+                <a:latin typeface="Arial"/>
+                <a:cs typeface="Arial"/>
+              </a:rPr>
+              <a:t>far</a:t>
+            </a:r>
+            <a:r>
+              <a:rPr sz="2180" spc="-30" dirty="0">
+                <a:latin typeface="Arial"/>
+                <a:cs typeface="Arial"/>
+              </a:rPr>
+              <a:t> </a:t>
+            </a:r>
+            <a:r>
+              <a:rPr sz="2180" spc="-129" dirty="0">
+                <a:latin typeface="Arial"/>
+                <a:cs typeface="Arial"/>
+              </a:rPr>
+              <a:t>we’ve</a:t>
+            </a:r>
+            <a:r>
+              <a:rPr sz="2180" spc="-30" dirty="0">
+                <a:latin typeface="Arial"/>
+                <a:cs typeface="Arial"/>
+              </a:rPr>
+              <a:t> </a:t>
+            </a:r>
+            <a:r>
+              <a:rPr sz="2180" spc="-119" dirty="0">
+                <a:latin typeface="Arial"/>
+                <a:cs typeface="Arial"/>
+              </a:rPr>
+              <a:t>focused</a:t>
+            </a:r>
+            <a:r>
+              <a:rPr sz="2180" spc="-30" dirty="0">
+                <a:latin typeface="Arial"/>
+                <a:cs typeface="Arial"/>
+              </a:rPr>
+              <a:t> </a:t>
+            </a:r>
+            <a:r>
+              <a:rPr sz="2180" spc="-20" dirty="0">
+                <a:latin typeface="Arial"/>
+                <a:cs typeface="Arial"/>
+              </a:rPr>
+              <a:t>on</a:t>
+            </a:r>
+            <a:r>
+              <a:rPr sz="2180" spc="-30" dirty="0">
+                <a:latin typeface="Arial"/>
+                <a:cs typeface="Arial"/>
+              </a:rPr>
+              <a:t> </a:t>
+            </a:r>
+            <a:r>
+              <a:rPr sz="2180" spc="-89" dirty="0">
+                <a:latin typeface="Arial"/>
+                <a:cs typeface="Arial"/>
+              </a:rPr>
+              <a:t>understanding</a:t>
+            </a:r>
+            <a:r>
+              <a:rPr sz="2180" spc="-40" dirty="0">
+                <a:latin typeface="Arial"/>
+                <a:cs typeface="Arial"/>
+              </a:rPr>
+              <a:t> </a:t>
+            </a:r>
+            <a:r>
+              <a:rPr sz="2180" spc="-129" dirty="0">
+                <a:latin typeface="Arial"/>
+                <a:cs typeface="Arial"/>
+              </a:rPr>
+              <a:t>where</a:t>
+            </a:r>
+            <a:r>
+              <a:rPr sz="2180" spc="-20" dirty="0">
+                <a:latin typeface="Arial"/>
+                <a:cs typeface="Arial"/>
+              </a:rPr>
+              <a:t> </a:t>
+            </a:r>
+            <a:r>
+              <a:rPr sz="2180" dirty="0">
+                <a:latin typeface="Arial"/>
+                <a:cs typeface="Arial"/>
+              </a:rPr>
+              <a:t>our</a:t>
+            </a:r>
+            <a:r>
+              <a:rPr sz="2180" spc="-40" dirty="0">
+                <a:latin typeface="Arial"/>
+                <a:cs typeface="Arial"/>
+              </a:rPr>
+              <a:t> data</a:t>
+            </a:r>
+            <a:r>
+              <a:rPr sz="2180" spc="-30" dirty="0">
+                <a:latin typeface="Arial"/>
+                <a:cs typeface="Arial"/>
+              </a:rPr>
+              <a:t> </a:t>
+            </a:r>
+            <a:r>
+              <a:rPr sz="2180" spc="-129" dirty="0">
+                <a:latin typeface="Arial"/>
+                <a:cs typeface="Arial"/>
+              </a:rPr>
+              <a:t>come</a:t>
+            </a:r>
+            <a:r>
+              <a:rPr sz="2180" spc="-20" dirty="0">
+                <a:latin typeface="Arial"/>
+                <a:cs typeface="Arial"/>
+              </a:rPr>
+              <a:t> from:</a:t>
+            </a:r>
+            <a:endParaRPr sz="2180" dirty="0">
+              <a:latin typeface="Arial"/>
+              <a:cs typeface="Arial"/>
+            </a:endParaRPr>
+          </a:p>
+          <a:p>
+            <a:pPr marL="573821" marR="10067">
+              <a:lnSpc>
+                <a:spcPct val="125299"/>
+              </a:lnSpc>
+            </a:pPr>
+            <a:r>
+              <a:rPr sz="2180" dirty="0">
+                <a:latin typeface="Arial"/>
+                <a:cs typeface="Arial"/>
+              </a:rPr>
+              <a:t>Do</a:t>
+            </a:r>
+            <a:r>
+              <a:rPr sz="2180" spc="-159" dirty="0">
+                <a:latin typeface="Arial"/>
+                <a:cs typeface="Arial"/>
+              </a:rPr>
+              <a:t> </a:t>
+            </a:r>
+            <a:r>
+              <a:rPr sz="2180" spc="-109" dirty="0">
+                <a:latin typeface="Arial"/>
+                <a:cs typeface="Arial"/>
+              </a:rPr>
+              <a:t>those</a:t>
+            </a:r>
+            <a:r>
+              <a:rPr sz="2180" spc="-40" dirty="0">
+                <a:latin typeface="Arial"/>
+                <a:cs typeface="Arial"/>
+              </a:rPr>
+              <a:t> data</a:t>
+            </a:r>
+            <a:r>
+              <a:rPr sz="2180" spc="-79" dirty="0">
+                <a:latin typeface="Arial"/>
+                <a:cs typeface="Arial"/>
+              </a:rPr>
+              <a:t> </a:t>
+            </a:r>
+            <a:r>
+              <a:rPr sz="2180" spc="-139" dirty="0">
+                <a:latin typeface="Arial"/>
+                <a:cs typeface="Arial"/>
+              </a:rPr>
+              <a:t>represent</a:t>
+            </a:r>
+            <a:r>
+              <a:rPr sz="2180" spc="-10" dirty="0">
+                <a:latin typeface="Arial"/>
+                <a:cs typeface="Arial"/>
+              </a:rPr>
+              <a:t> </a:t>
+            </a:r>
+            <a:r>
+              <a:rPr sz="2180" dirty="0">
+                <a:latin typeface="Arial"/>
+                <a:cs typeface="Arial"/>
+              </a:rPr>
+              <a:t>a</a:t>
+            </a:r>
+            <a:r>
+              <a:rPr sz="2180" spc="-59" dirty="0">
+                <a:latin typeface="Arial"/>
+                <a:cs typeface="Arial"/>
+              </a:rPr>
+              <a:t> </a:t>
+            </a:r>
+            <a:r>
+              <a:rPr sz="2180" spc="-79" dirty="0">
+                <a:solidFill>
+                  <a:srgbClr val="00B0F0"/>
+                </a:solidFill>
+                <a:latin typeface="Arial"/>
+                <a:cs typeface="Arial"/>
+              </a:rPr>
+              <a:t>random</a:t>
+            </a:r>
+            <a:r>
+              <a:rPr sz="2180" spc="-59" dirty="0">
+                <a:solidFill>
+                  <a:srgbClr val="00B0F0"/>
+                </a:solidFill>
+                <a:latin typeface="Arial"/>
+                <a:cs typeface="Arial"/>
+              </a:rPr>
+              <a:t> </a:t>
+            </a:r>
+            <a:r>
+              <a:rPr sz="2180" spc="-149" dirty="0">
+                <a:solidFill>
+                  <a:srgbClr val="00B0F0"/>
+                </a:solidFill>
+                <a:latin typeface="Arial"/>
+                <a:cs typeface="Arial"/>
+              </a:rPr>
+              <a:t>sample</a:t>
+            </a:r>
+            <a:r>
+              <a:rPr sz="2180" dirty="0">
+                <a:solidFill>
+                  <a:srgbClr val="00B0F0"/>
+                </a:solidFill>
+                <a:latin typeface="Arial"/>
+                <a:cs typeface="Arial"/>
+              </a:rPr>
+              <a:t> </a:t>
+            </a:r>
+            <a:r>
+              <a:rPr sz="2180" dirty="0">
+                <a:latin typeface="Arial"/>
+                <a:cs typeface="Arial"/>
+              </a:rPr>
+              <a:t>from</a:t>
+            </a:r>
+            <a:r>
+              <a:rPr sz="2180" spc="-59" dirty="0">
+                <a:latin typeface="Arial"/>
+                <a:cs typeface="Arial"/>
+              </a:rPr>
+              <a:t> </a:t>
+            </a:r>
+            <a:r>
+              <a:rPr sz="2180" spc="-20" dirty="0">
+                <a:latin typeface="Arial"/>
+                <a:cs typeface="Arial"/>
+              </a:rPr>
+              <a:t>our</a:t>
+            </a:r>
+            <a:r>
+              <a:rPr sz="2180" spc="-59" dirty="0">
+                <a:latin typeface="Arial"/>
+                <a:cs typeface="Arial"/>
+              </a:rPr>
+              <a:t> </a:t>
+            </a:r>
+            <a:r>
+              <a:rPr sz="2180" spc="-20" dirty="0">
+                <a:latin typeface="Arial"/>
+                <a:cs typeface="Arial"/>
+              </a:rPr>
+              <a:t>target</a:t>
+            </a:r>
+            <a:r>
+              <a:rPr sz="2180" spc="-50" dirty="0">
+                <a:latin typeface="Arial"/>
+                <a:cs typeface="Arial"/>
+              </a:rPr>
+              <a:t> population? </a:t>
+            </a:r>
+            <a:r>
+              <a:rPr sz="2180" spc="-149" dirty="0">
+                <a:latin typeface="Arial"/>
+                <a:cs typeface="Arial"/>
+              </a:rPr>
+              <a:t>Was</a:t>
+            </a:r>
+            <a:r>
+              <a:rPr sz="2180" spc="-10" dirty="0">
+                <a:latin typeface="Arial"/>
+                <a:cs typeface="Arial"/>
+              </a:rPr>
+              <a:t> </a:t>
+            </a:r>
+            <a:r>
+              <a:rPr sz="2180" dirty="0">
+                <a:latin typeface="Arial"/>
+                <a:cs typeface="Arial"/>
+              </a:rPr>
+              <a:t>the</a:t>
+            </a:r>
+            <a:r>
+              <a:rPr sz="2180" spc="-50" dirty="0">
+                <a:latin typeface="Arial"/>
+                <a:cs typeface="Arial"/>
+              </a:rPr>
+              <a:t> </a:t>
+            </a:r>
+            <a:r>
+              <a:rPr sz="2180" spc="-79" dirty="0">
+                <a:latin typeface="Arial"/>
+                <a:cs typeface="Arial"/>
+              </a:rPr>
+              <a:t>explanatory</a:t>
+            </a:r>
+            <a:r>
+              <a:rPr sz="2180" spc="-20" dirty="0">
+                <a:latin typeface="Arial"/>
+                <a:cs typeface="Arial"/>
+              </a:rPr>
+              <a:t> </a:t>
+            </a:r>
+            <a:r>
+              <a:rPr sz="2180" spc="-89" dirty="0">
+                <a:latin typeface="Arial"/>
+                <a:cs typeface="Arial"/>
+              </a:rPr>
+              <a:t>variable</a:t>
+            </a:r>
+            <a:r>
+              <a:rPr sz="2180" spc="-30" dirty="0">
+                <a:latin typeface="Arial"/>
+                <a:cs typeface="Arial"/>
+              </a:rPr>
+              <a:t> </a:t>
+            </a:r>
+            <a:r>
+              <a:rPr sz="2180" spc="-69" dirty="0">
+                <a:solidFill>
+                  <a:srgbClr val="00B0F0"/>
+                </a:solidFill>
+                <a:latin typeface="Arial"/>
+                <a:cs typeface="Arial"/>
+              </a:rPr>
+              <a:t>randomly</a:t>
+            </a:r>
+            <a:r>
+              <a:rPr sz="2180" spc="-30" dirty="0">
+                <a:solidFill>
+                  <a:srgbClr val="00B0F0"/>
+                </a:solidFill>
+                <a:latin typeface="Arial"/>
+                <a:cs typeface="Arial"/>
+              </a:rPr>
+              <a:t> </a:t>
+            </a:r>
+            <a:r>
+              <a:rPr sz="2180" spc="-20" dirty="0">
+                <a:solidFill>
+                  <a:srgbClr val="00B0F0"/>
+                </a:solidFill>
+                <a:latin typeface="Arial"/>
+                <a:cs typeface="Arial"/>
+              </a:rPr>
+              <a:t>allocated</a:t>
+            </a:r>
+            <a:r>
+              <a:rPr sz="2180" spc="-20" dirty="0">
+                <a:latin typeface="Arial"/>
+                <a:cs typeface="Arial"/>
+              </a:rPr>
+              <a:t>?</a:t>
+            </a:r>
+            <a:endParaRPr sz="2180" dirty="0">
+              <a:latin typeface="Arial"/>
+              <a:cs typeface="Arial"/>
+            </a:endParaRPr>
+          </a:p>
+          <a:p>
+            <a:pPr marL="25168">
+              <a:spcBef>
+                <a:spcPts val="662"/>
+              </a:spcBef>
+            </a:pPr>
+            <a:r>
+              <a:rPr sz="2180" dirty="0">
+                <a:latin typeface="Arial"/>
+                <a:cs typeface="Arial"/>
+              </a:rPr>
+              <a:t>This</a:t>
+            </a:r>
+            <a:r>
+              <a:rPr sz="2180" spc="-59" dirty="0">
+                <a:latin typeface="Arial"/>
+                <a:cs typeface="Arial"/>
+              </a:rPr>
+              <a:t> </a:t>
+            </a:r>
+            <a:r>
+              <a:rPr sz="2180" dirty="0">
+                <a:latin typeface="Arial"/>
+                <a:cs typeface="Arial"/>
+              </a:rPr>
+              <a:t>in turn</a:t>
+            </a:r>
+            <a:r>
+              <a:rPr sz="2180" spc="-10" dirty="0">
+                <a:latin typeface="Arial"/>
+                <a:cs typeface="Arial"/>
+              </a:rPr>
+              <a:t> </a:t>
+            </a:r>
+            <a:r>
+              <a:rPr sz="2180" spc="-109" dirty="0">
+                <a:latin typeface="Arial"/>
+                <a:cs typeface="Arial"/>
+              </a:rPr>
+              <a:t>determines</a:t>
+            </a:r>
+            <a:r>
+              <a:rPr sz="2180" spc="-20" dirty="0">
+                <a:latin typeface="Arial"/>
+                <a:cs typeface="Arial"/>
+              </a:rPr>
+              <a:t> </a:t>
+            </a:r>
+            <a:r>
+              <a:rPr sz="2180" i="1" dirty="0">
+                <a:latin typeface="Arial"/>
+                <a:cs typeface="Arial"/>
+              </a:rPr>
+              <a:t>what</a:t>
+            </a:r>
+            <a:r>
+              <a:rPr sz="2180" i="1" spc="-10" dirty="0">
+                <a:latin typeface="Arial"/>
+                <a:cs typeface="Arial"/>
+              </a:rPr>
+              <a:t> </a:t>
+            </a:r>
+            <a:r>
+              <a:rPr sz="2180" spc="-99" dirty="0">
+                <a:latin typeface="Arial"/>
+                <a:cs typeface="Arial"/>
+              </a:rPr>
+              <a:t>sorts</a:t>
+            </a:r>
+            <a:r>
+              <a:rPr sz="2180" dirty="0">
+                <a:latin typeface="Arial"/>
+                <a:cs typeface="Arial"/>
+              </a:rPr>
+              <a:t> of</a:t>
+            </a:r>
+            <a:r>
+              <a:rPr sz="2180" spc="-10" dirty="0">
+                <a:latin typeface="Arial"/>
+                <a:cs typeface="Arial"/>
+              </a:rPr>
+              <a:t> </a:t>
+            </a:r>
+            <a:r>
+              <a:rPr sz="2180" spc="-119" dirty="0">
+                <a:latin typeface="Arial"/>
+                <a:cs typeface="Arial"/>
+              </a:rPr>
+              <a:t>conclusions</a:t>
+            </a:r>
+            <a:r>
+              <a:rPr sz="2180" spc="-10" dirty="0">
+                <a:latin typeface="Arial"/>
+                <a:cs typeface="Arial"/>
+              </a:rPr>
+              <a:t> </a:t>
+            </a:r>
+            <a:r>
+              <a:rPr sz="2180" spc="-188" dirty="0">
+                <a:latin typeface="Arial"/>
+                <a:cs typeface="Arial"/>
+              </a:rPr>
+              <a:t>we</a:t>
+            </a:r>
+            <a:r>
+              <a:rPr sz="2180" spc="40" dirty="0">
+                <a:latin typeface="Arial"/>
+                <a:cs typeface="Arial"/>
+              </a:rPr>
+              <a:t> </a:t>
+            </a:r>
+            <a:r>
+              <a:rPr sz="2180" spc="-99" dirty="0">
+                <a:latin typeface="Arial"/>
+                <a:cs typeface="Arial"/>
+              </a:rPr>
+              <a:t>can</a:t>
+            </a:r>
+            <a:r>
+              <a:rPr sz="2180" spc="-10" dirty="0">
+                <a:latin typeface="Arial"/>
+                <a:cs typeface="Arial"/>
+              </a:rPr>
+              <a:t> </a:t>
+            </a:r>
+            <a:r>
+              <a:rPr sz="2180" spc="-89" dirty="0">
+                <a:latin typeface="Arial"/>
+                <a:cs typeface="Arial"/>
+              </a:rPr>
+              <a:t>draw</a:t>
+            </a:r>
+            <a:r>
+              <a:rPr sz="2180" spc="-10" dirty="0">
+                <a:latin typeface="Arial"/>
+                <a:cs typeface="Arial"/>
+              </a:rPr>
+              <a:t> </a:t>
+            </a:r>
+            <a:r>
+              <a:rPr sz="2180" spc="-79" dirty="0">
+                <a:latin typeface="Arial"/>
+                <a:cs typeface="Arial"/>
+              </a:rPr>
+              <a:t>and</a:t>
+            </a:r>
+            <a:r>
+              <a:rPr sz="2180" dirty="0">
+                <a:latin typeface="Arial"/>
+                <a:cs typeface="Arial"/>
+              </a:rPr>
+              <a:t> </a:t>
+            </a:r>
+            <a:r>
+              <a:rPr sz="2180" spc="-50" dirty="0">
+                <a:latin typeface="Arial"/>
+                <a:cs typeface="Arial"/>
+              </a:rPr>
+              <a:t>to</a:t>
+            </a:r>
+            <a:endParaRPr sz="2180" dirty="0">
+              <a:latin typeface="Arial"/>
+              <a:cs typeface="Arial"/>
+            </a:endParaRPr>
+          </a:p>
+          <a:p>
+            <a:pPr marL="25168">
+              <a:spcBef>
+                <a:spcPts val="69"/>
+              </a:spcBef>
+            </a:pPr>
+            <a:r>
+              <a:rPr sz="2180" i="1" spc="-69" dirty="0">
+                <a:latin typeface="Arial"/>
+                <a:cs typeface="Arial"/>
+              </a:rPr>
+              <a:t>whom </a:t>
+            </a:r>
+            <a:r>
+              <a:rPr sz="2180" spc="-188" dirty="0">
+                <a:latin typeface="Arial"/>
+                <a:cs typeface="Arial"/>
+              </a:rPr>
+              <a:t>we</a:t>
+            </a:r>
+            <a:r>
+              <a:rPr sz="2180" spc="40" dirty="0">
+                <a:latin typeface="Arial"/>
+                <a:cs typeface="Arial"/>
+              </a:rPr>
+              <a:t> </a:t>
+            </a:r>
+            <a:r>
+              <a:rPr sz="2180" spc="-89" dirty="0">
+                <a:latin typeface="Arial"/>
+                <a:cs typeface="Arial"/>
+              </a:rPr>
+              <a:t>can</a:t>
+            </a:r>
+            <a:r>
+              <a:rPr sz="2180" spc="-10" dirty="0">
+                <a:latin typeface="Arial"/>
+                <a:cs typeface="Arial"/>
+              </a:rPr>
+              <a:t> </a:t>
+            </a:r>
+            <a:r>
+              <a:rPr sz="2180" spc="-119" dirty="0">
+                <a:latin typeface="Arial"/>
+                <a:cs typeface="Arial"/>
+              </a:rPr>
+              <a:t>generalize</a:t>
+            </a:r>
+            <a:r>
+              <a:rPr sz="2180" spc="-20" dirty="0">
+                <a:latin typeface="Arial"/>
+                <a:cs typeface="Arial"/>
+              </a:rPr>
+              <a:t> </a:t>
+            </a:r>
+            <a:r>
+              <a:rPr sz="2180" spc="-99" dirty="0">
+                <a:latin typeface="Arial"/>
+                <a:cs typeface="Arial"/>
+              </a:rPr>
+              <a:t>those</a:t>
+            </a:r>
+            <a:r>
+              <a:rPr sz="2180" spc="-10" dirty="0">
+                <a:latin typeface="Arial"/>
+                <a:cs typeface="Arial"/>
+              </a:rPr>
+              <a:t> </a:t>
+            </a:r>
+            <a:r>
+              <a:rPr sz="2180" spc="-20" dirty="0">
+                <a:latin typeface="Arial"/>
+                <a:cs typeface="Arial"/>
+              </a:rPr>
+              <a:t>results:</a:t>
+            </a:r>
+            <a:endParaRPr sz="2180" dirty="0">
+              <a:latin typeface="Arial"/>
+              <a:cs typeface="Arial"/>
+            </a:endParaRPr>
+          </a:p>
+        </p:txBody>
+      </p:sp>
+      <p:pic>
+        <p:nvPicPr>
+          <p:cNvPr id="5" name="object 6">
+            <a:extLst>
+              <a:ext uri="{FF2B5EF4-FFF2-40B4-BE49-F238E27FC236}">
+                <a16:creationId xmlns:a16="http://schemas.microsoft.com/office/drawing/2014/main" id="{D81F2E41-D8C6-1532-7E50-03F42CA0FD8A}"/>
+              </a:ext>
+            </a:extLst>
+          </p:cNvPr>
+          <p:cNvPicPr>
+            <a:picLocks noChangeAspect="1"/>
+          </p:cNvPicPr>
+          <p:nvPr/>
+        </p:nvPicPr>
+        <p:blipFill>
+          <a:blip r:embed="rId2" cstate="print"/>
+          <a:stretch>
+            <a:fillRect/>
+          </a:stretch>
+        </p:blipFill>
+        <p:spPr>
+          <a:xfrm>
+            <a:off x="2942340" y="2433843"/>
+            <a:ext cx="9249660" cy="4389120"/>
+          </a:xfrm>
+          <a:prstGeom prst="rect">
+            <a:avLst/>
+          </a:prstGeom>
+        </p:spPr>
+      </p:pic>
+      <p:grpSp>
+        <p:nvGrpSpPr>
+          <p:cNvPr id="7" name="object 7">
+            <a:extLst>
+              <a:ext uri="{FF2B5EF4-FFF2-40B4-BE49-F238E27FC236}">
+                <a16:creationId xmlns:a16="http://schemas.microsoft.com/office/drawing/2014/main" id="{AE24A05A-7142-6EA8-9E84-C14180C93407}"/>
+              </a:ext>
+            </a:extLst>
+          </p:cNvPr>
+          <p:cNvGrpSpPr/>
+          <p:nvPr/>
+        </p:nvGrpSpPr>
+        <p:grpSpPr>
+          <a:xfrm>
+            <a:off x="3557212" y="4144349"/>
+            <a:ext cx="8583196" cy="547382"/>
+            <a:chOff x="138547" y="2905655"/>
+            <a:chExt cx="4331335" cy="276225"/>
+          </a:xfrm>
+        </p:grpSpPr>
+        <p:sp>
+          <p:nvSpPr>
+            <p:cNvPr id="8" name="object 8">
+              <a:extLst>
+                <a:ext uri="{FF2B5EF4-FFF2-40B4-BE49-F238E27FC236}">
+                  <a16:creationId xmlns:a16="http://schemas.microsoft.com/office/drawing/2014/main" id="{64E96BC4-5559-87E4-25F0-52086505F75B}"/>
+                </a:ext>
+              </a:extLst>
+            </p:cNvPr>
+            <p:cNvSpPr/>
+            <p:nvPr/>
+          </p:nvSpPr>
+          <p:spPr>
+            <a:xfrm>
+              <a:off x="138547" y="2905655"/>
+              <a:ext cx="4331335" cy="276225"/>
+            </a:xfrm>
+            <a:custGeom>
+              <a:avLst/>
+              <a:gdLst/>
+              <a:ahLst/>
+              <a:cxnLst/>
+              <a:rect l="l" t="t" r="r" b="b"/>
+              <a:pathLst>
+                <a:path w="4331335" h="276225">
+                  <a:moveTo>
+                    <a:pt x="4276964" y="0"/>
+                  </a:moveTo>
+                  <a:lnTo>
+                    <a:pt x="54000" y="0"/>
+                  </a:lnTo>
+                  <a:lnTo>
+                    <a:pt x="32980" y="4243"/>
+                  </a:lnTo>
+                  <a:lnTo>
+                    <a:pt x="15816" y="15816"/>
+                  </a:lnTo>
+                  <a:lnTo>
+                    <a:pt x="4243" y="32980"/>
+                  </a:lnTo>
+                  <a:lnTo>
+                    <a:pt x="0" y="54000"/>
+                  </a:lnTo>
+                  <a:lnTo>
+                    <a:pt x="0" y="222214"/>
+                  </a:lnTo>
+                  <a:lnTo>
+                    <a:pt x="4243" y="243234"/>
+                  </a:lnTo>
+                  <a:lnTo>
+                    <a:pt x="15816" y="260398"/>
+                  </a:lnTo>
+                  <a:lnTo>
+                    <a:pt x="32980" y="271971"/>
+                  </a:lnTo>
+                  <a:lnTo>
+                    <a:pt x="54000" y="276215"/>
+                  </a:lnTo>
+                  <a:lnTo>
+                    <a:pt x="4276964" y="276215"/>
+                  </a:lnTo>
+                  <a:lnTo>
+                    <a:pt x="4297984" y="271971"/>
+                  </a:lnTo>
+                  <a:lnTo>
+                    <a:pt x="4315149" y="260398"/>
+                  </a:lnTo>
+                  <a:lnTo>
+                    <a:pt x="4326721" y="243234"/>
+                  </a:lnTo>
+                  <a:lnTo>
+                    <a:pt x="4330965" y="222214"/>
+                  </a:lnTo>
+                  <a:lnTo>
+                    <a:pt x="4330965" y="54000"/>
+                  </a:lnTo>
+                  <a:lnTo>
+                    <a:pt x="4326721" y="32980"/>
+                  </a:lnTo>
+                  <a:lnTo>
+                    <a:pt x="4315149" y="15816"/>
+                  </a:lnTo>
+                  <a:lnTo>
+                    <a:pt x="4297984" y="4243"/>
+                  </a:lnTo>
+                  <a:lnTo>
+                    <a:pt x="4276964" y="0"/>
+                  </a:lnTo>
+                  <a:close/>
+                </a:path>
+              </a:pathLst>
+            </a:custGeom>
+            <a:solidFill>
+              <a:srgbClr val="A8E2A0"/>
+            </a:solidFill>
+          </p:spPr>
+          <p:txBody>
+            <a:bodyPr wrap="square" lIns="0" tIns="0" rIns="0" bIns="0" rtlCol="0"/>
+            <a:lstStyle/>
+            <a:p>
+              <a:endParaRPr sz="3567"/>
+            </a:p>
+          </p:txBody>
+        </p:sp>
+        <p:sp>
+          <p:nvSpPr>
+            <p:cNvPr id="9" name="object 9">
+              <a:extLst>
+                <a:ext uri="{FF2B5EF4-FFF2-40B4-BE49-F238E27FC236}">
+                  <a16:creationId xmlns:a16="http://schemas.microsoft.com/office/drawing/2014/main" id="{6BBAFB4D-7088-DBB2-8009-EF59DA74F4EE}"/>
+                </a:ext>
+              </a:extLst>
+            </p:cNvPr>
+            <p:cNvSpPr/>
+            <p:nvPr/>
+          </p:nvSpPr>
+          <p:spPr>
+            <a:xfrm>
+              <a:off x="156547" y="2923655"/>
+              <a:ext cx="4295140" cy="240665"/>
+            </a:xfrm>
+            <a:custGeom>
+              <a:avLst/>
+              <a:gdLst/>
+              <a:ahLst/>
+              <a:cxnLst/>
+              <a:rect l="l" t="t" r="r" b="b"/>
+              <a:pathLst>
+                <a:path w="4295140" h="240664">
+                  <a:moveTo>
+                    <a:pt x="4258964" y="0"/>
+                  </a:moveTo>
+                  <a:lnTo>
+                    <a:pt x="36000" y="0"/>
+                  </a:lnTo>
+                  <a:lnTo>
+                    <a:pt x="21987" y="2829"/>
+                  </a:lnTo>
+                  <a:lnTo>
+                    <a:pt x="10544" y="10544"/>
+                  </a:lnTo>
+                  <a:lnTo>
+                    <a:pt x="2829" y="21987"/>
+                  </a:lnTo>
+                  <a:lnTo>
+                    <a:pt x="0" y="36000"/>
+                  </a:lnTo>
+                  <a:lnTo>
+                    <a:pt x="0" y="204214"/>
+                  </a:lnTo>
+                  <a:lnTo>
+                    <a:pt x="2829" y="218227"/>
+                  </a:lnTo>
+                  <a:lnTo>
+                    <a:pt x="10544" y="229671"/>
+                  </a:lnTo>
+                  <a:lnTo>
+                    <a:pt x="21987" y="237386"/>
+                  </a:lnTo>
+                  <a:lnTo>
+                    <a:pt x="36000" y="240215"/>
+                  </a:lnTo>
+                  <a:lnTo>
+                    <a:pt x="4258964" y="240215"/>
+                  </a:lnTo>
+                  <a:lnTo>
+                    <a:pt x="4272977" y="237386"/>
+                  </a:lnTo>
+                  <a:lnTo>
+                    <a:pt x="4284420" y="229671"/>
+                  </a:lnTo>
+                  <a:lnTo>
+                    <a:pt x="4292136" y="218227"/>
+                  </a:lnTo>
+                  <a:lnTo>
+                    <a:pt x="4294965" y="204214"/>
+                  </a:lnTo>
+                  <a:lnTo>
+                    <a:pt x="4294965" y="36000"/>
+                  </a:lnTo>
+                  <a:lnTo>
+                    <a:pt x="4292136" y="21987"/>
+                  </a:lnTo>
+                  <a:lnTo>
+                    <a:pt x="4284420" y="10544"/>
+                  </a:lnTo>
+                  <a:lnTo>
+                    <a:pt x="4272977" y="2829"/>
+                  </a:lnTo>
+                  <a:lnTo>
+                    <a:pt x="4258964" y="0"/>
+                  </a:lnTo>
+                  <a:close/>
+                </a:path>
+              </a:pathLst>
+            </a:custGeom>
+            <a:solidFill>
+              <a:srgbClr val="F1FAF0"/>
+            </a:solidFill>
+          </p:spPr>
+          <p:txBody>
+            <a:bodyPr wrap="square" lIns="0" tIns="0" rIns="0" bIns="0" rtlCol="0"/>
+            <a:lstStyle/>
+            <a:p>
+              <a:endParaRPr sz="3567"/>
+            </a:p>
+          </p:txBody>
+        </p:sp>
+      </p:grpSp>
+      <p:sp>
+        <p:nvSpPr>
+          <p:cNvPr id="10" name="object 10">
+            <a:extLst>
+              <a:ext uri="{FF2B5EF4-FFF2-40B4-BE49-F238E27FC236}">
+                <a16:creationId xmlns:a16="http://schemas.microsoft.com/office/drawing/2014/main" id="{CECC6BBC-1BC4-07FC-AD1A-C781647A1B51}"/>
+              </a:ext>
+            </a:extLst>
+          </p:cNvPr>
+          <p:cNvSpPr txBox="1"/>
+          <p:nvPr/>
+        </p:nvSpPr>
+        <p:spPr>
+          <a:xfrm>
+            <a:off x="3639048" y="4213637"/>
+            <a:ext cx="4811925" cy="358348"/>
+          </a:xfrm>
+          <a:prstGeom prst="rect">
+            <a:avLst/>
+          </a:prstGeom>
+        </p:spPr>
+        <p:txBody>
+          <a:bodyPr vert="horz" wrap="square" lIns="0" tIns="22650" rIns="0" bIns="0" rtlCol="0">
+            <a:spAutoFit/>
+          </a:bodyPr>
+          <a:lstStyle/>
+          <a:p>
+            <a:pPr marL="25168">
+              <a:spcBef>
+                <a:spcPts val="178"/>
+              </a:spcBef>
+            </a:pPr>
+            <a:r>
+              <a:rPr sz="2180" dirty="0">
+                <a:latin typeface="Arial"/>
+                <a:cs typeface="Arial"/>
+              </a:rPr>
+              <a:t>But</a:t>
+            </a:r>
+            <a:r>
+              <a:rPr sz="2180" spc="-79" dirty="0">
+                <a:latin typeface="Arial"/>
+                <a:cs typeface="Arial"/>
+              </a:rPr>
+              <a:t> </a:t>
+            </a:r>
+            <a:r>
+              <a:rPr sz="2180" spc="-129" dirty="0">
+                <a:latin typeface="Arial"/>
+                <a:cs typeface="Arial"/>
+              </a:rPr>
+              <a:t>once</a:t>
+            </a:r>
+            <a:r>
+              <a:rPr sz="2180" spc="40" dirty="0">
+                <a:latin typeface="Arial"/>
+                <a:cs typeface="Arial"/>
+              </a:rPr>
+              <a:t> </a:t>
+            </a:r>
+            <a:r>
+              <a:rPr sz="2180" spc="-188" dirty="0">
+                <a:latin typeface="Arial"/>
+                <a:cs typeface="Arial"/>
+              </a:rPr>
+              <a:t>we</a:t>
+            </a:r>
+            <a:r>
+              <a:rPr sz="2180" spc="30" dirty="0">
+                <a:latin typeface="Arial"/>
+                <a:cs typeface="Arial"/>
+              </a:rPr>
+              <a:t> </a:t>
+            </a:r>
+            <a:r>
+              <a:rPr sz="2180" spc="-129" dirty="0">
+                <a:latin typeface="Arial"/>
+                <a:cs typeface="Arial"/>
+              </a:rPr>
+              <a:t>have</a:t>
+            </a:r>
+            <a:r>
+              <a:rPr sz="2180" spc="40" dirty="0">
+                <a:latin typeface="Arial"/>
+                <a:cs typeface="Arial"/>
+              </a:rPr>
+              <a:t> </a:t>
+            </a:r>
+            <a:r>
+              <a:rPr sz="2180" dirty="0">
+                <a:latin typeface="Arial"/>
+                <a:cs typeface="Arial"/>
+              </a:rPr>
+              <a:t>our</a:t>
+            </a:r>
+            <a:r>
+              <a:rPr sz="2180" spc="40" dirty="0">
+                <a:latin typeface="Arial"/>
+                <a:cs typeface="Arial"/>
+              </a:rPr>
+              <a:t> </a:t>
+            </a:r>
+            <a:r>
+              <a:rPr sz="2180" spc="-79" dirty="0">
+                <a:latin typeface="Arial"/>
+                <a:cs typeface="Arial"/>
+              </a:rPr>
+              <a:t>data.</a:t>
+            </a:r>
+            <a:r>
+              <a:rPr sz="2180" spc="-248" dirty="0">
+                <a:latin typeface="Arial"/>
+                <a:cs typeface="Arial"/>
+              </a:rPr>
+              <a:t> </a:t>
+            </a:r>
+            <a:r>
+              <a:rPr sz="2180" spc="-20" dirty="0">
+                <a:latin typeface="Arial"/>
+                <a:cs typeface="Arial"/>
+              </a:rPr>
+              <a:t>.</a:t>
+            </a:r>
+            <a:r>
+              <a:rPr sz="2180" spc="-248" dirty="0">
+                <a:latin typeface="Arial"/>
+                <a:cs typeface="Arial"/>
+              </a:rPr>
+              <a:t> </a:t>
+            </a:r>
+            <a:r>
+              <a:rPr sz="2180" spc="-20" dirty="0">
+                <a:latin typeface="Arial"/>
+                <a:cs typeface="Arial"/>
+              </a:rPr>
+              <a:t>.</a:t>
+            </a:r>
+            <a:r>
+              <a:rPr sz="2180" spc="-248" dirty="0">
+                <a:latin typeface="Arial"/>
+                <a:cs typeface="Arial"/>
+              </a:rPr>
+              <a:t> </a:t>
+            </a:r>
+            <a:r>
+              <a:rPr sz="2180" spc="-20" dirty="0">
+                <a:latin typeface="Arial"/>
+                <a:cs typeface="Arial"/>
+              </a:rPr>
+              <a:t>then</a:t>
+            </a:r>
+            <a:r>
+              <a:rPr sz="2180" spc="30" dirty="0">
+                <a:latin typeface="Arial"/>
+                <a:cs typeface="Arial"/>
+              </a:rPr>
+              <a:t> </a:t>
+            </a:r>
+            <a:r>
+              <a:rPr sz="2180" spc="-20" dirty="0">
+                <a:latin typeface="Arial"/>
+                <a:cs typeface="Arial"/>
+              </a:rPr>
+              <a:t>what?</a:t>
+            </a:r>
+            <a:endParaRPr sz="2180" dirty="0">
+              <a:latin typeface="Arial"/>
+              <a:cs typeface="Arial"/>
+            </a:endParaRPr>
+          </a:p>
+        </p:txBody>
+      </p:sp>
+    </p:spTree>
+    <p:extLst>
+      <p:ext uri="{BB962C8B-B14F-4D97-AF65-F5344CB8AC3E}">
+        <p14:creationId xmlns:p14="http://schemas.microsoft.com/office/powerpoint/2010/main" val="1797280277"/>
+      </p:ext>
+    </p:extLst>
+  </p:cSld>
+  <p:clrMapOvr>
+    <a:masterClrMapping/>
+  </p:clrMapOvr>
+</p:sld>
+</file>
+
+<file path=ppt/slides/slide11.xml><?xml version="1.0" encoding="utf-8"?>
+<p:sld xmlns:a="http://schemas.openxmlformats.org/drawingml/2006/main" xmlns:r="http://schemas.openxmlformats.org/officeDocument/2006/relationships" xmlns:p="http://schemas.openxmlformats.org/presentationml/2006/main">
+  <p:cSld>
+    <p:spTree>
+      <p:nvGrpSpPr>
+        <p:cNvPr id="1" name=""/>
+        <p:cNvGrpSpPr/>
+        <p:nvPr/>
+      </p:nvGrpSpPr>
+      <p:grpSpPr>
+        <a:xfrm>
+          <a:off x="0" y="0"/>
+          <a:ext cx="0" cy="0"/>
+          <a:chOff x="0" y="0"/>
+          <a:chExt cx="0" cy="0"/>
+        </a:xfrm>
+      </p:grpSpPr>
+      <p:sp>
+        <p:nvSpPr>
+          <p:cNvPr id="2" name="Title 1">
+            <a:extLst>
+              <a:ext uri="{FF2B5EF4-FFF2-40B4-BE49-F238E27FC236}">
+                <a16:creationId xmlns:a16="http://schemas.microsoft.com/office/drawing/2014/main" id="{10D330C2-52A4-1ABA-980B-56FBC97F350C}"/>
+              </a:ext>
+            </a:extLst>
+          </p:cNvPr>
+          <p:cNvSpPr>
+            <a:spLocks noGrp="1"/>
+          </p:cNvSpPr>
+          <p:nvPr>
+            <p:ph type="title"/>
+          </p:nvPr>
+        </p:nvSpPr>
+        <p:spPr/>
+        <p:txBody>
+          <a:bodyPr/>
+          <a:lstStyle/>
+          <a:p>
+            <a:r>
+              <a:rPr lang="en-US" dirty="0"/>
+              <a:t>IMDB</a:t>
+            </a:r>
+            <a:r>
+              <a:rPr lang="en-US" spc="40" dirty="0"/>
+              <a:t> </a:t>
+            </a:r>
+            <a:r>
+              <a:rPr lang="en-US" spc="-40" dirty="0"/>
+              <a:t>Movie</a:t>
+            </a:r>
+            <a:r>
+              <a:rPr lang="en-US" spc="59" dirty="0"/>
+              <a:t> </a:t>
+            </a:r>
+            <a:r>
+              <a:rPr lang="en-US" spc="-69" dirty="0"/>
+              <a:t>Dataset</a:t>
+            </a:r>
+            <a:endParaRPr lang="en-US" dirty="0"/>
+          </a:p>
+        </p:txBody>
+      </p:sp>
+      <p:sp>
+        <p:nvSpPr>
+          <p:cNvPr id="3" name="object 4">
+            <a:extLst>
+              <a:ext uri="{FF2B5EF4-FFF2-40B4-BE49-F238E27FC236}">
+                <a16:creationId xmlns:a16="http://schemas.microsoft.com/office/drawing/2014/main" id="{45F5C794-B5BD-4A05-99D1-FF3CC493A4C6}"/>
+              </a:ext>
+            </a:extLst>
+          </p:cNvPr>
+          <p:cNvSpPr txBox="1"/>
+          <p:nvPr/>
+        </p:nvSpPr>
+        <p:spPr>
+          <a:xfrm>
+            <a:off x="3504773" y="690785"/>
+            <a:ext cx="8524054" cy="1847171"/>
+          </a:xfrm>
+          <a:prstGeom prst="rect">
+            <a:avLst/>
+          </a:prstGeom>
+        </p:spPr>
+        <p:txBody>
+          <a:bodyPr vert="horz" wrap="square" lIns="0" tIns="13842" rIns="0" bIns="0" rtlCol="0">
+            <a:spAutoFit/>
+          </a:bodyPr>
+          <a:lstStyle/>
+          <a:p>
+            <a:pPr marL="25168" marR="10067">
+              <a:lnSpc>
+                <a:spcPct val="102600"/>
+              </a:lnSpc>
+              <a:spcBef>
+                <a:spcPts val="109"/>
+              </a:spcBef>
+            </a:pPr>
+            <a:r>
+              <a:rPr sz="2180" spc="-59" dirty="0">
+                <a:latin typeface="Arial"/>
+                <a:cs typeface="Arial"/>
+              </a:rPr>
+              <a:t>For</a:t>
+            </a:r>
+            <a:r>
+              <a:rPr sz="2180" spc="-99" dirty="0">
+                <a:latin typeface="Arial"/>
+                <a:cs typeface="Arial"/>
+              </a:rPr>
+              <a:t> </a:t>
+            </a:r>
+            <a:r>
+              <a:rPr sz="2180" dirty="0">
+                <a:latin typeface="Arial"/>
+                <a:cs typeface="Arial"/>
+              </a:rPr>
+              <a:t>the</a:t>
+            </a:r>
+            <a:r>
+              <a:rPr sz="2180" spc="-40" dirty="0">
+                <a:latin typeface="Arial"/>
+                <a:cs typeface="Arial"/>
+              </a:rPr>
+              <a:t> </a:t>
+            </a:r>
+            <a:r>
+              <a:rPr sz="2180" spc="-20" dirty="0">
+                <a:latin typeface="Arial"/>
+                <a:cs typeface="Arial"/>
+              </a:rPr>
+              <a:t>next</a:t>
+            </a:r>
+            <a:r>
+              <a:rPr sz="2180" spc="-30" dirty="0">
+                <a:latin typeface="Arial"/>
+                <a:cs typeface="Arial"/>
+              </a:rPr>
+              <a:t> </a:t>
+            </a:r>
+            <a:r>
+              <a:rPr sz="2180" spc="-40" dirty="0">
+                <a:latin typeface="Arial"/>
+                <a:cs typeface="Arial"/>
+              </a:rPr>
+              <a:t>few</a:t>
+            </a:r>
+            <a:r>
+              <a:rPr sz="2180" spc="-30" dirty="0">
+                <a:latin typeface="Arial"/>
+                <a:cs typeface="Arial"/>
+              </a:rPr>
+              <a:t> </a:t>
+            </a:r>
+            <a:r>
+              <a:rPr sz="2180" spc="-178" dirty="0">
+                <a:latin typeface="Arial"/>
+                <a:cs typeface="Arial"/>
+              </a:rPr>
+              <a:t>classes,</a:t>
+            </a:r>
+            <a:r>
+              <a:rPr sz="2180" spc="30" dirty="0">
+                <a:latin typeface="Arial"/>
+                <a:cs typeface="Arial"/>
+              </a:rPr>
+              <a:t> </a:t>
+            </a:r>
+            <a:r>
+              <a:rPr sz="2180" spc="-20" dirty="0">
+                <a:latin typeface="Arial"/>
+                <a:cs typeface="Arial"/>
+              </a:rPr>
+              <a:t>we’ll</a:t>
+            </a:r>
+            <a:r>
+              <a:rPr sz="2180" spc="-40" dirty="0">
+                <a:latin typeface="Arial"/>
+                <a:cs typeface="Arial"/>
+              </a:rPr>
+              <a:t> be</a:t>
+            </a:r>
+            <a:r>
+              <a:rPr sz="2180" spc="-30" dirty="0">
+                <a:latin typeface="Arial"/>
+                <a:cs typeface="Arial"/>
+              </a:rPr>
+              <a:t> </a:t>
+            </a:r>
+            <a:r>
+              <a:rPr sz="2180" spc="-69" dirty="0">
+                <a:latin typeface="Arial"/>
+                <a:cs typeface="Arial"/>
+              </a:rPr>
+              <a:t>working</a:t>
+            </a:r>
+            <a:r>
+              <a:rPr sz="2180" spc="-30" dirty="0">
+                <a:latin typeface="Arial"/>
+                <a:cs typeface="Arial"/>
+              </a:rPr>
+              <a:t> </a:t>
+            </a:r>
+            <a:r>
+              <a:rPr sz="2180" dirty="0">
+                <a:latin typeface="Arial"/>
+                <a:cs typeface="Arial"/>
+              </a:rPr>
+              <a:t>with</a:t>
+            </a:r>
+            <a:r>
+              <a:rPr sz="2180" spc="-30" dirty="0">
+                <a:latin typeface="Arial"/>
+                <a:cs typeface="Arial"/>
+              </a:rPr>
+              <a:t> </a:t>
+            </a:r>
+            <a:r>
+              <a:rPr sz="2180" spc="-20" dirty="0">
+                <a:latin typeface="Arial"/>
+                <a:cs typeface="Arial"/>
+              </a:rPr>
+              <a:t>data</a:t>
+            </a:r>
+            <a:r>
+              <a:rPr sz="2180" spc="-40" dirty="0">
+                <a:latin typeface="Arial"/>
+                <a:cs typeface="Arial"/>
+              </a:rPr>
+              <a:t> </a:t>
+            </a:r>
+            <a:r>
+              <a:rPr sz="2180" spc="-20" dirty="0">
+                <a:latin typeface="Arial"/>
+                <a:cs typeface="Arial"/>
+              </a:rPr>
+              <a:t>on</a:t>
+            </a:r>
+            <a:r>
+              <a:rPr sz="2180" spc="-30" dirty="0">
+                <a:latin typeface="Arial"/>
+                <a:cs typeface="Arial"/>
+              </a:rPr>
+              <a:t> </a:t>
+            </a:r>
+            <a:r>
+              <a:rPr sz="2180" spc="-129" dirty="0">
+                <a:latin typeface="Arial"/>
+                <a:cs typeface="Arial"/>
+              </a:rPr>
+              <a:t>movies</a:t>
+            </a:r>
+            <a:r>
+              <a:rPr sz="2180" spc="-20" dirty="0">
+                <a:latin typeface="Arial"/>
+                <a:cs typeface="Arial"/>
+              </a:rPr>
+              <a:t> </a:t>
+            </a:r>
+            <a:r>
+              <a:rPr sz="2180" dirty="0">
+                <a:latin typeface="Arial"/>
+                <a:cs typeface="Arial"/>
+              </a:rPr>
+              <a:t>in</a:t>
+            </a:r>
+            <a:r>
+              <a:rPr sz="2180" spc="-30" dirty="0">
+                <a:latin typeface="Arial"/>
+                <a:cs typeface="Arial"/>
+              </a:rPr>
+              <a:t> </a:t>
+            </a:r>
+            <a:r>
+              <a:rPr sz="2180" spc="-99" dirty="0">
+                <a:latin typeface="Arial"/>
+                <a:cs typeface="Arial"/>
+              </a:rPr>
+              <a:t>order</a:t>
+            </a:r>
+            <a:r>
+              <a:rPr sz="2180" spc="-30" dirty="0">
+                <a:latin typeface="Arial"/>
+                <a:cs typeface="Arial"/>
+              </a:rPr>
+              <a:t> </a:t>
+            </a:r>
+            <a:r>
+              <a:rPr sz="2180" spc="-50" dirty="0">
+                <a:latin typeface="Arial"/>
+                <a:cs typeface="Arial"/>
+              </a:rPr>
+              <a:t>to </a:t>
+            </a:r>
+            <a:r>
+              <a:rPr sz="2180" spc="-99" dirty="0">
+                <a:latin typeface="Arial"/>
+                <a:cs typeface="Arial"/>
+              </a:rPr>
+              <a:t>understand</a:t>
+            </a:r>
+            <a:r>
+              <a:rPr sz="2180" dirty="0">
+                <a:latin typeface="Arial"/>
+                <a:cs typeface="Arial"/>
+              </a:rPr>
+              <a:t> </a:t>
+            </a:r>
+            <a:r>
+              <a:rPr sz="2180" spc="-89" dirty="0">
+                <a:latin typeface="Arial"/>
+                <a:cs typeface="Arial"/>
+              </a:rPr>
+              <a:t>how</a:t>
+            </a:r>
+            <a:r>
+              <a:rPr sz="2180" dirty="0">
+                <a:latin typeface="Arial"/>
+                <a:cs typeface="Arial"/>
+              </a:rPr>
+              <a:t> the </a:t>
+            </a:r>
+            <a:r>
+              <a:rPr sz="2180" spc="-20" dirty="0">
+                <a:latin typeface="Arial"/>
+                <a:cs typeface="Arial"/>
+              </a:rPr>
+              <a:t>attributes</a:t>
+            </a:r>
+            <a:r>
+              <a:rPr sz="2180" spc="10" dirty="0">
+                <a:latin typeface="Arial"/>
+                <a:cs typeface="Arial"/>
+              </a:rPr>
+              <a:t> </a:t>
+            </a:r>
+            <a:r>
+              <a:rPr sz="2180" dirty="0">
+                <a:latin typeface="Arial"/>
+                <a:cs typeface="Arial"/>
+              </a:rPr>
+              <a:t>of </a:t>
+            </a:r>
+            <a:r>
+              <a:rPr sz="2180" spc="-119" dirty="0">
+                <a:latin typeface="Arial"/>
+                <a:cs typeface="Arial"/>
+              </a:rPr>
+              <a:t>these</a:t>
+            </a:r>
+            <a:r>
+              <a:rPr sz="2180" dirty="0">
+                <a:latin typeface="Arial"/>
+                <a:cs typeface="Arial"/>
+              </a:rPr>
+              <a:t> </a:t>
+            </a:r>
+            <a:r>
+              <a:rPr sz="2180" spc="-129" dirty="0">
+                <a:latin typeface="Arial"/>
+                <a:cs typeface="Arial"/>
+              </a:rPr>
+              <a:t>movies</a:t>
+            </a:r>
+            <a:r>
+              <a:rPr sz="2180" spc="10" dirty="0">
+                <a:latin typeface="Arial"/>
+                <a:cs typeface="Arial"/>
+              </a:rPr>
+              <a:t> </a:t>
+            </a:r>
+            <a:r>
+              <a:rPr sz="2180" spc="-129" dirty="0">
+                <a:latin typeface="Arial"/>
+                <a:cs typeface="Arial"/>
+              </a:rPr>
+              <a:t>associate</a:t>
+            </a:r>
+            <a:r>
+              <a:rPr sz="2180" dirty="0">
+                <a:latin typeface="Arial"/>
+                <a:cs typeface="Arial"/>
+              </a:rPr>
+              <a:t> with </a:t>
+            </a:r>
+            <a:r>
+              <a:rPr sz="2180" spc="-40" dirty="0">
+                <a:latin typeface="Arial"/>
+                <a:cs typeface="Arial"/>
+              </a:rPr>
+              <a:t>box</a:t>
+            </a:r>
+            <a:r>
+              <a:rPr sz="2180" spc="10" dirty="0">
+                <a:latin typeface="Arial"/>
+                <a:cs typeface="Arial"/>
+              </a:rPr>
+              <a:t> </a:t>
+            </a:r>
+            <a:r>
+              <a:rPr sz="2180" spc="-20" dirty="0">
+                <a:latin typeface="Arial"/>
+                <a:cs typeface="Arial"/>
+              </a:rPr>
+              <a:t>office gross!</a:t>
+            </a:r>
+            <a:endParaRPr sz="2180">
+              <a:latin typeface="Arial"/>
+              <a:cs typeface="Arial"/>
+            </a:endParaRPr>
+          </a:p>
+          <a:p>
+            <a:pPr marL="573821" marR="643032">
+              <a:lnSpc>
+                <a:spcPct val="102600"/>
+              </a:lnSpc>
+              <a:spcBef>
+                <a:spcPts val="991"/>
+              </a:spcBef>
+            </a:pPr>
+            <a:r>
+              <a:rPr sz="2180" dirty="0">
+                <a:latin typeface="Arial"/>
+                <a:cs typeface="Arial"/>
+              </a:rPr>
+              <a:t>Data</a:t>
+            </a:r>
+            <a:r>
+              <a:rPr sz="2180" spc="-30" dirty="0">
+                <a:latin typeface="Arial"/>
+                <a:cs typeface="Arial"/>
+              </a:rPr>
+              <a:t> </a:t>
+            </a:r>
+            <a:r>
+              <a:rPr sz="2180" spc="-20" dirty="0">
+                <a:latin typeface="Arial"/>
+                <a:cs typeface="Arial"/>
+              </a:rPr>
+              <a:t>on</a:t>
+            </a:r>
+            <a:r>
+              <a:rPr sz="2180" spc="-30" dirty="0">
+                <a:latin typeface="Arial"/>
+                <a:cs typeface="Arial"/>
+              </a:rPr>
+              <a:t> </a:t>
+            </a:r>
+            <a:r>
+              <a:rPr sz="2180" spc="-89" dirty="0">
+                <a:latin typeface="Arial"/>
+                <a:cs typeface="Arial"/>
+              </a:rPr>
+              <a:t>3,039</a:t>
+            </a:r>
+            <a:r>
+              <a:rPr sz="2180" spc="-20" dirty="0">
+                <a:latin typeface="Arial"/>
+                <a:cs typeface="Arial"/>
+              </a:rPr>
+              <a:t> </a:t>
+            </a:r>
+            <a:r>
+              <a:rPr sz="2180" spc="-129" dirty="0">
+                <a:latin typeface="Arial"/>
+                <a:cs typeface="Arial"/>
+              </a:rPr>
+              <a:t>movies</a:t>
+            </a:r>
+            <a:r>
+              <a:rPr sz="2180" spc="-20" dirty="0">
+                <a:latin typeface="Arial"/>
+                <a:cs typeface="Arial"/>
+              </a:rPr>
+              <a:t> </a:t>
+            </a:r>
+            <a:r>
+              <a:rPr sz="2180" spc="-129" dirty="0">
+                <a:latin typeface="Arial"/>
+                <a:cs typeface="Arial"/>
+              </a:rPr>
+              <a:t>made</a:t>
+            </a:r>
+            <a:r>
+              <a:rPr sz="2180" spc="-30" dirty="0">
+                <a:latin typeface="Arial"/>
+                <a:cs typeface="Arial"/>
+              </a:rPr>
+              <a:t> </a:t>
+            </a:r>
+            <a:r>
+              <a:rPr sz="2180" dirty="0">
+                <a:latin typeface="Arial"/>
+                <a:cs typeface="Arial"/>
+              </a:rPr>
+              <a:t>in</a:t>
+            </a:r>
+            <a:r>
+              <a:rPr sz="2180" spc="-20" dirty="0">
+                <a:latin typeface="Arial"/>
+                <a:cs typeface="Arial"/>
+              </a:rPr>
+              <a:t> </a:t>
+            </a:r>
+            <a:r>
+              <a:rPr sz="2180" dirty="0">
+                <a:latin typeface="Arial"/>
+                <a:cs typeface="Arial"/>
+              </a:rPr>
+              <a:t>the</a:t>
+            </a:r>
+            <a:r>
+              <a:rPr sz="2180" spc="-30" dirty="0">
+                <a:latin typeface="Arial"/>
+                <a:cs typeface="Arial"/>
+              </a:rPr>
+              <a:t> </a:t>
+            </a:r>
+            <a:r>
+              <a:rPr sz="2180" spc="-119" dirty="0">
+                <a:latin typeface="Arial"/>
+                <a:cs typeface="Arial"/>
+              </a:rPr>
+              <a:t>US</a:t>
+            </a:r>
+            <a:r>
+              <a:rPr sz="2180" spc="-20" dirty="0">
+                <a:latin typeface="Arial"/>
+                <a:cs typeface="Arial"/>
+              </a:rPr>
+              <a:t> </a:t>
+            </a:r>
+            <a:r>
+              <a:rPr sz="2180" spc="-129" dirty="0">
+                <a:latin typeface="Arial"/>
+                <a:cs typeface="Arial"/>
+              </a:rPr>
+              <a:t>between</a:t>
+            </a:r>
+            <a:r>
+              <a:rPr sz="2180" spc="-20" dirty="0">
+                <a:latin typeface="Arial"/>
+                <a:cs typeface="Arial"/>
+              </a:rPr>
+              <a:t> </a:t>
+            </a:r>
+            <a:r>
+              <a:rPr sz="2180" spc="-109" dirty="0">
+                <a:latin typeface="Arial"/>
+                <a:cs typeface="Arial"/>
+              </a:rPr>
+              <a:t>1929</a:t>
+            </a:r>
+            <a:r>
+              <a:rPr sz="2180" spc="-30" dirty="0">
+                <a:latin typeface="Arial"/>
+                <a:cs typeface="Arial"/>
+              </a:rPr>
+              <a:t> </a:t>
+            </a:r>
+            <a:r>
+              <a:rPr sz="2180" spc="-79" dirty="0">
+                <a:latin typeface="Arial"/>
+                <a:cs typeface="Arial"/>
+              </a:rPr>
+              <a:t>and</a:t>
+            </a:r>
+            <a:r>
+              <a:rPr sz="2180" spc="-20" dirty="0">
+                <a:latin typeface="Arial"/>
+                <a:cs typeface="Arial"/>
+              </a:rPr>
+              <a:t> </a:t>
+            </a:r>
+            <a:r>
+              <a:rPr sz="2180" spc="-69" dirty="0">
+                <a:latin typeface="Arial"/>
+                <a:cs typeface="Arial"/>
+              </a:rPr>
+              <a:t>2016, </a:t>
+            </a:r>
+            <a:r>
+              <a:rPr sz="2180" spc="-149" dirty="0">
+                <a:latin typeface="Arial"/>
+                <a:cs typeface="Arial"/>
+              </a:rPr>
+              <a:t>scraped</a:t>
+            </a:r>
+            <a:r>
+              <a:rPr sz="2180" spc="10" dirty="0">
+                <a:latin typeface="Arial"/>
+                <a:cs typeface="Arial"/>
+              </a:rPr>
+              <a:t> </a:t>
+            </a:r>
+            <a:r>
+              <a:rPr sz="2180" dirty="0">
+                <a:latin typeface="Arial"/>
+                <a:cs typeface="Arial"/>
+              </a:rPr>
+              <a:t>from</a:t>
+            </a:r>
+            <a:r>
+              <a:rPr sz="2180" spc="20" dirty="0">
+                <a:latin typeface="Arial"/>
+                <a:cs typeface="Arial"/>
+              </a:rPr>
+              <a:t> </a:t>
+            </a:r>
+            <a:r>
+              <a:rPr sz="2180" spc="-40" dirty="0">
+                <a:latin typeface="Arial"/>
+                <a:cs typeface="Arial"/>
+              </a:rPr>
+              <a:t>IMDB</a:t>
+            </a:r>
+            <a:endParaRPr sz="2180" dirty="0">
+              <a:latin typeface="Arial"/>
+              <a:cs typeface="Arial"/>
+            </a:endParaRPr>
+          </a:p>
+        </p:txBody>
+      </p:sp>
+      <p:pic>
+        <p:nvPicPr>
+          <p:cNvPr id="6" name="object 5">
+            <a:extLst>
+              <a:ext uri="{FF2B5EF4-FFF2-40B4-BE49-F238E27FC236}">
+                <a16:creationId xmlns:a16="http://schemas.microsoft.com/office/drawing/2014/main" id="{62CC6512-1923-4973-CE64-5FAED334B060}"/>
+              </a:ext>
+            </a:extLst>
+          </p:cNvPr>
+          <p:cNvPicPr/>
+          <p:nvPr/>
+        </p:nvPicPr>
+        <p:blipFill>
+          <a:blip r:embed="rId2" cstate="print"/>
+          <a:stretch>
+            <a:fillRect/>
+          </a:stretch>
+        </p:blipFill>
+        <p:spPr>
+          <a:xfrm>
+            <a:off x="3959087" y="2859184"/>
+            <a:ext cx="7724243" cy="2931338"/>
+          </a:xfrm>
+          <a:prstGeom prst="rect">
+            <a:avLst/>
+          </a:prstGeom>
+        </p:spPr>
+      </p:pic>
+      <p:sp>
+        <p:nvSpPr>
+          <p:cNvPr id="11" name="object 6">
+            <a:extLst>
+              <a:ext uri="{FF2B5EF4-FFF2-40B4-BE49-F238E27FC236}">
+                <a16:creationId xmlns:a16="http://schemas.microsoft.com/office/drawing/2014/main" id="{EDDBD9D2-4FF5-47EC-D119-7306E05C61D0}"/>
+              </a:ext>
+            </a:extLst>
+          </p:cNvPr>
+          <p:cNvSpPr txBox="1"/>
+          <p:nvPr/>
+        </p:nvSpPr>
+        <p:spPr>
+          <a:xfrm>
+            <a:off x="3504773" y="6181551"/>
+            <a:ext cx="6446518" cy="207141"/>
+          </a:xfrm>
+          <a:prstGeom prst="rect">
+            <a:avLst/>
+          </a:prstGeom>
+        </p:spPr>
+        <p:txBody>
+          <a:bodyPr vert="horz" wrap="square" lIns="0" tIns="23909" rIns="0" bIns="0" rtlCol="0">
+            <a:spAutoFit/>
+          </a:bodyPr>
+          <a:lstStyle/>
+          <a:p>
+            <a:pPr marL="25168">
+              <a:spcBef>
+                <a:spcPts val="188"/>
+              </a:spcBef>
+            </a:pPr>
+            <a:r>
+              <a:rPr sz="1189" dirty="0">
+                <a:latin typeface="Arial"/>
+                <a:cs typeface="Arial"/>
+              </a:rPr>
+              <a:t>Data</a:t>
+            </a:r>
+            <a:r>
+              <a:rPr sz="1189" spc="109" dirty="0">
+                <a:latin typeface="Arial"/>
+                <a:cs typeface="Arial"/>
+              </a:rPr>
+              <a:t> </a:t>
+            </a:r>
+            <a:r>
+              <a:rPr sz="1189" spc="-20" dirty="0">
+                <a:latin typeface="Arial"/>
+                <a:cs typeface="Arial"/>
+              </a:rPr>
+              <a:t>are</a:t>
+            </a:r>
+            <a:r>
+              <a:rPr sz="1189" spc="119" dirty="0">
+                <a:latin typeface="Arial"/>
+                <a:cs typeface="Arial"/>
+              </a:rPr>
+              <a:t> </a:t>
+            </a:r>
+            <a:r>
+              <a:rPr sz="1189" dirty="0">
+                <a:latin typeface="Arial"/>
+                <a:cs typeface="Arial"/>
+              </a:rPr>
+              <a:t>from</a:t>
+            </a:r>
+            <a:r>
+              <a:rPr sz="1189" spc="109" dirty="0">
+                <a:latin typeface="Arial"/>
+                <a:cs typeface="Arial"/>
+              </a:rPr>
+              <a:t> </a:t>
+            </a:r>
+            <a:r>
+              <a:rPr sz="1189" spc="-20" dirty="0">
+                <a:latin typeface="Arial"/>
+                <a:cs typeface="Arial"/>
+              </a:rPr>
+              <a:t>Kaggle.com</a:t>
+            </a:r>
+            <a:r>
+              <a:rPr sz="1189" spc="119" dirty="0">
+                <a:latin typeface="Arial"/>
+                <a:cs typeface="Arial"/>
+              </a:rPr>
+              <a:t> </a:t>
+            </a:r>
+            <a:r>
+              <a:rPr sz="1189" dirty="0">
+                <a:latin typeface="Arial"/>
+                <a:cs typeface="Arial"/>
+              </a:rPr>
+              <a:t>and</a:t>
+            </a:r>
+            <a:r>
+              <a:rPr sz="1189" spc="109" dirty="0">
+                <a:latin typeface="Arial"/>
+                <a:cs typeface="Arial"/>
+              </a:rPr>
+              <a:t> </a:t>
+            </a:r>
+            <a:r>
+              <a:rPr sz="1189" spc="-20" dirty="0">
+                <a:latin typeface="Arial"/>
+                <a:cs typeface="Arial"/>
+              </a:rPr>
+              <a:t>are</a:t>
+            </a:r>
+            <a:r>
+              <a:rPr sz="1189" spc="119" dirty="0">
+                <a:latin typeface="Arial"/>
+                <a:cs typeface="Arial"/>
+              </a:rPr>
+              <a:t> </a:t>
+            </a:r>
+            <a:r>
+              <a:rPr sz="1189" spc="-20" dirty="0">
+                <a:latin typeface="Arial"/>
+                <a:cs typeface="Arial"/>
+              </a:rPr>
+              <a:t>available</a:t>
+            </a:r>
+            <a:r>
+              <a:rPr sz="1189" spc="119" dirty="0">
+                <a:latin typeface="Arial"/>
+                <a:cs typeface="Arial"/>
+              </a:rPr>
+              <a:t> </a:t>
+            </a:r>
+            <a:r>
+              <a:rPr sz="1189" dirty="0">
+                <a:latin typeface="Arial"/>
+                <a:cs typeface="Arial"/>
+              </a:rPr>
+              <a:t>at</a:t>
+            </a:r>
+            <a:r>
+              <a:rPr sz="1189" spc="119" dirty="0">
+                <a:latin typeface="Arial"/>
+                <a:cs typeface="Arial"/>
+              </a:rPr>
+              <a:t> </a:t>
+            </a:r>
+            <a:r>
+              <a:rPr sz="1189" spc="-99" dirty="0">
+                <a:latin typeface="Courier New"/>
+                <a:cs typeface="Courier New"/>
+                <a:hlinkClick r:id="rId3"/>
+              </a:rPr>
+              <a:t>https://github.com/kaitlyncook/data-</a:t>
+            </a:r>
+            <a:r>
+              <a:rPr sz="1189" spc="-40" dirty="0">
+                <a:latin typeface="Courier New"/>
+                <a:cs typeface="Courier New"/>
+                <a:hlinkClick r:id="rId3"/>
+              </a:rPr>
+              <a:t>sets</a:t>
+            </a:r>
+            <a:endParaRPr sz="1189" dirty="0">
+              <a:latin typeface="Courier New"/>
+              <a:cs typeface="Courier New"/>
+            </a:endParaRPr>
+          </a:p>
+        </p:txBody>
+      </p:sp>
+    </p:spTree>
+    <p:extLst>
+      <p:ext uri="{BB962C8B-B14F-4D97-AF65-F5344CB8AC3E}">
+        <p14:creationId xmlns:p14="http://schemas.microsoft.com/office/powerpoint/2010/main" val="77643350"/>
+      </p:ext>
+    </p:extLst>
+  </p:cSld>
+  <p:clrMapOvr>
+    <a:masterClrMapping/>
+  </p:clrMapOvr>
+</p:sld>
+</file>
+
+<file path=ppt/slides/slide12.xml><?xml version="1.0" encoding="utf-8"?>
+<p:sld xmlns:a="http://schemas.openxmlformats.org/drawingml/2006/main" xmlns:r="http://schemas.openxmlformats.org/officeDocument/2006/relationships" xmlns:p="http://schemas.openxmlformats.org/presentationml/2006/main">
+  <p:cSld>
+    <p:spTree>
+      <p:nvGrpSpPr>
+        <p:cNvPr id="1" name=""/>
+        <p:cNvGrpSpPr/>
+        <p:nvPr/>
+      </p:nvGrpSpPr>
+      <p:grpSpPr>
+        <a:xfrm>
+          <a:off x="0" y="0"/>
+          <a:ext cx="0" cy="0"/>
+          <a:chOff x="0" y="0"/>
+          <a:chExt cx="0" cy="0"/>
+        </a:xfrm>
+      </p:grpSpPr>
+      <p:sp>
+        <p:nvSpPr>
+          <p:cNvPr id="2" name="Title 1">
+            <a:extLst>
+              <a:ext uri="{FF2B5EF4-FFF2-40B4-BE49-F238E27FC236}">
+                <a16:creationId xmlns:a16="http://schemas.microsoft.com/office/drawing/2014/main" id="{10D330C2-52A4-1ABA-980B-56FBC97F350C}"/>
+              </a:ext>
+            </a:extLst>
+          </p:cNvPr>
+          <p:cNvSpPr>
+            <a:spLocks noGrp="1"/>
+          </p:cNvSpPr>
+          <p:nvPr>
+            <p:ph type="title"/>
+          </p:nvPr>
+        </p:nvSpPr>
+        <p:spPr/>
+        <p:txBody>
+          <a:bodyPr/>
+          <a:lstStyle/>
+          <a:p>
+            <a:r>
+              <a:rPr lang="en-US" dirty="0"/>
               <a:t>Exploratory Data Analysis</a:t>
             </a:r>
           </a:p>
@@ -6989,7 +8982,7 @@
 </p:sld>
 </file>
 
-<file path=ppt/slides/slide11.xml><?xml version="1.0" encoding="utf-8"?>
+<file path=ppt/slides/slide13.xml><?xml version="1.0" encoding="utf-8"?>
 <p:sld xmlns:a="http://schemas.openxmlformats.org/drawingml/2006/main" xmlns:r="http://schemas.openxmlformats.org/officeDocument/2006/relationships" xmlns:p="http://schemas.openxmlformats.org/presentationml/2006/main">
   <p:cSld>
     <p:spTree>
@@ -8821,7 +10814,7 @@
 </p:sld>
 </file>
 
-<file path=ppt/slides/slide12.xml><?xml version="1.0" encoding="utf-8"?>
+<file path=ppt/slides/slide14.xml><?xml version="1.0" encoding="utf-8"?>
 <p:sld xmlns:a="http://schemas.openxmlformats.org/drawingml/2006/main" xmlns:r="http://schemas.openxmlformats.org/officeDocument/2006/relationships" xmlns:p="http://schemas.openxmlformats.org/presentationml/2006/main">
   <p:cSld>
     <p:spTree>
@@ -9872,7 +11865,7 @@
 </p:sld>
 </file>
 
-<file path=ppt/slides/slide13.xml><?xml version="1.0" encoding="utf-8"?>
+<file path=ppt/slides/slide15.xml><?xml version="1.0" encoding="utf-8"?>
 <p:sld xmlns:a="http://schemas.openxmlformats.org/drawingml/2006/main" xmlns:r="http://schemas.openxmlformats.org/officeDocument/2006/relationships" xmlns:p="http://schemas.openxmlformats.org/presentationml/2006/main">
   <p:cSld>
     <p:spTree>
@@ -11190,7 +13183,7 @@
 </p:sld>
 </file>
 
-<file path=ppt/slides/slide14.xml><?xml version="1.0" encoding="utf-8"?>
+<file path=ppt/slides/slide16.xml><?xml version="1.0" encoding="utf-8"?>
 <p:sld xmlns:a="http://schemas.openxmlformats.org/drawingml/2006/main" xmlns:r="http://schemas.openxmlformats.org/officeDocument/2006/relationships" xmlns:p="http://schemas.openxmlformats.org/presentationml/2006/main">
   <p:cSld>
     <p:spTree>
@@ -11768,7 +13761,7 @@
 </p:sld>
 </file>
 
-<file path=ppt/slides/slide15.xml><?xml version="1.0" encoding="utf-8"?>
+<file path=ppt/slides/slide17.xml><?xml version="1.0" encoding="utf-8"?>
 <p:sld xmlns:a="http://schemas.openxmlformats.org/drawingml/2006/main" xmlns:r="http://schemas.openxmlformats.org/officeDocument/2006/relationships" xmlns:p="http://schemas.openxmlformats.org/presentationml/2006/main">
   <p:cSld>
     <p:spTree>
@@ -12613,7 +14606,7 @@
 </p:sld>
 </file>
 
-<file path=ppt/slides/slide16.xml><?xml version="1.0" encoding="utf-8"?>
+<file path=ppt/slides/slide18.xml><?xml version="1.0" encoding="utf-8"?>
 <p:sld xmlns:a="http://schemas.openxmlformats.org/drawingml/2006/main" xmlns:r="http://schemas.openxmlformats.org/officeDocument/2006/relationships" xmlns:p="http://schemas.openxmlformats.org/presentationml/2006/main">
   <p:cSld>
     <p:spTree>
@@ -13639,7 +15632,7 @@
 </p:sld>
 </file>
 
-<file path=ppt/slides/slide17.xml><?xml version="1.0" encoding="utf-8"?>
+<file path=ppt/slides/slide19.xml><?xml version="1.0" encoding="utf-8"?>
 <p:sld xmlns:a="http://schemas.openxmlformats.org/drawingml/2006/main" xmlns:r="http://schemas.openxmlformats.org/officeDocument/2006/relationships" xmlns:p="http://schemas.openxmlformats.org/presentationml/2006/main">
   <p:cSld>
     <p:spTree>
@@ -14932,7 +16925,112 @@
 </p:sld>
 </file>
 
-<file path=ppt/slides/slide18.xml><?xml version="1.0" encoding="utf-8"?>
+<file path=ppt/slides/slide2.xml><?xml version="1.0" encoding="utf-8"?>
+<p:sld xmlns:a="http://schemas.openxmlformats.org/drawingml/2006/main" xmlns:r="http://schemas.openxmlformats.org/officeDocument/2006/relationships" xmlns:p="http://schemas.openxmlformats.org/presentationml/2006/main">
+  <p:cSld>
+    <p:spTree>
+      <p:nvGrpSpPr>
+        <p:cNvPr id="1" name=""/>
+        <p:cNvGrpSpPr/>
+        <p:nvPr/>
+      </p:nvGrpSpPr>
+      <p:grpSpPr>
+        <a:xfrm>
+          <a:off x="0" y="0"/>
+          <a:ext cx="0" cy="0"/>
+          <a:chOff x="0" y="0"/>
+          <a:chExt cx="0" cy="0"/>
+        </a:xfrm>
+      </p:grpSpPr>
+      <p:sp>
+        <p:nvSpPr>
+          <p:cNvPr id="2" name="Title 1">
+            <a:extLst>
+              <a:ext uri="{FF2B5EF4-FFF2-40B4-BE49-F238E27FC236}">
+                <a16:creationId xmlns:a16="http://schemas.microsoft.com/office/drawing/2014/main" id="{10D330C2-52A4-1ABA-980B-56FBC97F350C}"/>
+              </a:ext>
+            </a:extLst>
+          </p:cNvPr>
+          <p:cNvSpPr>
+            <a:spLocks noGrp="1"/>
+          </p:cNvSpPr>
+          <p:nvPr>
+            <p:ph type="title"/>
+          </p:nvPr>
+        </p:nvSpPr>
+        <p:spPr/>
+        <p:txBody>
+          <a:bodyPr/>
+          <a:lstStyle/>
+          <a:p>
+            <a:r>
+              <a:rPr lang="en-US" dirty="0"/>
+              <a:t>Plan for Today</a:t>
+            </a:r>
+          </a:p>
+        </p:txBody>
+      </p:sp>
+      <p:sp>
+        <p:nvSpPr>
+          <p:cNvPr id="3" name="Content Placeholder 2">
+            <a:extLst>
+              <a:ext uri="{FF2B5EF4-FFF2-40B4-BE49-F238E27FC236}">
+                <a16:creationId xmlns:a16="http://schemas.microsoft.com/office/drawing/2014/main" id="{9EAE50F6-429C-715A-C25C-1C7744AED1CF}"/>
+              </a:ext>
+            </a:extLst>
+          </p:cNvPr>
+          <p:cNvSpPr>
+            <a:spLocks noGrp="1"/>
+          </p:cNvSpPr>
+          <p:nvPr>
+            <p:ph idx="1"/>
+          </p:nvPr>
+        </p:nvSpPr>
+        <p:spPr/>
+        <p:txBody>
+          <a:bodyPr>
+            <a:normAutofit/>
+          </a:bodyPr>
+          <a:lstStyle/>
+          <a:p>
+            <a:pPr marL="0" indent="0">
+              <a:buNone/>
+            </a:pPr>
+            <a:r>
+              <a:rPr lang="en-US" sz="2400" dirty="0"/>
+              <a:t>For a single variable: </a:t>
+            </a:r>
+          </a:p>
+          <a:p>
+            <a:pPr lvl="1"/>
+            <a:r>
+              <a:rPr lang="en-US" sz="2000" dirty="0"/>
+              <a:t>Descriptive statistics</a:t>
+            </a:r>
+          </a:p>
+          <a:p>
+            <a:pPr lvl="1"/>
+            <a:r>
+              <a:rPr lang="en-US" sz="2000" dirty="0"/>
+              <a:t>Summary visualizations </a:t>
+            </a:r>
+          </a:p>
+        </p:txBody>
+      </p:sp>
+    </p:spTree>
+    <p:extLst>
+      <p:ext uri="{BB962C8B-B14F-4D97-AF65-F5344CB8AC3E}">
+        <p14:creationId xmlns:p14="http://schemas.microsoft.com/office/powerpoint/2010/main" val="1085546165"/>
+      </p:ext>
+    </p:extLst>
+  </p:cSld>
+  <p:clrMapOvr>
+    <a:masterClrMapping/>
+  </p:clrMapOvr>
+</p:sld>
+</file>
+
+<file path=ppt/slides/slide20.xml><?xml version="1.0" encoding="utf-8"?>
 <p:sld xmlns:a="http://schemas.openxmlformats.org/drawingml/2006/main" xmlns:r="http://schemas.openxmlformats.org/officeDocument/2006/relationships" xmlns:p="http://schemas.openxmlformats.org/presentationml/2006/main">
   <p:cSld>
     <p:spTree>
@@ -15469,7 +17567,7 @@
 </p:sld>
 </file>
 
-<file path=ppt/slides/slide19.xml><?xml version="1.0" encoding="utf-8"?>
+<file path=ppt/slides/slide21.xml><?xml version="1.0" encoding="utf-8"?>
 <p:sld xmlns:a="http://schemas.openxmlformats.org/drawingml/2006/main" xmlns:r="http://schemas.openxmlformats.org/officeDocument/2006/relationships" xmlns:p="http://schemas.openxmlformats.org/presentationml/2006/main">
   <p:cSld>
     <p:spTree>
@@ -16273,7 +18371,7 @@
 </p:sld>
 </file>
 
-<file path=ppt/slides/slide2.xml><?xml version="1.0" encoding="utf-8"?>
+<file path=ppt/slides/slide22.xml><?xml version="1.0" encoding="utf-8"?>
 <p:sld xmlns:a="http://schemas.openxmlformats.org/drawingml/2006/main" xmlns:r="http://schemas.openxmlformats.org/officeDocument/2006/relationships" xmlns:p="http://schemas.openxmlformats.org/presentationml/2006/main">
   <p:cSld>
     <p:spTree>
@@ -16313,111 +18411,6 @@
           <a:p>
             <a:r>
               <a:rPr lang="en-US" dirty="0"/>
-              <a:t>Plan for Today</a:t>
-            </a:r>
-          </a:p>
-        </p:txBody>
-      </p:sp>
-      <p:sp>
-        <p:nvSpPr>
-          <p:cNvPr id="3" name="Content Placeholder 2">
-            <a:extLst>
-              <a:ext uri="{FF2B5EF4-FFF2-40B4-BE49-F238E27FC236}">
-                <a16:creationId xmlns:a16="http://schemas.microsoft.com/office/drawing/2014/main" id="{9EAE50F6-429C-715A-C25C-1C7744AED1CF}"/>
-              </a:ext>
-            </a:extLst>
-          </p:cNvPr>
-          <p:cNvSpPr>
-            <a:spLocks noGrp="1"/>
-          </p:cNvSpPr>
-          <p:nvPr>
-            <p:ph idx="1"/>
-          </p:nvPr>
-        </p:nvSpPr>
-        <p:spPr/>
-        <p:txBody>
-          <a:bodyPr>
-            <a:normAutofit/>
-          </a:bodyPr>
-          <a:lstStyle/>
-          <a:p>
-            <a:pPr marL="0" indent="0">
-              <a:buNone/>
-            </a:pPr>
-            <a:r>
-              <a:rPr lang="en-US" sz="2400" dirty="0"/>
-              <a:t>For a single variable: </a:t>
-            </a:r>
-          </a:p>
-          <a:p>
-            <a:pPr lvl="1"/>
-            <a:r>
-              <a:rPr lang="en-US" sz="2000" dirty="0"/>
-              <a:t>Descriptive statistics</a:t>
-            </a:r>
-          </a:p>
-          <a:p>
-            <a:pPr lvl="1"/>
-            <a:r>
-              <a:rPr lang="en-US" sz="2000" dirty="0"/>
-              <a:t>Summary visualizations </a:t>
-            </a:r>
-          </a:p>
-        </p:txBody>
-      </p:sp>
-    </p:spTree>
-    <p:extLst>
-      <p:ext uri="{BB962C8B-B14F-4D97-AF65-F5344CB8AC3E}">
-        <p14:creationId xmlns:p14="http://schemas.microsoft.com/office/powerpoint/2010/main" val="1085546165"/>
-      </p:ext>
-    </p:extLst>
-  </p:cSld>
-  <p:clrMapOvr>
-    <a:masterClrMapping/>
-  </p:clrMapOvr>
-</p:sld>
-</file>
-
-<file path=ppt/slides/slide20.xml><?xml version="1.0" encoding="utf-8"?>
-<p:sld xmlns:a="http://schemas.openxmlformats.org/drawingml/2006/main" xmlns:r="http://schemas.openxmlformats.org/officeDocument/2006/relationships" xmlns:p="http://schemas.openxmlformats.org/presentationml/2006/main">
-  <p:cSld>
-    <p:spTree>
-      <p:nvGrpSpPr>
-        <p:cNvPr id="1" name=""/>
-        <p:cNvGrpSpPr/>
-        <p:nvPr/>
-      </p:nvGrpSpPr>
-      <p:grpSpPr>
-        <a:xfrm>
-          <a:off x="0" y="0"/>
-          <a:ext cx="0" cy="0"/>
-          <a:chOff x="0" y="0"/>
-          <a:chExt cx="0" cy="0"/>
-        </a:xfrm>
-      </p:grpSpPr>
-      <p:sp>
-        <p:nvSpPr>
-          <p:cNvPr id="2" name="Title 1">
-            <a:extLst>
-              <a:ext uri="{FF2B5EF4-FFF2-40B4-BE49-F238E27FC236}">
-                <a16:creationId xmlns:a16="http://schemas.microsoft.com/office/drawing/2014/main" id="{10D330C2-52A4-1ABA-980B-56FBC97F350C}"/>
-              </a:ext>
-            </a:extLst>
-          </p:cNvPr>
-          <p:cNvSpPr>
-            <a:spLocks noGrp="1"/>
-          </p:cNvSpPr>
-          <p:nvPr>
-            <p:ph type="title"/>
-          </p:nvPr>
-        </p:nvSpPr>
-        <p:spPr/>
-        <p:txBody>
-          <a:bodyPr/>
-          <a:lstStyle/>
-          <a:p>
-            <a:r>
-              <a:rPr lang="en-US" dirty="0"/>
               <a:t>Interlude: Describing Distributions</a:t>
             </a:r>
             <a:endParaRPr lang="en-US" b="1" dirty="0"/>
@@ -16815,7 +18808,7 @@
 </p:sld>
 </file>
 
-<file path=ppt/slides/slide21.xml><?xml version="1.0" encoding="utf-8"?>
+<file path=ppt/slides/slide23.xml><?xml version="1.0" encoding="utf-8"?>
 <p:sld xmlns:a="http://schemas.openxmlformats.org/drawingml/2006/main" xmlns:r="http://schemas.openxmlformats.org/officeDocument/2006/relationships" xmlns:p="http://schemas.openxmlformats.org/presentationml/2006/main">
   <p:cSld>
     <p:spTree>
@@ -17442,7 +19435,7 @@
 </p:sld>
 </file>
 
-<file path=ppt/slides/slide22.xml><?xml version="1.0" encoding="utf-8"?>
+<file path=ppt/slides/slide24.xml><?xml version="1.0" encoding="utf-8"?>
 <p:sld xmlns:a="http://schemas.openxmlformats.org/drawingml/2006/main" xmlns:r="http://schemas.openxmlformats.org/officeDocument/2006/relationships" xmlns:p="http://schemas.openxmlformats.org/presentationml/2006/main">
   <p:cSld>
     <p:spTree>
@@ -19036,7 +21029,7 @@
 </p:sld>
 </file>
 
-<file path=ppt/slides/slide23.xml><?xml version="1.0" encoding="utf-8"?>
+<file path=ppt/slides/slide25.xml><?xml version="1.0" encoding="utf-8"?>
 <p:sld xmlns:a="http://schemas.openxmlformats.org/drawingml/2006/main" xmlns:r="http://schemas.openxmlformats.org/officeDocument/2006/relationships" xmlns:p="http://schemas.openxmlformats.org/presentationml/2006/main">
   <p:cSld>
     <p:spTree>
@@ -20897,7 +22890,7 @@
 </p:sld>
 </file>
 
-<file path=ppt/slides/slide24.xml><?xml version="1.0" encoding="utf-8"?>
+<file path=ppt/slides/slide26.xml><?xml version="1.0" encoding="utf-8"?>
 <p:sld xmlns:a="http://schemas.openxmlformats.org/drawingml/2006/main" xmlns:r="http://schemas.openxmlformats.org/officeDocument/2006/relationships" xmlns:p="http://schemas.openxmlformats.org/presentationml/2006/main">
   <p:cSld>
     <p:spTree>
@@ -22433,7 +24426,7 @@
 </p:sld>
 </file>
 
-<file path=ppt/slides/slide25.xml><?xml version="1.0" encoding="utf-8"?>
+<file path=ppt/slides/slide27.xml><?xml version="1.0" encoding="utf-8"?>
 <p:sld xmlns:a="http://schemas.openxmlformats.org/drawingml/2006/main" xmlns:r="http://schemas.openxmlformats.org/officeDocument/2006/relationships" xmlns:p="http://schemas.openxmlformats.org/presentationml/2006/main">
   <p:cSld>
     <p:spTree>
@@ -24236,7 +26229,7 @@
 </p:sld>
 </file>
 
-<file path=ppt/slides/slide26.xml><?xml version="1.0" encoding="utf-8"?>
+<file path=ppt/slides/slide28.xml><?xml version="1.0" encoding="utf-8"?>
 <p:sld xmlns:a="http://schemas.openxmlformats.org/drawingml/2006/main" xmlns:r="http://schemas.openxmlformats.org/officeDocument/2006/relationships" xmlns:p="http://schemas.openxmlformats.org/presentationml/2006/main">
   <p:cSld>
     <p:spTree>
@@ -26544,7 +28537,7 @@
 </p:sld>
 </file>
 
-<file path=ppt/slides/slide27.xml><?xml version="1.0" encoding="utf-8"?>
+<file path=ppt/slides/slide29.xml><?xml version="1.0" encoding="utf-8"?>
 <p:sld xmlns:a="http://schemas.openxmlformats.org/drawingml/2006/main" xmlns:r="http://schemas.openxmlformats.org/officeDocument/2006/relationships" xmlns:p="http://schemas.openxmlformats.org/presentationml/2006/main">
   <p:cSld>
     <p:spTree>
@@ -28333,7 +30326,290 @@
 </p:sld>
 </file>
 
-<file path=ppt/slides/slide28.xml><?xml version="1.0" encoding="utf-8"?>
+<file path=ppt/slides/slide3.xml><?xml version="1.0" encoding="utf-8"?>
+<p:sld xmlns:a="http://schemas.openxmlformats.org/drawingml/2006/main" xmlns:r="http://schemas.openxmlformats.org/officeDocument/2006/relationships" xmlns:p="http://schemas.openxmlformats.org/presentationml/2006/main">
+  <p:cSld>
+    <p:spTree>
+      <p:nvGrpSpPr>
+        <p:cNvPr id="1" name=""/>
+        <p:cNvGrpSpPr/>
+        <p:nvPr/>
+      </p:nvGrpSpPr>
+      <p:grpSpPr>
+        <a:xfrm>
+          <a:off x="0" y="0"/>
+          <a:ext cx="0" cy="0"/>
+          <a:chOff x="0" y="0"/>
+          <a:chExt cx="0" cy="0"/>
+        </a:xfrm>
+      </p:grpSpPr>
+      <p:sp>
+        <p:nvSpPr>
+          <p:cNvPr id="2" name="Title 1">
+            <a:extLst>
+              <a:ext uri="{FF2B5EF4-FFF2-40B4-BE49-F238E27FC236}">
+                <a16:creationId xmlns:a16="http://schemas.microsoft.com/office/drawing/2014/main" id="{10D330C2-52A4-1ABA-980B-56FBC97F350C}"/>
+              </a:ext>
+            </a:extLst>
+          </p:cNvPr>
+          <p:cNvSpPr>
+            <a:spLocks noGrp="1"/>
+          </p:cNvSpPr>
+          <p:nvPr>
+            <p:ph type="title"/>
+          </p:nvPr>
+        </p:nvSpPr>
+        <p:spPr/>
+        <p:txBody>
+          <a:bodyPr/>
+          <a:lstStyle/>
+          <a:p>
+            <a:r>
+              <a:rPr lang="en-US" dirty="0"/>
+              <a:t>Warm Up </a:t>
+            </a:r>
+          </a:p>
+        </p:txBody>
+      </p:sp>
+      <p:sp>
+        <p:nvSpPr>
+          <p:cNvPr id="3" name="Content Placeholder 2">
+            <a:extLst>
+              <a:ext uri="{FF2B5EF4-FFF2-40B4-BE49-F238E27FC236}">
+                <a16:creationId xmlns:a16="http://schemas.microsoft.com/office/drawing/2014/main" id="{9EAE50F6-429C-715A-C25C-1C7744AED1CF}"/>
+              </a:ext>
+            </a:extLst>
+          </p:cNvPr>
+          <p:cNvSpPr>
+            <a:spLocks noGrp="1"/>
+          </p:cNvSpPr>
+          <p:nvPr>
+            <p:ph idx="1"/>
+          </p:nvPr>
+        </p:nvSpPr>
+        <p:spPr>
+          <a:xfrm>
+            <a:off x="3463636" y="166255"/>
+            <a:ext cx="8271164" cy="5818493"/>
+          </a:xfrm>
+        </p:spPr>
+        <p:txBody>
+          <a:bodyPr anchor="t">
+            <a:normAutofit/>
+          </a:bodyPr>
+          <a:lstStyle/>
+          <a:p>
+            <a:pPr marL="0" indent="0">
+              <a:buNone/>
+            </a:pPr>
+            <a:r>
+              <a:rPr lang="en-US" sz="2000" b="1" i="1" dirty="0"/>
+              <a:t>Study Designs</a:t>
+            </a:r>
+          </a:p>
+          <a:p>
+            <a:pPr lvl="1"/>
+            <a:r>
+              <a:rPr lang="en-US" b="1" i="1" dirty="0"/>
+              <a:t>Observational</a:t>
+            </a:r>
+            <a:r>
+              <a:rPr lang="en-US" dirty="0"/>
+              <a:t>: Researchers observe both the explanatory and response variables without interfering in how the data arises</a:t>
+            </a:r>
+          </a:p>
+          <a:p>
+            <a:pPr lvl="1"/>
+            <a:r>
+              <a:rPr lang="en-US" b="1" i="1" dirty="0"/>
+              <a:t>Experiments</a:t>
+            </a:r>
+            <a:r>
+              <a:rPr lang="en-US" dirty="0"/>
+              <a:t>: Researchers intervene and assign treatments (the explanatory variable) to each participant in the study (ideally randomly) </a:t>
+            </a:r>
+          </a:p>
+          <a:p>
+            <a:pPr marL="0" indent="0">
+              <a:buNone/>
+            </a:pPr>
+            <a:r>
+              <a:rPr lang="en-US" b="1" i="1" dirty="0"/>
+              <a:t>Variables</a:t>
+            </a:r>
+          </a:p>
+          <a:p>
+            <a:pPr lvl="1"/>
+            <a:r>
+              <a:rPr lang="en-US" b="1" i="1" dirty="0"/>
+              <a:t>Response variable:</a:t>
+            </a:r>
+            <a:r>
+              <a:rPr lang="en-US" dirty="0"/>
+              <a:t> the measured outcome of interest. </a:t>
+            </a:r>
+          </a:p>
+          <a:p>
+            <a:pPr lvl="1"/>
+            <a:r>
+              <a:rPr lang="en-US" b="1" i="1" dirty="0"/>
+              <a:t>Explanatory variable:</a:t>
+            </a:r>
+            <a:r>
+              <a:rPr lang="en-US" dirty="0"/>
+              <a:t> a variable that potentials explains or predicts changes in the response. </a:t>
+            </a:r>
+            <a:endParaRPr lang="en-US" sz="2000" b="1" i="1" dirty="0"/>
+          </a:p>
+          <a:p>
+            <a:pPr lvl="1"/>
+            <a:r>
+              <a:rPr lang="en-US" b="1" i="1" dirty="0"/>
+              <a:t>Confounds </a:t>
+            </a:r>
+            <a:r>
+              <a:rPr lang="en-US" dirty="0"/>
+              <a:t>are associated with the explanatory and response variables, and </a:t>
+            </a:r>
+            <a:r>
+              <a:rPr lang="en-US" b="1" i="1" dirty="0"/>
+              <a:t>obscure true relationships</a:t>
+            </a:r>
+            <a:r>
+              <a:rPr lang="en-US" dirty="0"/>
+              <a:t>. </a:t>
+            </a:r>
+          </a:p>
+          <a:p>
+            <a:pPr marL="0" indent="0">
+              <a:buNone/>
+            </a:pPr>
+            <a:endParaRPr lang="en-US" sz="2000" dirty="0"/>
+          </a:p>
+        </p:txBody>
+      </p:sp>
+      <p:sp>
+        <p:nvSpPr>
+          <p:cNvPr id="13" name="Rounded Rectangle 12">
+            <a:extLst>
+              <a:ext uri="{FF2B5EF4-FFF2-40B4-BE49-F238E27FC236}">
+                <a16:creationId xmlns:a16="http://schemas.microsoft.com/office/drawing/2014/main" id="{A0347F0B-A151-7379-A914-35AAD039FE94}"/>
+              </a:ext>
+            </a:extLst>
+          </p:cNvPr>
+          <p:cNvSpPr/>
+          <p:nvPr/>
+        </p:nvSpPr>
+        <p:spPr>
+          <a:xfrm>
+            <a:off x="3629891" y="3632983"/>
+            <a:ext cx="7938654" cy="3058762"/>
+          </a:xfrm>
+          <a:prstGeom prst="roundRect">
+            <a:avLst/>
+          </a:prstGeom>
+        </p:spPr>
+        <p:style>
+          <a:lnRef idx="2">
+            <a:schemeClr val="accent5">
+              <a:shade val="15000"/>
+            </a:schemeClr>
+          </a:lnRef>
+          <a:fillRef idx="1">
+            <a:schemeClr val="accent5"/>
+          </a:fillRef>
+          <a:effectRef idx="0">
+            <a:schemeClr val="accent5"/>
+          </a:effectRef>
+          <a:fontRef idx="minor">
+            <a:schemeClr val="lt1"/>
+          </a:fontRef>
+        </p:style>
+        <p:txBody>
+          <a:bodyPr rtlCol="0" anchor="t"/>
+          <a:lstStyle/>
+          <a:p>
+            <a:r>
+              <a:rPr lang="en-US" sz="2000" dirty="0">
+                <a:latin typeface="Helvetica" pitchFamily="2" charset="0"/>
+              </a:rPr>
+              <a:t>A researcher observes that towns with higher numbers of doctors also report higher numbers of crimes. They conclude that doctors must commit crimes at higher rate than the general population does.</a:t>
+            </a:r>
+          </a:p>
+          <a:p>
+            <a:endParaRPr lang="en-US" sz="2000" dirty="0">
+              <a:latin typeface="Helvetica" pitchFamily="2" charset="0"/>
+            </a:endParaRPr>
+          </a:p>
+          <a:p>
+            <a:pPr marL="342900" indent="-342900">
+              <a:buFont typeface="+mj-lt"/>
+              <a:buAutoNum type="alphaLcParenR"/>
+            </a:pPr>
+            <a:r>
+              <a:rPr lang="en-US" sz="2000" dirty="0">
+                <a:latin typeface="Helvetica" pitchFamily="2" charset="0"/>
+              </a:rPr>
+              <a:t>What type of study is this?</a:t>
+            </a:r>
+          </a:p>
+          <a:p>
+            <a:pPr marL="342900" indent="-342900">
+              <a:buFont typeface="+mj-lt"/>
+              <a:buAutoNum type="alphaLcParenR"/>
+            </a:pPr>
+            <a:r>
+              <a:rPr lang="en-US" sz="2000" dirty="0">
+                <a:latin typeface="Helvetica" pitchFamily="2" charset="0"/>
+              </a:rPr>
+              <a:t>As stated by the researcher, what are the response and explanatory variables? </a:t>
+            </a:r>
+          </a:p>
+          <a:p>
+            <a:pPr marL="342900" indent="-342900">
+              <a:buFont typeface="+mj-lt"/>
+              <a:buAutoNum type="alphaLcParenR"/>
+            </a:pPr>
+            <a:r>
+              <a:rPr lang="en-US" sz="2000" dirty="0">
+                <a:latin typeface="Helvetica" pitchFamily="2" charset="0"/>
+              </a:rPr>
+              <a:t>Is there a confound? If so, what? </a:t>
+            </a:r>
+          </a:p>
+          <a:p>
+            <a:endParaRPr lang="en-US" sz="2000" dirty="0">
+              <a:latin typeface="Helvetica" pitchFamily="2" charset="0"/>
+            </a:endParaRPr>
+          </a:p>
+          <a:p>
+            <a:pPr marL="342900" indent="-342900">
+              <a:buFont typeface="+mj-lt"/>
+              <a:buAutoNum type="alphaLcParenR"/>
+            </a:pPr>
+            <a:endParaRPr lang="en-US" sz="2000" dirty="0">
+              <a:latin typeface="Helvetica" pitchFamily="2" charset="0"/>
+            </a:endParaRPr>
+          </a:p>
+          <a:p>
+            <a:endParaRPr lang="en-US" sz="2000" dirty="0"/>
+          </a:p>
+        </p:txBody>
+      </p:sp>
+    </p:spTree>
+    <p:extLst>
+      <p:ext uri="{BB962C8B-B14F-4D97-AF65-F5344CB8AC3E}">
+        <p14:creationId xmlns:p14="http://schemas.microsoft.com/office/powerpoint/2010/main" val="2488930508"/>
+      </p:ext>
+    </p:extLst>
+  </p:cSld>
+  <p:clrMapOvr>
+    <a:masterClrMapping/>
+  </p:clrMapOvr>
+</p:sld>
+</file>
+
+<file path=ppt/slides/slide30.xml><?xml version="1.0" encoding="utf-8"?>
 <p:sld xmlns:a="http://schemas.openxmlformats.org/drawingml/2006/main" xmlns:r="http://schemas.openxmlformats.org/officeDocument/2006/relationships" xmlns:p="http://schemas.openxmlformats.org/presentationml/2006/main">
   <p:cSld>
     <p:spTree>
@@ -30225,7 +32501,7 @@
 </p:sld>
 </file>
 
-<file path=ppt/slides/slide29.xml><?xml version="1.0" encoding="utf-8"?>
+<file path=ppt/slides/slide31.xml><?xml version="1.0" encoding="utf-8"?>
 <p:sld xmlns:a="http://schemas.openxmlformats.org/drawingml/2006/main" xmlns:r="http://schemas.openxmlformats.org/officeDocument/2006/relationships" xmlns:p="http://schemas.openxmlformats.org/presentationml/2006/main">
   <p:cSld>
     <p:spTree>
@@ -31127,767 +33403,7 @@
 </p:sld>
 </file>
 
-<file path=ppt/slides/slide3.xml><?xml version="1.0" encoding="utf-8"?>
-<p:sld xmlns:a="http://schemas.openxmlformats.org/drawingml/2006/main" xmlns:r="http://schemas.openxmlformats.org/officeDocument/2006/relationships" xmlns:p="http://schemas.openxmlformats.org/presentationml/2006/main">
-  <p:cSld>
-    <p:spTree>
-      <p:nvGrpSpPr>
-        <p:cNvPr id="1" name=""/>
-        <p:cNvGrpSpPr/>
-        <p:nvPr/>
-      </p:nvGrpSpPr>
-      <p:grpSpPr>
-        <a:xfrm>
-          <a:off x="0" y="0"/>
-          <a:ext cx="0" cy="0"/>
-          <a:chOff x="0" y="0"/>
-          <a:chExt cx="0" cy="0"/>
-        </a:xfrm>
-      </p:grpSpPr>
-      <p:sp>
-        <p:nvSpPr>
-          <p:cNvPr id="2" name="Title 1">
-            <a:extLst>
-              <a:ext uri="{FF2B5EF4-FFF2-40B4-BE49-F238E27FC236}">
-                <a16:creationId xmlns:a16="http://schemas.microsoft.com/office/drawing/2014/main" id="{10D330C2-52A4-1ABA-980B-56FBC97F350C}"/>
-              </a:ext>
-            </a:extLst>
-          </p:cNvPr>
-          <p:cNvSpPr>
-            <a:spLocks noGrp="1"/>
-          </p:cNvSpPr>
-          <p:nvPr>
-            <p:ph type="title"/>
-          </p:nvPr>
-        </p:nvSpPr>
-        <p:spPr/>
-        <p:txBody>
-          <a:bodyPr/>
-          <a:lstStyle/>
-          <a:p>
-            <a:r>
-              <a:rPr lang="en-US" dirty="0"/>
-              <a:t>Big </a:t>
-            </a:r>
-            <a:r>
-              <a:rPr lang="en-US" spc="-50" dirty="0"/>
-              <a:t>Picture</a:t>
-            </a:r>
-            <a:endParaRPr lang="en-US" dirty="0"/>
-          </a:p>
-        </p:txBody>
-      </p:sp>
-      <p:sp>
-        <p:nvSpPr>
-          <p:cNvPr id="4" name="object 5">
-            <a:extLst>
-              <a:ext uri="{FF2B5EF4-FFF2-40B4-BE49-F238E27FC236}">
-                <a16:creationId xmlns:a16="http://schemas.microsoft.com/office/drawing/2014/main" id="{DE7012AC-9617-6FCB-6057-BA0C508327A1}"/>
-              </a:ext>
-            </a:extLst>
-          </p:cNvPr>
-          <p:cNvSpPr txBox="1"/>
-          <p:nvPr/>
-        </p:nvSpPr>
-        <p:spPr>
-          <a:xfrm>
-            <a:off x="3557212" y="375587"/>
-            <a:ext cx="8144458" cy="2058256"/>
-          </a:xfrm>
-          <a:prstGeom prst="rect">
-            <a:avLst/>
-          </a:prstGeom>
-        </p:spPr>
-        <p:txBody>
-          <a:bodyPr vert="horz" wrap="square" lIns="0" tIns="109474" rIns="0" bIns="0" rtlCol="0">
-            <a:spAutoFit/>
-          </a:bodyPr>
-          <a:lstStyle/>
-          <a:p>
-            <a:pPr marL="25168">
-              <a:spcBef>
-                <a:spcPts val="860"/>
-              </a:spcBef>
-            </a:pPr>
-            <a:r>
-              <a:rPr sz="2180" spc="-40" dirty="0">
-                <a:latin typeface="Arial"/>
-                <a:cs typeface="Arial"/>
-              </a:rPr>
-              <a:t>Thus</a:t>
-            </a:r>
-            <a:r>
-              <a:rPr sz="2180" spc="-79" dirty="0">
-                <a:latin typeface="Arial"/>
-                <a:cs typeface="Arial"/>
-              </a:rPr>
-              <a:t> </a:t>
-            </a:r>
-            <a:r>
-              <a:rPr sz="2180" dirty="0">
-                <a:latin typeface="Arial"/>
-                <a:cs typeface="Arial"/>
-              </a:rPr>
-              <a:t>far</a:t>
-            </a:r>
-            <a:r>
-              <a:rPr sz="2180" spc="-30" dirty="0">
-                <a:latin typeface="Arial"/>
-                <a:cs typeface="Arial"/>
-              </a:rPr>
-              <a:t> </a:t>
-            </a:r>
-            <a:r>
-              <a:rPr sz="2180" spc="-129" dirty="0">
-                <a:latin typeface="Arial"/>
-                <a:cs typeface="Arial"/>
-              </a:rPr>
-              <a:t>we’ve</a:t>
-            </a:r>
-            <a:r>
-              <a:rPr sz="2180" spc="-30" dirty="0">
-                <a:latin typeface="Arial"/>
-                <a:cs typeface="Arial"/>
-              </a:rPr>
-              <a:t> </a:t>
-            </a:r>
-            <a:r>
-              <a:rPr sz="2180" spc="-119" dirty="0">
-                <a:latin typeface="Arial"/>
-                <a:cs typeface="Arial"/>
-              </a:rPr>
-              <a:t>focused</a:t>
-            </a:r>
-            <a:r>
-              <a:rPr sz="2180" spc="-30" dirty="0">
-                <a:latin typeface="Arial"/>
-                <a:cs typeface="Arial"/>
-              </a:rPr>
-              <a:t> </a:t>
-            </a:r>
-            <a:r>
-              <a:rPr sz="2180" spc="-20" dirty="0">
-                <a:latin typeface="Arial"/>
-                <a:cs typeface="Arial"/>
-              </a:rPr>
-              <a:t>on</a:t>
-            </a:r>
-            <a:r>
-              <a:rPr sz="2180" spc="-30" dirty="0">
-                <a:latin typeface="Arial"/>
-                <a:cs typeface="Arial"/>
-              </a:rPr>
-              <a:t> </a:t>
-            </a:r>
-            <a:r>
-              <a:rPr sz="2180" spc="-89" dirty="0">
-                <a:latin typeface="Arial"/>
-                <a:cs typeface="Arial"/>
-              </a:rPr>
-              <a:t>understanding</a:t>
-            </a:r>
-            <a:r>
-              <a:rPr sz="2180" spc="-40" dirty="0">
-                <a:latin typeface="Arial"/>
-                <a:cs typeface="Arial"/>
-              </a:rPr>
-              <a:t> </a:t>
-            </a:r>
-            <a:r>
-              <a:rPr sz="2180" spc="-129" dirty="0">
-                <a:latin typeface="Arial"/>
-                <a:cs typeface="Arial"/>
-              </a:rPr>
-              <a:t>where</a:t>
-            </a:r>
-            <a:r>
-              <a:rPr sz="2180" spc="-20" dirty="0">
-                <a:latin typeface="Arial"/>
-                <a:cs typeface="Arial"/>
-              </a:rPr>
-              <a:t> </a:t>
-            </a:r>
-            <a:r>
-              <a:rPr sz="2180" dirty="0">
-                <a:latin typeface="Arial"/>
-                <a:cs typeface="Arial"/>
-              </a:rPr>
-              <a:t>our</a:t>
-            </a:r>
-            <a:r>
-              <a:rPr sz="2180" spc="-40" dirty="0">
-                <a:latin typeface="Arial"/>
-                <a:cs typeface="Arial"/>
-              </a:rPr>
-              <a:t> data</a:t>
-            </a:r>
-            <a:r>
-              <a:rPr sz="2180" spc="-30" dirty="0">
-                <a:latin typeface="Arial"/>
-                <a:cs typeface="Arial"/>
-              </a:rPr>
-              <a:t> </a:t>
-            </a:r>
-            <a:r>
-              <a:rPr sz="2180" spc="-129" dirty="0">
-                <a:latin typeface="Arial"/>
-                <a:cs typeface="Arial"/>
-              </a:rPr>
-              <a:t>come</a:t>
-            </a:r>
-            <a:r>
-              <a:rPr sz="2180" spc="-20" dirty="0">
-                <a:latin typeface="Arial"/>
-                <a:cs typeface="Arial"/>
-              </a:rPr>
-              <a:t> from:</a:t>
-            </a:r>
-            <a:endParaRPr sz="2180" dirty="0">
-              <a:latin typeface="Arial"/>
-              <a:cs typeface="Arial"/>
-            </a:endParaRPr>
-          </a:p>
-          <a:p>
-            <a:pPr marL="573821" marR="10067">
-              <a:lnSpc>
-                <a:spcPct val="125299"/>
-              </a:lnSpc>
-            </a:pPr>
-            <a:r>
-              <a:rPr sz="2180" dirty="0">
-                <a:latin typeface="Arial"/>
-                <a:cs typeface="Arial"/>
-              </a:rPr>
-              <a:t>Do</a:t>
-            </a:r>
-            <a:r>
-              <a:rPr sz="2180" spc="-159" dirty="0">
-                <a:latin typeface="Arial"/>
-                <a:cs typeface="Arial"/>
-              </a:rPr>
-              <a:t> </a:t>
-            </a:r>
-            <a:r>
-              <a:rPr sz="2180" spc="-109" dirty="0">
-                <a:latin typeface="Arial"/>
-                <a:cs typeface="Arial"/>
-              </a:rPr>
-              <a:t>those</a:t>
-            </a:r>
-            <a:r>
-              <a:rPr sz="2180" spc="-40" dirty="0">
-                <a:latin typeface="Arial"/>
-                <a:cs typeface="Arial"/>
-              </a:rPr>
-              <a:t> data</a:t>
-            </a:r>
-            <a:r>
-              <a:rPr sz="2180" spc="-79" dirty="0">
-                <a:latin typeface="Arial"/>
-                <a:cs typeface="Arial"/>
-              </a:rPr>
-              <a:t> </a:t>
-            </a:r>
-            <a:r>
-              <a:rPr sz="2180" spc="-139" dirty="0">
-                <a:latin typeface="Arial"/>
-                <a:cs typeface="Arial"/>
-              </a:rPr>
-              <a:t>represent</a:t>
-            </a:r>
-            <a:r>
-              <a:rPr sz="2180" spc="-10" dirty="0">
-                <a:latin typeface="Arial"/>
-                <a:cs typeface="Arial"/>
-              </a:rPr>
-              <a:t> </a:t>
-            </a:r>
-            <a:r>
-              <a:rPr sz="2180" dirty="0">
-                <a:latin typeface="Arial"/>
-                <a:cs typeface="Arial"/>
-              </a:rPr>
-              <a:t>a</a:t>
-            </a:r>
-            <a:r>
-              <a:rPr sz="2180" spc="-59" dirty="0">
-                <a:latin typeface="Arial"/>
-                <a:cs typeface="Arial"/>
-              </a:rPr>
-              <a:t> </a:t>
-            </a:r>
-            <a:r>
-              <a:rPr sz="2180" spc="-79" dirty="0">
-                <a:solidFill>
-                  <a:srgbClr val="00B0F0"/>
-                </a:solidFill>
-                <a:latin typeface="Arial"/>
-                <a:cs typeface="Arial"/>
-              </a:rPr>
-              <a:t>random</a:t>
-            </a:r>
-            <a:r>
-              <a:rPr sz="2180" spc="-59" dirty="0">
-                <a:solidFill>
-                  <a:srgbClr val="00B0F0"/>
-                </a:solidFill>
-                <a:latin typeface="Arial"/>
-                <a:cs typeface="Arial"/>
-              </a:rPr>
-              <a:t> </a:t>
-            </a:r>
-            <a:r>
-              <a:rPr sz="2180" spc="-149" dirty="0">
-                <a:solidFill>
-                  <a:srgbClr val="00B0F0"/>
-                </a:solidFill>
-                <a:latin typeface="Arial"/>
-                <a:cs typeface="Arial"/>
-              </a:rPr>
-              <a:t>sample</a:t>
-            </a:r>
-            <a:r>
-              <a:rPr sz="2180" dirty="0">
-                <a:solidFill>
-                  <a:srgbClr val="00B0F0"/>
-                </a:solidFill>
-                <a:latin typeface="Arial"/>
-                <a:cs typeface="Arial"/>
-              </a:rPr>
-              <a:t> </a:t>
-            </a:r>
-            <a:r>
-              <a:rPr sz="2180" dirty="0">
-                <a:latin typeface="Arial"/>
-                <a:cs typeface="Arial"/>
-              </a:rPr>
-              <a:t>from</a:t>
-            </a:r>
-            <a:r>
-              <a:rPr sz="2180" spc="-59" dirty="0">
-                <a:latin typeface="Arial"/>
-                <a:cs typeface="Arial"/>
-              </a:rPr>
-              <a:t> </a:t>
-            </a:r>
-            <a:r>
-              <a:rPr sz="2180" spc="-20" dirty="0">
-                <a:latin typeface="Arial"/>
-                <a:cs typeface="Arial"/>
-              </a:rPr>
-              <a:t>our</a:t>
-            </a:r>
-            <a:r>
-              <a:rPr sz="2180" spc="-59" dirty="0">
-                <a:latin typeface="Arial"/>
-                <a:cs typeface="Arial"/>
-              </a:rPr>
-              <a:t> </a:t>
-            </a:r>
-            <a:r>
-              <a:rPr sz="2180" spc="-20" dirty="0">
-                <a:latin typeface="Arial"/>
-                <a:cs typeface="Arial"/>
-              </a:rPr>
-              <a:t>target</a:t>
-            </a:r>
-            <a:r>
-              <a:rPr sz="2180" spc="-50" dirty="0">
-                <a:latin typeface="Arial"/>
-                <a:cs typeface="Arial"/>
-              </a:rPr>
-              <a:t> population? </a:t>
-            </a:r>
-            <a:r>
-              <a:rPr sz="2180" spc="-149" dirty="0">
-                <a:latin typeface="Arial"/>
-                <a:cs typeface="Arial"/>
-              </a:rPr>
-              <a:t>Was</a:t>
-            </a:r>
-            <a:r>
-              <a:rPr sz="2180" spc="-10" dirty="0">
-                <a:latin typeface="Arial"/>
-                <a:cs typeface="Arial"/>
-              </a:rPr>
-              <a:t> </a:t>
-            </a:r>
-            <a:r>
-              <a:rPr sz="2180" dirty="0">
-                <a:latin typeface="Arial"/>
-                <a:cs typeface="Arial"/>
-              </a:rPr>
-              <a:t>the</a:t>
-            </a:r>
-            <a:r>
-              <a:rPr sz="2180" spc="-50" dirty="0">
-                <a:latin typeface="Arial"/>
-                <a:cs typeface="Arial"/>
-              </a:rPr>
-              <a:t> </a:t>
-            </a:r>
-            <a:r>
-              <a:rPr sz="2180" spc="-79" dirty="0">
-                <a:latin typeface="Arial"/>
-                <a:cs typeface="Arial"/>
-              </a:rPr>
-              <a:t>explanatory</a:t>
-            </a:r>
-            <a:r>
-              <a:rPr sz="2180" spc="-20" dirty="0">
-                <a:latin typeface="Arial"/>
-                <a:cs typeface="Arial"/>
-              </a:rPr>
-              <a:t> </a:t>
-            </a:r>
-            <a:r>
-              <a:rPr sz="2180" spc="-89" dirty="0">
-                <a:latin typeface="Arial"/>
-                <a:cs typeface="Arial"/>
-              </a:rPr>
-              <a:t>variable</a:t>
-            </a:r>
-            <a:r>
-              <a:rPr sz="2180" spc="-30" dirty="0">
-                <a:latin typeface="Arial"/>
-                <a:cs typeface="Arial"/>
-              </a:rPr>
-              <a:t> </a:t>
-            </a:r>
-            <a:r>
-              <a:rPr sz="2180" spc="-69" dirty="0">
-                <a:solidFill>
-                  <a:srgbClr val="00B0F0"/>
-                </a:solidFill>
-                <a:latin typeface="Arial"/>
-                <a:cs typeface="Arial"/>
-              </a:rPr>
-              <a:t>randomly</a:t>
-            </a:r>
-            <a:r>
-              <a:rPr sz="2180" spc="-30" dirty="0">
-                <a:solidFill>
-                  <a:srgbClr val="00B0F0"/>
-                </a:solidFill>
-                <a:latin typeface="Arial"/>
-                <a:cs typeface="Arial"/>
-              </a:rPr>
-              <a:t> </a:t>
-            </a:r>
-            <a:r>
-              <a:rPr sz="2180" spc="-20" dirty="0">
-                <a:solidFill>
-                  <a:srgbClr val="00B0F0"/>
-                </a:solidFill>
-                <a:latin typeface="Arial"/>
-                <a:cs typeface="Arial"/>
-              </a:rPr>
-              <a:t>allocated</a:t>
-            </a:r>
-            <a:r>
-              <a:rPr sz="2180" spc="-20" dirty="0">
-                <a:latin typeface="Arial"/>
-                <a:cs typeface="Arial"/>
-              </a:rPr>
-              <a:t>?</a:t>
-            </a:r>
-            <a:endParaRPr sz="2180" dirty="0">
-              <a:latin typeface="Arial"/>
-              <a:cs typeface="Arial"/>
-            </a:endParaRPr>
-          </a:p>
-          <a:p>
-            <a:pPr marL="25168">
-              <a:spcBef>
-                <a:spcPts val="662"/>
-              </a:spcBef>
-            </a:pPr>
-            <a:r>
-              <a:rPr sz="2180" dirty="0">
-                <a:latin typeface="Arial"/>
-                <a:cs typeface="Arial"/>
-              </a:rPr>
-              <a:t>This</a:t>
-            </a:r>
-            <a:r>
-              <a:rPr sz="2180" spc="-59" dirty="0">
-                <a:latin typeface="Arial"/>
-                <a:cs typeface="Arial"/>
-              </a:rPr>
-              <a:t> </a:t>
-            </a:r>
-            <a:r>
-              <a:rPr sz="2180" dirty="0">
-                <a:latin typeface="Arial"/>
-                <a:cs typeface="Arial"/>
-              </a:rPr>
-              <a:t>in turn</a:t>
-            </a:r>
-            <a:r>
-              <a:rPr sz="2180" spc="-10" dirty="0">
-                <a:latin typeface="Arial"/>
-                <a:cs typeface="Arial"/>
-              </a:rPr>
-              <a:t> </a:t>
-            </a:r>
-            <a:r>
-              <a:rPr sz="2180" spc="-109" dirty="0">
-                <a:latin typeface="Arial"/>
-                <a:cs typeface="Arial"/>
-              </a:rPr>
-              <a:t>determines</a:t>
-            </a:r>
-            <a:r>
-              <a:rPr sz="2180" spc="-20" dirty="0">
-                <a:latin typeface="Arial"/>
-                <a:cs typeface="Arial"/>
-              </a:rPr>
-              <a:t> </a:t>
-            </a:r>
-            <a:r>
-              <a:rPr sz="2180" i="1" dirty="0">
-                <a:latin typeface="Arial"/>
-                <a:cs typeface="Arial"/>
-              </a:rPr>
-              <a:t>what</a:t>
-            </a:r>
-            <a:r>
-              <a:rPr sz="2180" i="1" spc="-10" dirty="0">
-                <a:latin typeface="Arial"/>
-                <a:cs typeface="Arial"/>
-              </a:rPr>
-              <a:t> </a:t>
-            </a:r>
-            <a:r>
-              <a:rPr sz="2180" spc="-99" dirty="0">
-                <a:latin typeface="Arial"/>
-                <a:cs typeface="Arial"/>
-              </a:rPr>
-              <a:t>sorts</a:t>
-            </a:r>
-            <a:r>
-              <a:rPr sz="2180" dirty="0">
-                <a:latin typeface="Arial"/>
-                <a:cs typeface="Arial"/>
-              </a:rPr>
-              <a:t> of</a:t>
-            </a:r>
-            <a:r>
-              <a:rPr sz="2180" spc="-10" dirty="0">
-                <a:latin typeface="Arial"/>
-                <a:cs typeface="Arial"/>
-              </a:rPr>
-              <a:t> </a:t>
-            </a:r>
-            <a:r>
-              <a:rPr sz="2180" spc="-119" dirty="0">
-                <a:latin typeface="Arial"/>
-                <a:cs typeface="Arial"/>
-              </a:rPr>
-              <a:t>conclusions</a:t>
-            </a:r>
-            <a:r>
-              <a:rPr sz="2180" spc="-10" dirty="0">
-                <a:latin typeface="Arial"/>
-                <a:cs typeface="Arial"/>
-              </a:rPr>
-              <a:t> </a:t>
-            </a:r>
-            <a:r>
-              <a:rPr sz="2180" spc="-188" dirty="0">
-                <a:latin typeface="Arial"/>
-                <a:cs typeface="Arial"/>
-              </a:rPr>
-              <a:t>we</a:t>
-            </a:r>
-            <a:r>
-              <a:rPr sz="2180" spc="40" dirty="0">
-                <a:latin typeface="Arial"/>
-                <a:cs typeface="Arial"/>
-              </a:rPr>
-              <a:t> </a:t>
-            </a:r>
-            <a:r>
-              <a:rPr sz="2180" spc="-99" dirty="0">
-                <a:latin typeface="Arial"/>
-                <a:cs typeface="Arial"/>
-              </a:rPr>
-              <a:t>can</a:t>
-            </a:r>
-            <a:r>
-              <a:rPr sz="2180" spc="-10" dirty="0">
-                <a:latin typeface="Arial"/>
-                <a:cs typeface="Arial"/>
-              </a:rPr>
-              <a:t> </a:t>
-            </a:r>
-            <a:r>
-              <a:rPr sz="2180" spc="-89" dirty="0">
-                <a:latin typeface="Arial"/>
-                <a:cs typeface="Arial"/>
-              </a:rPr>
-              <a:t>draw</a:t>
-            </a:r>
-            <a:r>
-              <a:rPr sz="2180" spc="-10" dirty="0">
-                <a:latin typeface="Arial"/>
-                <a:cs typeface="Arial"/>
-              </a:rPr>
-              <a:t> </a:t>
-            </a:r>
-            <a:r>
-              <a:rPr sz="2180" spc="-79" dirty="0">
-                <a:latin typeface="Arial"/>
-                <a:cs typeface="Arial"/>
-              </a:rPr>
-              <a:t>and</a:t>
-            </a:r>
-            <a:r>
-              <a:rPr sz="2180" dirty="0">
-                <a:latin typeface="Arial"/>
-                <a:cs typeface="Arial"/>
-              </a:rPr>
-              <a:t> </a:t>
-            </a:r>
-            <a:r>
-              <a:rPr sz="2180" spc="-50" dirty="0">
-                <a:latin typeface="Arial"/>
-                <a:cs typeface="Arial"/>
-              </a:rPr>
-              <a:t>to</a:t>
-            </a:r>
-            <a:endParaRPr sz="2180" dirty="0">
-              <a:latin typeface="Arial"/>
-              <a:cs typeface="Arial"/>
-            </a:endParaRPr>
-          </a:p>
-          <a:p>
-            <a:pPr marL="25168">
-              <a:spcBef>
-                <a:spcPts val="69"/>
-              </a:spcBef>
-            </a:pPr>
-            <a:r>
-              <a:rPr sz="2180" i="1" spc="-69" dirty="0">
-                <a:latin typeface="Arial"/>
-                <a:cs typeface="Arial"/>
-              </a:rPr>
-              <a:t>whom </a:t>
-            </a:r>
-            <a:r>
-              <a:rPr sz="2180" spc="-188" dirty="0">
-                <a:latin typeface="Arial"/>
-                <a:cs typeface="Arial"/>
-              </a:rPr>
-              <a:t>we</a:t>
-            </a:r>
-            <a:r>
-              <a:rPr sz="2180" spc="40" dirty="0">
-                <a:latin typeface="Arial"/>
-                <a:cs typeface="Arial"/>
-              </a:rPr>
-              <a:t> </a:t>
-            </a:r>
-            <a:r>
-              <a:rPr sz="2180" spc="-89" dirty="0">
-                <a:latin typeface="Arial"/>
-                <a:cs typeface="Arial"/>
-              </a:rPr>
-              <a:t>can</a:t>
-            </a:r>
-            <a:r>
-              <a:rPr sz="2180" spc="-10" dirty="0">
-                <a:latin typeface="Arial"/>
-                <a:cs typeface="Arial"/>
-              </a:rPr>
-              <a:t> </a:t>
-            </a:r>
-            <a:r>
-              <a:rPr sz="2180" spc="-119" dirty="0">
-                <a:latin typeface="Arial"/>
-                <a:cs typeface="Arial"/>
-              </a:rPr>
-              <a:t>generalize</a:t>
-            </a:r>
-            <a:r>
-              <a:rPr sz="2180" spc="-20" dirty="0">
-                <a:latin typeface="Arial"/>
-                <a:cs typeface="Arial"/>
-              </a:rPr>
-              <a:t> </a:t>
-            </a:r>
-            <a:r>
-              <a:rPr sz="2180" spc="-99" dirty="0">
-                <a:latin typeface="Arial"/>
-                <a:cs typeface="Arial"/>
-              </a:rPr>
-              <a:t>those</a:t>
-            </a:r>
-            <a:r>
-              <a:rPr sz="2180" spc="-10" dirty="0">
-                <a:latin typeface="Arial"/>
-                <a:cs typeface="Arial"/>
-              </a:rPr>
-              <a:t> </a:t>
-            </a:r>
-            <a:r>
-              <a:rPr sz="2180" spc="-20" dirty="0">
-                <a:latin typeface="Arial"/>
-                <a:cs typeface="Arial"/>
-              </a:rPr>
-              <a:t>results:</a:t>
-            </a:r>
-            <a:endParaRPr sz="2180" dirty="0">
-              <a:latin typeface="Arial"/>
-              <a:cs typeface="Arial"/>
-            </a:endParaRPr>
-          </a:p>
-        </p:txBody>
-      </p:sp>
-      <p:pic>
-        <p:nvPicPr>
-          <p:cNvPr id="5" name="object 6">
-            <a:extLst>
-              <a:ext uri="{FF2B5EF4-FFF2-40B4-BE49-F238E27FC236}">
-                <a16:creationId xmlns:a16="http://schemas.microsoft.com/office/drawing/2014/main" id="{D81F2E41-D8C6-1532-7E50-03F42CA0FD8A}"/>
-              </a:ext>
-            </a:extLst>
-          </p:cNvPr>
-          <p:cNvPicPr>
-            <a:picLocks noChangeAspect="1"/>
-          </p:cNvPicPr>
-          <p:nvPr/>
-        </p:nvPicPr>
-        <p:blipFill>
-          <a:blip r:embed="rId2" cstate="print"/>
-          <a:stretch>
-            <a:fillRect/>
-          </a:stretch>
-        </p:blipFill>
-        <p:spPr>
-          <a:xfrm>
-            <a:off x="2942340" y="2433843"/>
-            <a:ext cx="9249660" cy="4389120"/>
-          </a:xfrm>
-          <a:prstGeom prst="rect">
-            <a:avLst/>
-          </a:prstGeom>
-        </p:spPr>
-      </p:pic>
-    </p:spTree>
-    <p:extLst>
-      <p:ext uri="{BB962C8B-B14F-4D97-AF65-F5344CB8AC3E}">
-        <p14:creationId xmlns:p14="http://schemas.microsoft.com/office/powerpoint/2010/main" val="1634613102"/>
-      </p:ext>
-    </p:extLst>
-  </p:cSld>
-  <p:clrMapOvr>
-    <a:masterClrMapping/>
-  </p:clrMapOvr>
-</p:sld>
-</file>
-
-<file path=ppt/slides/slide30.xml><?xml version="1.0" encoding="utf-8"?>
+<file path=ppt/slides/slide32.xml><?xml version="1.0" encoding="utf-8"?>
 <p:sld xmlns:a="http://schemas.openxmlformats.org/drawingml/2006/main" xmlns:r="http://schemas.openxmlformats.org/officeDocument/2006/relationships" xmlns:p="http://schemas.openxmlformats.org/presentationml/2006/main">
   <p:cSld>
     <p:spTree>
@@ -32776,8 +34292,8 @@
           </a:p>
         </p:txBody>
       </p:sp>
-      <mc:AlternateContent xmlns:mc="http://schemas.openxmlformats.org/markup-compatibility/2006">
-        <mc:Choice xmlns:a14="http://schemas.microsoft.com/office/drawing/2010/main" Requires="a14">
+      <mc:AlternateContent xmlns:mc="http://schemas.openxmlformats.org/markup-compatibility/2006" xmlns:a14="http://schemas.microsoft.com/office/drawing/2010/main">
+        <mc:Choice Requires="a14">
           <p:sp>
             <p:nvSpPr>
               <p:cNvPr id="3" name="object 7">
@@ -33447,7 +34963,7 @@
             </p:txBody>
           </p:sp>
         </mc:Choice>
-        <mc:Fallback>
+        <mc:Fallback xmlns="">
           <p:sp>
             <p:nvSpPr>
               <p:cNvPr id="3" name="object 7">
@@ -33492,8 +35008,8 @@
           </p:sp>
         </mc:Fallback>
       </mc:AlternateContent>
-      <mc:AlternateContent xmlns:mc="http://schemas.openxmlformats.org/markup-compatibility/2006">
-        <mc:Choice xmlns:a14="http://schemas.microsoft.com/office/drawing/2010/main" Requires="a14">
+      <mc:AlternateContent xmlns:mc="http://schemas.openxmlformats.org/markup-compatibility/2006" xmlns:a14="http://schemas.microsoft.com/office/drawing/2010/main">
+        <mc:Choice Requires="a14">
           <p:sp>
             <p:nvSpPr>
               <p:cNvPr id="8" name="object 22">
@@ -33718,7 +35234,7 @@
             </p:txBody>
           </p:sp>
         </mc:Choice>
-        <mc:Fallback>
+        <mc:Fallback xmlns="">
           <p:sp>
             <p:nvSpPr>
               <p:cNvPr id="8" name="object 22">
@@ -33763,8 +35279,8 @@
           </p:sp>
         </mc:Fallback>
       </mc:AlternateContent>
-      <mc:AlternateContent xmlns:mc="http://schemas.openxmlformats.org/markup-compatibility/2006">
-        <mc:Choice xmlns:a14="http://schemas.microsoft.com/office/drawing/2010/main" Requires="a14">
+      <mc:AlternateContent xmlns:mc="http://schemas.openxmlformats.org/markup-compatibility/2006" xmlns:a14="http://schemas.microsoft.com/office/drawing/2010/main">
+        <mc:Choice Requires="a14">
           <p:sp>
             <p:nvSpPr>
               <p:cNvPr id="10" name="TextBox 9">
@@ -33793,6 +35309,7 @@
               </a:bodyPr>
               <a:lstStyle/>
               <a:p>
+                <a:pPr/>
                 <a14:m>
                   <m:oMathPara xmlns:m="http://schemas.openxmlformats.org/officeDocument/2006/math">
                     <m:oMathParaPr>
@@ -34266,7 +35783,7 @@
             </p:txBody>
           </p:sp>
         </mc:Choice>
-        <mc:Fallback>
+        <mc:Fallback xmlns="">
           <p:sp>
             <p:nvSpPr>
               <p:cNvPr id="10" name="TextBox 9">
@@ -34324,7 +35841,7 @@
 </p:sld>
 </file>
 
-<file path=ppt/slides/slide31.xml><?xml version="1.0" encoding="utf-8"?>
+<file path=ppt/slides/slide33.xml><?xml version="1.0" encoding="utf-8"?>
 <p:sld xmlns:a="http://schemas.openxmlformats.org/drawingml/2006/main" xmlns:r="http://schemas.openxmlformats.org/officeDocument/2006/relationships" xmlns:p="http://schemas.openxmlformats.org/presentationml/2006/main">
   <p:cSld>
     <p:spTree>
@@ -35681,7 +37198,7 @@
 </p:sld>
 </file>
 
-<file path=ppt/slides/slide32.xml><?xml version="1.0" encoding="utf-8"?>
+<file path=ppt/slides/slide34.xml><?xml version="1.0" encoding="utf-8"?>
 <p:sld xmlns:a="http://schemas.openxmlformats.org/drawingml/2006/main" xmlns:r="http://schemas.openxmlformats.org/officeDocument/2006/relationships" xmlns:p="http://schemas.openxmlformats.org/presentationml/2006/main">
   <p:cSld>
     <p:spTree>
@@ -37117,7 +38634,7 @@
 </p:sld>
 </file>
 
-<file path=ppt/slides/slide33.xml><?xml version="1.0" encoding="utf-8"?>
+<file path=ppt/slides/slide35.xml><?xml version="1.0" encoding="utf-8"?>
 <p:sld xmlns:a="http://schemas.openxmlformats.org/drawingml/2006/main" xmlns:r="http://schemas.openxmlformats.org/officeDocument/2006/relationships" xmlns:p="http://schemas.openxmlformats.org/presentationml/2006/main">
   <p:cSld>
     <p:spTree>
@@ -38006,8 +39523,8 @@
           </a:p>
         </p:txBody>
       </p:sp>
-      <mc:AlternateContent xmlns:mc="http://schemas.openxmlformats.org/markup-compatibility/2006">
-        <mc:Choice xmlns:a14="http://schemas.microsoft.com/office/drawing/2010/main" Requires="a14">
+      <mc:AlternateContent xmlns:mc="http://schemas.openxmlformats.org/markup-compatibility/2006" xmlns:a14="http://schemas.microsoft.com/office/drawing/2010/main">
+        <mc:Choice Requires="a14">
           <p:sp>
             <p:nvSpPr>
               <p:cNvPr id="3" name="object 7">
@@ -38330,7 +39847,7 @@
             </p:txBody>
           </p:sp>
         </mc:Choice>
-        <mc:Fallback>
+        <mc:Fallback xmlns="">
           <p:sp>
             <p:nvSpPr>
               <p:cNvPr id="3" name="object 7">
@@ -38375,8 +39892,8 @@
           </p:sp>
         </mc:Fallback>
       </mc:AlternateContent>
-      <mc:AlternateContent xmlns:mc="http://schemas.openxmlformats.org/markup-compatibility/2006">
-        <mc:Choice xmlns:a14="http://schemas.microsoft.com/office/drawing/2010/main" Requires="a14">
+      <mc:AlternateContent xmlns:mc="http://schemas.openxmlformats.org/markup-compatibility/2006" xmlns:a14="http://schemas.microsoft.com/office/drawing/2010/main">
+        <mc:Choice Requires="a14">
           <p:sp>
             <p:nvSpPr>
               <p:cNvPr id="10" name="TextBox 9">
@@ -38405,6 +39922,7 @@
               </a:bodyPr>
               <a:lstStyle/>
               <a:p>
+                <a:pPr/>
                 <a14:m>
                   <m:oMathPara xmlns:m="http://schemas.openxmlformats.org/officeDocument/2006/math">
                     <m:oMathParaPr>
@@ -38878,7 +40396,7 @@
             </p:txBody>
           </p:sp>
         </mc:Choice>
-        <mc:Fallback>
+        <mc:Fallback xmlns="">
           <p:sp>
             <p:nvSpPr>
               <p:cNvPr id="10" name="TextBox 9">
@@ -39203,7 +40721,7 @@
 </p:sld>
 </file>
 
-<file path=ppt/slides/slide34.xml><?xml version="1.0" encoding="utf-8"?>
+<file path=ppt/slides/slide36.xml><?xml version="1.0" encoding="utf-8"?>
 <p:sld xmlns:a="http://schemas.openxmlformats.org/drawingml/2006/main" xmlns:r="http://schemas.openxmlformats.org/officeDocument/2006/relationships" xmlns:p="http://schemas.openxmlformats.org/presentationml/2006/main">
   <p:cSld>
     <p:spTree>
@@ -40092,8 +41610,8 @@
           </a:p>
         </p:txBody>
       </p:sp>
-      <mc:AlternateContent xmlns:mc="http://schemas.openxmlformats.org/markup-compatibility/2006">
-        <mc:Choice xmlns:a14="http://schemas.microsoft.com/office/drawing/2010/main" Requires="a14">
+      <mc:AlternateContent xmlns:mc="http://schemas.openxmlformats.org/markup-compatibility/2006" xmlns:a14="http://schemas.microsoft.com/office/drawing/2010/main">
+        <mc:Choice Requires="a14">
           <p:sp>
             <p:nvSpPr>
               <p:cNvPr id="8" name="object 22">
@@ -40318,7 +41836,7 @@
             </p:txBody>
           </p:sp>
         </mc:Choice>
-        <mc:Fallback>
+        <mc:Fallback xmlns="">
           <p:sp>
             <p:nvSpPr>
               <p:cNvPr id="8" name="object 22">
@@ -40643,7 +42161,7 @@
 </p:sld>
 </file>
 
-<file path=ppt/slides/slide35.xml><?xml version="1.0" encoding="utf-8"?>
+<file path=ppt/slides/slide37.xml><?xml version="1.0" encoding="utf-8"?>
 <p:sld xmlns:a="http://schemas.openxmlformats.org/drawingml/2006/main" xmlns:r="http://schemas.openxmlformats.org/officeDocument/2006/relationships" xmlns:p="http://schemas.openxmlformats.org/presentationml/2006/main">
   <p:cSld>
     <p:spTree>
@@ -41927,7 +43445,7 @@
 </p:sld>
 </file>
 
-<file path=ppt/slides/slide36.xml><?xml version="1.0" encoding="utf-8"?>
+<file path=ppt/slides/slide38.xml><?xml version="1.0" encoding="utf-8"?>
 <p:sld xmlns:a="http://schemas.openxmlformats.org/drawingml/2006/main" xmlns:r="http://schemas.openxmlformats.org/officeDocument/2006/relationships" xmlns:p="http://schemas.openxmlformats.org/presentationml/2006/main">
   <p:cSld>
     <p:spTree>
@@ -42878,8 +44396,8 @@
         </p:nvSpPr>
         <p:spPr>
           <a:xfrm>
-            <a:off x="3200401" y="2662447"/>
-            <a:ext cx="9029625" cy="405361"/>
+            <a:off x="3172694" y="2717867"/>
+            <a:ext cx="9154317" cy="405361"/>
           </a:xfrm>
           <a:prstGeom prst="rect">
             <a:avLst/>
@@ -42891,7 +44409,7 @@
           </a:bodyPr>
           <a:lstStyle/>
           <a:p>
-            <a:pPr marL="25168">
+            <a:pPr marL="25168" algn="just">
               <a:spcBef>
                 <a:spcPts val="545"/>
               </a:spcBef>
@@ -42908,7 +44426,7 @@
                 <a:latin typeface="Arial"/>
                 <a:cs typeface="Arial"/>
               </a:rPr>
-              <a:t> 		</a:t>
+              <a:t>  /  </a:t>
             </a:r>
             <a:r>
               <a:rPr sz="2180" dirty="0">
@@ -42936,7 +44454,7 @@
                 <a:latin typeface="Arial"/>
                 <a:cs typeface="Arial"/>
               </a:rPr>
-              <a:t> 		Median 	75</a:t>
+              <a:t> (Q1)   / Median  /  75</a:t>
             </a:r>
             <a:r>
               <a:rPr lang="en-US" sz="2180" spc="-69" baseline="30000" dirty="0">
@@ -42950,7 +44468,7 @@
                 <a:latin typeface="Arial"/>
                 <a:cs typeface="Arial"/>
               </a:rPr>
-              <a:t> percentile 		Maximum </a:t>
+              <a:t> percentile (Q3)  /  Maximum </a:t>
             </a:r>
             <a:endParaRPr sz="2180" dirty="0">
               <a:latin typeface="Arial"/>
@@ -43478,7 +44996,7 @@
 </p:sld>
 </file>
 
-<file path=ppt/slides/slide37.xml><?xml version="1.0" encoding="utf-8"?>
+<file path=ppt/slides/slide39.xml><?xml version="1.0" encoding="utf-8"?>
 <p:sld xmlns:a="http://schemas.openxmlformats.org/drawingml/2006/main" xmlns:r="http://schemas.openxmlformats.org/officeDocument/2006/relationships" xmlns:p="http://schemas.openxmlformats.org/presentationml/2006/main">
   <p:cSld>
     <p:spTree>
@@ -43836,6 +45354,1049 @@
 </file>
 
 <file path=ppt/slides/slide4.xml><?xml version="1.0" encoding="utf-8"?>
+<p:sld xmlns:a="http://schemas.openxmlformats.org/drawingml/2006/main" xmlns:r="http://schemas.openxmlformats.org/officeDocument/2006/relationships" xmlns:p="http://schemas.openxmlformats.org/presentationml/2006/main">
+  <p:cSld>
+    <p:spTree>
+      <p:nvGrpSpPr>
+        <p:cNvPr id="1" name=""/>
+        <p:cNvGrpSpPr/>
+        <p:nvPr/>
+      </p:nvGrpSpPr>
+      <p:grpSpPr>
+        <a:xfrm>
+          <a:off x="0" y="0"/>
+          <a:ext cx="0" cy="0"/>
+          <a:chOff x="0" y="0"/>
+          <a:chExt cx="0" cy="0"/>
+        </a:xfrm>
+      </p:grpSpPr>
+      <p:sp>
+        <p:nvSpPr>
+          <p:cNvPr id="2" name="Title 1">
+            <a:extLst>
+              <a:ext uri="{FF2B5EF4-FFF2-40B4-BE49-F238E27FC236}">
+                <a16:creationId xmlns:a16="http://schemas.microsoft.com/office/drawing/2014/main" id="{10D330C2-52A4-1ABA-980B-56FBC97F350C}"/>
+              </a:ext>
+            </a:extLst>
+          </p:cNvPr>
+          <p:cNvSpPr>
+            <a:spLocks noGrp="1"/>
+          </p:cNvSpPr>
+          <p:nvPr>
+            <p:ph type="title"/>
+          </p:nvPr>
+        </p:nvSpPr>
+        <p:spPr/>
+        <p:txBody>
+          <a:bodyPr/>
+          <a:lstStyle/>
+          <a:p>
+            <a:r>
+              <a:rPr lang="en-US" dirty="0"/>
+              <a:t>Warm Up </a:t>
+            </a:r>
+          </a:p>
+        </p:txBody>
+      </p:sp>
+      <p:sp>
+        <p:nvSpPr>
+          <p:cNvPr id="3" name="Content Placeholder 2">
+            <a:extLst>
+              <a:ext uri="{FF2B5EF4-FFF2-40B4-BE49-F238E27FC236}">
+                <a16:creationId xmlns:a16="http://schemas.microsoft.com/office/drawing/2014/main" id="{9EAE50F6-429C-715A-C25C-1C7744AED1CF}"/>
+              </a:ext>
+            </a:extLst>
+          </p:cNvPr>
+          <p:cNvSpPr>
+            <a:spLocks noGrp="1"/>
+          </p:cNvSpPr>
+          <p:nvPr>
+            <p:ph idx="1"/>
+          </p:nvPr>
+        </p:nvSpPr>
+        <p:spPr>
+          <a:xfrm>
+            <a:off x="3463636" y="166255"/>
+            <a:ext cx="8271164" cy="5818493"/>
+          </a:xfrm>
+        </p:spPr>
+        <p:txBody>
+          <a:bodyPr anchor="t">
+            <a:normAutofit/>
+          </a:bodyPr>
+          <a:lstStyle/>
+          <a:p>
+            <a:pPr marL="0" indent="0">
+              <a:buNone/>
+            </a:pPr>
+            <a:r>
+              <a:rPr lang="en-US" sz="2000" b="1" i="1" dirty="0"/>
+              <a:t>Study Designs</a:t>
+            </a:r>
+          </a:p>
+          <a:p>
+            <a:pPr lvl="1"/>
+            <a:r>
+              <a:rPr lang="en-US" b="1" i="1" dirty="0"/>
+              <a:t>Observational</a:t>
+            </a:r>
+            <a:r>
+              <a:rPr lang="en-US" dirty="0"/>
+              <a:t>: Researchers observe both the explanatory and response variables without interfering in how the data arises</a:t>
+            </a:r>
+          </a:p>
+          <a:p>
+            <a:pPr lvl="1"/>
+            <a:r>
+              <a:rPr lang="en-US" b="1" i="1" dirty="0"/>
+              <a:t>Experiments</a:t>
+            </a:r>
+            <a:r>
+              <a:rPr lang="en-US" dirty="0"/>
+              <a:t>: Researchers intervene and assign treatments (the explanatory variable) to each participant in the study (ideally randomly) </a:t>
+            </a:r>
+          </a:p>
+          <a:p>
+            <a:pPr marL="0" indent="0">
+              <a:buNone/>
+            </a:pPr>
+            <a:r>
+              <a:rPr lang="en-US" b="1" i="1" dirty="0"/>
+              <a:t>Variables</a:t>
+            </a:r>
+          </a:p>
+          <a:p>
+            <a:pPr lvl="1"/>
+            <a:r>
+              <a:rPr lang="en-US" b="1" i="1" dirty="0"/>
+              <a:t>Response variable:</a:t>
+            </a:r>
+            <a:r>
+              <a:rPr lang="en-US" dirty="0"/>
+              <a:t> the measured outcome of interest. </a:t>
+            </a:r>
+          </a:p>
+          <a:p>
+            <a:pPr lvl="1"/>
+            <a:r>
+              <a:rPr lang="en-US" b="1" i="1" dirty="0"/>
+              <a:t>Explanatory variable:</a:t>
+            </a:r>
+            <a:r>
+              <a:rPr lang="en-US" dirty="0"/>
+              <a:t> a variable that potentials explains or predicts changes in the response. </a:t>
+            </a:r>
+            <a:endParaRPr lang="en-US" sz="2000" b="1" i="1" dirty="0"/>
+          </a:p>
+          <a:p>
+            <a:pPr lvl="1"/>
+            <a:r>
+              <a:rPr lang="en-US" b="1" i="1" dirty="0"/>
+              <a:t>Confounds </a:t>
+            </a:r>
+            <a:r>
+              <a:rPr lang="en-US" dirty="0"/>
+              <a:t>are associated with the explanatory and response variables, and </a:t>
+            </a:r>
+            <a:r>
+              <a:rPr lang="en-US" b="1" i="1" dirty="0"/>
+              <a:t>obscure true relationships</a:t>
+            </a:r>
+            <a:r>
+              <a:rPr lang="en-US" dirty="0"/>
+              <a:t>. </a:t>
+            </a:r>
+          </a:p>
+          <a:p>
+            <a:pPr marL="0" indent="0">
+              <a:buNone/>
+            </a:pPr>
+            <a:endParaRPr lang="en-US" sz="2000" dirty="0"/>
+          </a:p>
+        </p:txBody>
+      </p:sp>
+      <p:sp>
+        <p:nvSpPr>
+          <p:cNvPr id="13" name="Rounded Rectangle 12">
+            <a:extLst>
+              <a:ext uri="{FF2B5EF4-FFF2-40B4-BE49-F238E27FC236}">
+                <a16:creationId xmlns:a16="http://schemas.microsoft.com/office/drawing/2014/main" id="{A0347F0B-A151-7379-A914-35AAD039FE94}"/>
+              </a:ext>
+            </a:extLst>
+          </p:cNvPr>
+          <p:cNvSpPr/>
+          <p:nvPr/>
+        </p:nvSpPr>
+        <p:spPr>
+          <a:xfrm>
+            <a:off x="1524000" y="3532908"/>
+            <a:ext cx="10474035" cy="3325091"/>
+          </a:xfrm>
+          <a:prstGeom prst="roundRect">
+            <a:avLst/>
+          </a:prstGeom>
+        </p:spPr>
+        <p:style>
+          <a:lnRef idx="2">
+            <a:schemeClr val="accent5">
+              <a:shade val="15000"/>
+            </a:schemeClr>
+          </a:lnRef>
+          <a:fillRef idx="1">
+            <a:schemeClr val="accent5"/>
+          </a:fillRef>
+          <a:effectRef idx="0">
+            <a:schemeClr val="accent5"/>
+          </a:effectRef>
+          <a:fontRef idx="minor">
+            <a:schemeClr val="lt1"/>
+          </a:fontRef>
+        </p:style>
+        <p:txBody>
+          <a:bodyPr rtlCol="0" anchor="t"/>
+          <a:lstStyle/>
+          <a:p>
+            <a:r>
+              <a:rPr lang="en-US" sz="2000" dirty="0">
+                <a:latin typeface="Helvetica" pitchFamily="2" charset="0"/>
+              </a:rPr>
+              <a:t>A researcher believes that light levels might effect how students perform on exams. They randomly assign students to a treatment:  fluorescent overhead lighting, yellow overhead lighting, and no overhead lighting (only desk lamps), and have the students take an exam in that lighting. Note: light levels might have different effects on people who wear glasses and people who don’t. Some students wear glasses and others do not.  </a:t>
+            </a:r>
+          </a:p>
+          <a:p>
+            <a:endParaRPr lang="en-US" sz="2000" dirty="0">
+              <a:latin typeface="Helvetica" pitchFamily="2" charset="0"/>
+            </a:endParaRPr>
+          </a:p>
+          <a:p>
+            <a:pPr marL="342900" indent="-342900">
+              <a:buFont typeface="+mj-lt"/>
+              <a:buAutoNum type="alphaLcParenR"/>
+            </a:pPr>
+            <a:r>
+              <a:rPr lang="en-US" sz="2000" dirty="0">
+                <a:latin typeface="Helvetica" pitchFamily="2" charset="0"/>
+              </a:rPr>
+              <a:t>What type of study is this?</a:t>
+            </a:r>
+          </a:p>
+          <a:p>
+            <a:pPr marL="342900" indent="-342900">
+              <a:buFont typeface="+mj-lt"/>
+              <a:buAutoNum type="alphaLcParenR"/>
+            </a:pPr>
+            <a:r>
+              <a:rPr lang="en-US" sz="2000" dirty="0">
+                <a:latin typeface="Helvetica" pitchFamily="2" charset="0"/>
+              </a:rPr>
+              <a:t>As stated by the researcher, what are the response and explanatory variables? </a:t>
+            </a:r>
+          </a:p>
+          <a:p>
+            <a:pPr marL="342900" indent="-342900">
+              <a:buFont typeface="+mj-lt"/>
+              <a:buAutoNum type="alphaLcParenR"/>
+            </a:pPr>
+            <a:r>
+              <a:rPr lang="en-US" sz="2000" dirty="0">
+                <a:latin typeface="Helvetica" pitchFamily="2" charset="0"/>
+              </a:rPr>
+              <a:t>Is there a confound? If so, what? </a:t>
+            </a:r>
+          </a:p>
+          <a:p>
+            <a:endParaRPr lang="en-US" sz="2000" dirty="0">
+              <a:latin typeface="Helvetica" pitchFamily="2" charset="0"/>
+            </a:endParaRPr>
+          </a:p>
+          <a:p>
+            <a:pPr marL="342900" indent="-342900">
+              <a:buFont typeface="+mj-lt"/>
+              <a:buAutoNum type="alphaLcParenR"/>
+            </a:pPr>
+            <a:endParaRPr lang="en-US" sz="2000" dirty="0">
+              <a:latin typeface="Helvetica" pitchFamily="2" charset="0"/>
+            </a:endParaRPr>
+          </a:p>
+          <a:p>
+            <a:endParaRPr lang="en-US" sz="2000" dirty="0"/>
+          </a:p>
+        </p:txBody>
+      </p:sp>
+    </p:spTree>
+    <p:extLst>
+      <p:ext uri="{BB962C8B-B14F-4D97-AF65-F5344CB8AC3E}">
+        <p14:creationId xmlns:p14="http://schemas.microsoft.com/office/powerpoint/2010/main" val="62339010"/>
+      </p:ext>
+    </p:extLst>
+  </p:cSld>
+  <p:clrMapOvr>
+    <a:masterClrMapping/>
+  </p:clrMapOvr>
+</p:sld>
+</file>
+
+<file path=ppt/slides/slide5.xml><?xml version="1.0" encoding="utf-8"?>
+<p:sld xmlns:a="http://schemas.openxmlformats.org/drawingml/2006/main" xmlns:r="http://schemas.openxmlformats.org/officeDocument/2006/relationships" xmlns:p="http://schemas.openxmlformats.org/presentationml/2006/main">
+  <p:cSld>
+    <p:spTree>
+      <p:nvGrpSpPr>
+        <p:cNvPr id="1" name=""/>
+        <p:cNvGrpSpPr/>
+        <p:nvPr/>
+      </p:nvGrpSpPr>
+      <p:grpSpPr>
+        <a:xfrm>
+          <a:off x="0" y="0"/>
+          <a:ext cx="0" cy="0"/>
+          <a:chOff x="0" y="0"/>
+          <a:chExt cx="0" cy="0"/>
+        </a:xfrm>
+      </p:grpSpPr>
+      <p:sp>
+        <p:nvSpPr>
+          <p:cNvPr id="2" name="Title 1">
+            <a:extLst>
+              <a:ext uri="{FF2B5EF4-FFF2-40B4-BE49-F238E27FC236}">
+                <a16:creationId xmlns:a16="http://schemas.microsoft.com/office/drawing/2014/main" id="{10D330C2-52A4-1ABA-980B-56FBC97F350C}"/>
+              </a:ext>
+            </a:extLst>
+          </p:cNvPr>
+          <p:cNvSpPr>
+            <a:spLocks noGrp="1"/>
+          </p:cNvSpPr>
+          <p:nvPr>
+            <p:ph type="title"/>
+          </p:nvPr>
+        </p:nvSpPr>
+        <p:spPr/>
+        <p:txBody>
+          <a:bodyPr/>
+          <a:lstStyle/>
+          <a:p>
+            <a:r>
+              <a:rPr lang="en-US" dirty="0"/>
+              <a:t>Big </a:t>
+            </a:r>
+            <a:r>
+              <a:rPr lang="en-US" spc="-50" dirty="0"/>
+              <a:t>Picture</a:t>
+            </a:r>
+            <a:endParaRPr lang="en-US" dirty="0"/>
+          </a:p>
+        </p:txBody>
+      </p:sp>
+      <p:sp>
+        <p:nvSpPr>
+          <p:cNvPr id="4" name="object 5">
+            <a:extLst>
+              <a:ext uri="{FF2B5EF4-FFF2-40B4-BE49-F238E27FC236}">
+                <a16:creationId xmlns:a16="http://schemas.microsoft.com/office/drawing/2014/main" id="{DE7012AC-9617-6FCB-6057-BA0C508327A1}"/>
+              </a:ext>
+            </a:extLst>
+          </p:cNvPr>
+          <p:cNvSpPr txBox="1"/>
+          <p:nvPr/>
+        </p:nvSpPr>
+        <p:spPr>
+          <a:xfrm>
+            <a:off x="3557212" y="375587"/>
+            <a:ext cx="8144458" cy="2058256"/>
+          </a:xfrm>
+          <a:prstGeom prst="rect">
+            <a:avLst/>
+          </a:prstGeom>
+        </p:spPr>
+        <p:txBody>
+          <a:bodyPr vert="horz" wrap="square" lIns="0" tIns="109474" rIns="0" bIns="0" rtlCol="0">
+            <a:spAutoFit/>
+          </a:bodyPr>
+          <a:lstStyle/>
+          <a:p>
+            <a:pPr marL="25168">
+              <a:spcBef>
+                <a:spcPts val="860"/>
+              </a:spcBef>
+            </a:pPr>
+            <a:r>
+              <a:rPr sz="2180" spc="-40" dirty="0">
+                <a:latin typeface="Arial"/>
+                <a:cs typeface="Arial"/>
+              </a:rPr>
+              <a:t>Thus</a:t>
+            </a:r>
+            <a:r>
+              <a:rPr sz="2180" spc="-79" dirty="0">
+                <a:latin typeface="Arial"/>
+                <a:cs typeface="Arial"/>
+              </a:rPr>
+              <a:t> </a:t>
+            </a:r>
+            <a:r>
+              <a:rPr sz="2180" dirty="0">
+                <a:latin typeface="Arial"/>
+                <a:cs typeface="Arial"/>
+              </a:rPr>
+              <a:t>far</a:t>
+            </a:r>
+            <a:r>
+              <a:rPr sz="2180" spc="-30" dirty="0">
+                <a:latin typeface="Arial"/>
+                <a:cs typeface="Arial"/>
+              </a:rPr>
+              <a:t> </a:t>
+            </a:r>
+            <a:r>
+              <a:rPr sz="2180" spc="-129" dirty="0">
+                <a:latin typeface="Arial"/>
+                <a:cs typeface="Arial"/>
+              </a:rPr>
+              <a:t>we’ve</a:t>
+            </a:r>
+            <a:r>
+              <a:rPr sz="2180" spc="-30" dirty="0">
+                <a:latin typeface="Arial"/>
+                <a:cs typeface="Arial"/>
+              </a:rPr>
+              <a:t> </a:t>
+            </a:r>
+            <a:r>
+              <a:rPr sz="2180" spc="-119" dirty="0">
+                <a:latin typeface="Arial"/>
+                <a:cs typeface="Arial"/>
+              </a:rPr>
+              <a:t>focused</a:t>
+            </a:r>
+            <a:r>
+              <a:rPr sz="2180" spc="-30" dirty="0">
+                <a:latin typeface="Arial"/>
+                <a:cs typeface="Arial"/>
+              </a:rPr>
+              <a:t> </a:t>
+            </a:r>
+            <a:r>
+              <a:rPr sz="2180" spc="-20" dirty="0">
+                <a:latin typeface="Arial"/>
+                <a:cs typeface="Arial"/>
+              </a:rPr>
+              <a:t>on</a:t>
+            </a:r>
+            <a:r>
+              <a:rPr sz="2180" spc="-30" dirty="0">
+                <a:latin typeface="Arial"/>
+                <a:cs typeface="Arial"/>
+              </a:rPr>
+              <a:t> </a:t>
+            </a:r>
+            <a:r>
+              <a:rPr sz="2180" spc="-89" dirty="0">
+                <a:latin typeface="Arial"/>
+                <a:cs typeface="Arial"/>
+              </a:rPr>
+              <a:t>understanding</a:t>
+            </a:r>
+            <a:r>
+              <a:rPr sz="2180" spc="-40" dirty="0">
+                <a:latin typeface="Arial"/>
+                <a:cs typeface="Arial"/>
+              </a:rPr>
+              <a:t> </a:t>
+            </a:r>
+            <a:r>
+              <a:rPr sz="2180" spc="-129" dirty="0">
+                <a:latin typeface="Arial"/>
+                <a:cs typeface="Arial"/>
+              </a:rPr>
+              <a:t>where</a:t>
+            </a:r>
+            <a:r>
+              <a:rPr sz="2180" spc="-20" dirty="0">
+                <a:latin typeface="Arial"/>
+                <a:cs typeface="Arial"/>
+              </a:rPr>
+              <a:t> </a:t>
+            </a:r>
+            <a:r>
+              <a:rPr sz="2180" dirty="0">
+                <a:latin typeface="Arial"/>
+                <a:cs typeface="Arial"/>
+              </a:rPr>
+              <a:t>our</a:t>
+            </a:r>
+            <a:r>
+              <a:rPr sz="2180" spc="-40" dirty="0">
+                <a:latin typeface="Arial"/>
+                <a:cs typeface="Arial"/>
+              </a:rPr>
+              <a:t> data</a:t>
+            </a:r>
+            <a:r>
+              <a:rPr sz="2180" spc="-30" dirty="0">
+                <a:latin typeface="Arial"/>
+                <a:cs typeface="Arial"/>
+              </a:rPr>
+              <a:t> </a:t>
+            </a:r>
+            <a:r>
+              <a:rPr sz="2180" spc="-129" dirty="0">
+                <a:latin typeface="Arial"/>
+                <a:cs typeface="Arial"/>
+              </a:rPr>
+              <a:t>come</a:t>
+            </a:r>
+            <a:r>
+              <a:rPr sz="2180" spc="-20" dirty="0">
+                <a:latin typeface="Arial"/>
+                <a:cs typeface="Arial"/>
+              </a:rPr>
+              <a:t> from:</a:t>
+            </a:r>
+            <a:endParaRPr sz="2180" dirty="0">
+              <a:latin typeface="Arial"/>
+              <a:cs typeface="Arial"/>
+            </a:endParaRPr>
+          </a:p>
+          <a:p>
+            <a:pPr marL="573821" marR="10067">
+              <a:lnSpc>
+                <a:spcPct val="125299"/>
+              </a:lnSpc>
+            </a:pPr>
+            <a:r>
+              <a:rPr sz="2180" dirty="0">
+                <a:latin typeface="Arial"/>
+                <a:cs typeface="Arial"/>
+              </a:rPr>
+              <a:t>Do</a:t>
+            </a:r>
+            <a:r>
+              <a:rPr sz="2180" spc="-159" dirty="0">
+                <a:latin typeface="Arial"/>
+                <a:cs typeface="Arial"/>
+              </a:rPr>
+              <a:t> </a:t>
+            </a:r>
+            <a:r>
+              <a:rPr sz="2180" spc="-109" dirty="0">
+                <a:latin typeface="Arial"/>
+                <a:cs typeface="Arial"/>
+              </a:rPr>
+              <a:t>those</a:t>
+            </a:r>
+            <a:r>
+              <a:rPr sz="2180" spc="-40" dirty="0">
+                <a:latin typeface="Arial"/>
+                <a:cs typeface="Arial"/>
+              </a:rPr>
+              <a:t> data</a:t>
+            </a:r>
+            <a:r>
+              <a:rPr sz="2180" spc="-79" dirty="0">
+                <a:latin typeface="Arial"/>
+                <a:cs typeface="Arial"/>
+              </a:rPr>
+              <a:t> </a:t>
+            </a:r>
+            <a:r>
+              <a:rPr sz="2180" spc="-139" dirty="0">
+                <a:latin typeface="Arial"/>
+                <a:cs typeface="Arial"/>
+              </a:rPr>
+              <a:t>represent</a:t>
+            </a:r>
+            <a:r>
+              <a:rPr sz="2180" spc="-10" dirty="0">
+                <a:latin typeface="Arial"/>
+                <a:cs typeface="Arial"/>
+              </a:rPr>
+              <a:t> </a:t>
+            </a:r>
+            <a:r>
+              <a:rPr sz="2180" dirty="0">
+                <a:latin typeface="Arial"/>
+                <a:cs typeface="Arial"/>
+              </a:rPr>
+              <a:t>a</a:t>
+            </a:r>
+            <a:r>
+              <a:rPr sz="2180" spc="-59" dirty="0">
+                <a:latin typeface="Arial"/>
+                <a:cs typeface="Arial"/>
+              </a:rPr>
+              <a:t> </a:t>
+            </a:r>
+            <a:r>
+              <a:rPr sz="2180" spc="-79" dirty="0">
+                <a:solidFill>
+                  <a:srgbClr val="00B0F0"/>
+                </a:solidFill>
+                <a:latin typeface="Arial"/>
+                <a:cs typeface="Arial"/>
+              </a:rPr>
+              <a:t>random</a:t>
+            </a:r>
+            <a:r>
+              <a:rPr sz="2180" spc="-59" dirty="0">
+                <a:solidFill>
+                  <a:srgbClr val="00B0F0"/>
+                </a:solidFill>
+                <a:latin typeface="Arial"/>
+                <a:cs typeface="Arial"/>
+              </a:rPr>
+              <a:t> </a:t>
+            </a:r>
+            <a:r>
+              <a:rPr sz="2180" spc="-149" dirty="0">
+                <a:solidFill>
+                  <a:srgbClr val="00B0F0"/>
+                </a:solidFill>
+                <a:latin typeface="Arial"/>
+                <a:cs typeface="Arial"/>
+              </a:rPr>
+              <a:t>sample</a:t>
+            </a:r>
+            <a:r>
+              <a:rPr sz="2180" dirty="0">
+                <a:solidFill>
+                  <a:srgbClr val="00B0F0"/>
+                </a:solidFill>
+                <a:latin typeface="Arial"/>
+                <a:cs typeface="Arial"/>
+              </a:rPr>
+              <a:t> </a:t>
+            </a:r>
+            <a:r>
+              <a:rPr sz="2180" dirty="0">
+                <a:latin typeface="Arial"/>
+                <a:cs typeface="Arial"/>
+              </a:rPr>
+              <a:t>from</a:t>
+            </a:r>
+            <a:r>
+              <a:rPr sz="2180" spc="-59" dirty="0">
+                <a:latin typeface="Arial"/>
+                <a:cs typeface="Arial"/>
+              </a:rPr>
+              <a:t> </a:t>
+            </a:r>
+            <a:r>
+              <a:rPr sz="2180" spc="-20" dirty="0">
+                <a:latin typeface="Arial"/>
+                <a:cs typeface="Arial"/>
+              </a:rPr>
+              <a:t>our</a:t>
+            </a:r>
+            <a:r>
+              <a:rPr sz="2180" spc="-59" dirty="0">
+                <a:latin typeface="Arial"/>
+                <a:cs typeface="Arial"/>
+              </a:rPr>
+              <a:t> </a:t>
+            </a:r>
+            <a:r>
+              <a:rPr sz="2180" spc="-20" dirty="0">
+                <a:latin typeface="Arial"/>
+                <a:cs typeface="Arial"/>
+              </a:rPr>
+              <a:t>target</a:t>
+            </a:r>
+            <a:r>
+              <a:rPr sz="2180" spc="-50" dirty="0">
+                <a:latin typeface="Arial"/>
+                <a:cs typeface="Arial"/>
+              </a:rPr>
+              <a:t> population? </a:t>
+            </a:r>
+            <a:r>
+              <a:rPr sz="2180" spc="-149" dirty="0">
+                <a:latin typeface="Arial"/>
+                <a:cs typeface="Arial"/>
+              </a:rPr>
+              <a:t>Was</a:t>
+            </a:r>
+            <a:r>
+              <a:rPr sz="2180" spc="-10" dirty="0">
+                <a:latin typeface="Arial"/>
+                <a:cs typeface="Arial"/>
+              </a:rPr>
+              <a:t> </a:t>
+            </a:r>
+            <a:r>
+              <a:rPr sz="2180" dirty="0">
+                <a:latin typeface="Arial"/>
+                <a:cs typeface="Arial"/>
+              </a:rPr>
+              <a:t>the</a:t>
+            </a:r>
+            <a:r>
+              <a:rPr sz="2180" spc="-50" dirty="0">
+                <a:latin typeface="Arial"/>
+                <a:cs typeface="Arial"/>
+              </a:rPr>
+              <a:t> </a:t>
+            </a:r>
+            <a:r>
+              <a:rPr sz="2180" spc="-79" dirty="0">
+                <a:latin typeface="Arial"/>
+                <a:cs typeface="Arial"/>
+              </a:rPr>
+              <a:t>explanatory</a:t>
+            </a:r>
+            <a:r>
+              <a:rPr sz="2180" spc="-20" dirty="0">
+                <a:latin typeface="Arial"/>
+                <a:cs typeface="Arial"/>
+              </a:rPr>
+              <a:t> </a:t>
+            </a:r>
+            <a:r>
+              <a:rPr sz="2180" spc="-89" dirty="0">
+                <a:latin typeface="Arial"/>
+                <a:cs typeface="Arial"/>
+              </a:rPr>
+              <a:t>variable</a:t>
+            </a:r>
+            <a:r>
+              <a:rPr sz="2180" spc="-30" dirty="0">
+                <a:latin typeface="Arial"/>
+                <a:cs typeface="Arial"/>
+              </a:rPr>
+              <a:t> </a:t>
+            </a:r>
+            <a:r>
+              <a:rPr sz="2180" spc="-69" dirty="0">
+                <a:solidFill>
+                  <a:srgbClr val="00B0F0"/>
+                </a:solidFill>
+                <a:latin typeface="Arial"/>
+                <a:cs typeface="Arial"/>
+              </a:rPr>
+              <a:t>randomly</a:t>
+            </a:r>
+            <a:r>
+              <a:rPr sz="2180" spc="-30" dirty="0">
+                <a:solidFill>
+                  <a:srgbClr val="00B0F0"/>
+                </a:solidFill>
+                <a:latin typeface="Arial"/>
+                <a:cs typeface="Arial"/>
+              </a:rPr>
+              <a:t> </a:t>
+            </a:r>
+            <a:r>
+              <a:rPr sz="2180" spc="-20" dirty="0">
+                <a:solidFill>
+                  <a:srgbClr val="00B0F0"/>
+                </a:solidFill>
+                <a:latin typeface="Arial"/>
+                <a:cs typeface="Arial"/>
+              </a:rPr>
+              <a:t>allocated</a:t>
+            </a:r>
+            <a:r>
+              <a:rPr sz="2180" spc="-20" dirty="0">
+                <a:latin typeface="Arial"/>
+                <a:cs typeface="Arial"/>
+              </a:rPr>
+              <a:t>?</a:t>
+            </a:r>
+            <a:endParaRPr sz="2180" dirty="0">
+              <a:latin typeface="Arial"/>
+              <a:cs typeface="Arial"/>
+            </a:endParaRPr>
+          </a:p>
+          <a:p>
+            <a:pPr marL="25168">
+              <a:spcBef>
+                <a:spcPts val="662"/>
+              </a:spcBef>
+            </a:pPr>
+            <a:r>
+              <a:rPr sz="2180" dirty="0">
+                <a:latin typeface="Arial"/>
+                <a:cs typeface="Arial"/>
+              </a:rPr>
+              <a:t>This</a:t>
+            </a:r>
+            <a:r>
+              <a:rPr sz="2180" spc="-59" dirty="0">
+                <a:latin typeface="Arial"/>
+                <a:cs typeface="Arial"/>
+              </a:rPr>
+              <a:t> </a:t>
+            </a:r>
+            <a:r>
+              <a:rPr sz="2180" dirty="0">
+                <a:latin typeface="Arial"/>
+                <a:cs typeface="Arial"/>
+              </a:rPr>
+              <a:t>in turn</a:t>
+            </a:r>
+            <a:r>
+              <a:rPr sz="2180" spc="-10" dirty="0">
+                <a:latin typeface="Arial"/>
+                <a:cs typeface="Arial"/>
+              </a:rPr>
+              <a:t> </a:t>
+            </a:r>
+            <a:r>
+              <a:rPr sz="2180" spc="-109" dirty="0">
+                <a:latin typeface="Arial"/>
+                <a:cs typeface="Arial"/>
+              </a:rPr>
+              <a:t>determines</a:t>
+            </a:r>
+            <a:r>
+              <a:rPr sz="2180" spc="-20" dirty="0">
+                <a:latin typeface="Arial"/>
+                <a:cs typeface="Arial"/>
+              </a:rPr>
+              <a:t> </a:t>
+            </a:r>
+            <a:r>
+              <a:rPr sz="2180" i="1" dirty="0">
+                <a:latin typeface="Arial"/>
+                <a:cs typeface="Arial"/>
+              </a:rPr>
+              <a:t>what</a:t>
+            </a:r>
+            <a:r>
+              <a:rPr sz="2180" i="1" spc="-10" dirty="0">
+                <a:latin typeface="Arial"/>
+                <a:cs typeface="Arial"/>
+              </a:rPr>
+              <a:t> </a:t>
+            </a:r>
+            <a:r>
+              <a:rPr sz="2180" spc="-99" dirty="0">
+                <a:latin typeface="Arial"/>
+                <a:cs typeface="Arial"/>
+              </a:rPr>
+              <a:t>sorts</a:t>
+            </a:r>
+            <a:r>
+              <a:rPr sz="2180" dirty="0">
+                <a:latin typeface="Arial"/>
+                <a:cs typeface="Arial"/>
+              </a:rPr>
+              <a:t> of</a:t>
+            </a:r>
+            <a:r>
+              <a:rPr sz="2180" spc="-10" dirty="0">
+                <a:latin typeface="Arial"/>
+                <a:cs typeface="Arial"/>
+              </a:rPr>
+              <a:t> </a:t>
+            </a:r>
+            <a:r>
+              <a:rPr sz="2180" spc="-119" dirty="0">
+                <a:latin typeface="Arial"/>
+                <a:cs typeface="Arial"/>
+              </a:rPr>
+              <a:t>conclusions</a:t>
+            </a:r>
+            <a:r>
+              <a:rPr sz="2180" spc="-10" dirty="0">
+                <a:latin typeface="Arial"/>
+                <a:cs typeface="Arial"/>
+              </a:rPr>
+              <a:t> </a:t>
+            </a:r>
+            <a:r>
+              <a:rPr sz="2180" spc="-188" dirty="0">
+                <a:latin typeface="Arial"/>
+                <a:cs typeface="Arial"/>
+              </a:rPr>
+              <a:t>we</a:t>
+            </a:r>
+            <a:r>
+              <a:rPr sz="2180" spc="40" dirty="0">
+                <a:latin typeface="Arial"/>
+                <a:cs typeface="Arial"/>
+              </a:rPr>
+              <a:t> </a:t>
+            </a:r>
+            <a:r>
+              <a:rPr sz="2180" spc="-99" dirty="0">
+                <a:latin typeface="Arial"/>
+                <a:cs typeface="Arial"/>
+              </a:rPr>
+              <a:t>can</a:t>
+            </a:r>
+            <a:r>
+              <a:rPr sz="2180" spc="-10" dirty="0">
+                <a:latin typeface="Arial"/>
+                <a:cs typeface="Arial"/>
+              </a:rPr>
+              <a:t> </a:t>
+            </a:r>
+            <a:r>
+              <a:rPr sz="2180" spc="-89" dirty="0">
+                <a:latin typeface="Arial"/>
+                <a:cs typeface="Arial"/>
+              </a:rPr>
+              <a:t>draw</a:t>
+            </a:r>
+            <a:r>
+              <a:rPr sz="2180" spc="-10" dirty="0">
+                <a:latin typeface="Arial"/>
+                <a:cs typeface="Arial"/>
+              </a:rPr>
+              <a:t> </a:t>
+            </a:r>
+            <a:r>
+              <a:rPr sz="2180" spc="-79" dirty="0">
+                <a:latin typeface="Arial"/>
+                <a:cs typeface="Arial"/>
+              </a:rPr>
+              <a:t>and</a:t>
+            </a:r>
+            <a:r>
+              <a:rPr sz="2180" dirty="0">
+                <a:latin typeface="Arial"/>
+                <a:cs typeface="Arial"/>
+              </a:rPr>
+              <a:t> </a:t>
+            </a:r>
+            <a:r>
+              <a:rPr sz="2180" spc="-50" dirty="0">
+                <a:latin typeface="Arial"/>
+                <a:cs typeface="Arial"/>
+              </a:rPr>
+              <a:t>to</a:t>
+            </a:r>
+            <a:endParaRPr sz="2180" dirty="0">
+              <a:latin typeface="Arial"/>
+              <a:cs typeface="Arial"/>
+            </a:endParaRPr>
+          </a:p>
+          <a:p>
+            <a:pPr marL="25168">
+              <a:spcBef>
+                <a:spcPts val="69"/>
+              </a:spcBef>
+            </a:pPr>
+            <a:r>
+              <a:rPr sz="2180" i="1" spc="-69" dirty="0">
+                <a:latin typeface="Arial"/>
+                <a:cs typeface="Arial"/>
+              </a:rPr>
+              <a:t>whom </a:t>
+            </a:r>
+            <a:r>
+              <a:rPr sz="2180" spc="-188" dirty="0">
+                <a:latin typeface="Arial"/>
+                <a:cs typeface="Arial"/>
+              </a:rPr>
+              <a:t>we</a:t>
+            </a:r>
+            <a:r>
+              <a:rPr sz="2180" spc="40" dirty="0">
+                <a:latin typeface="Arial"/>
+                <a:cs typeface="Arial"/>
+              </a:rPr>
+              <a:t> </a:t>
+            </a:r>
+            <a:r>
+              <a:rPr sz="2180" spc="-89" dirty="0">
+                <a:latin typeface="Arial"/>
+                <a:cs typeface="Arial"/>
+              </a:rPr>
+              <a:t>can</a:t>
+            </a:r>
+            <a:r>
+              <a:rPr sz="2180" spc="-10" dirty="0">
+                <a:latin typeface="Arial"/>
+                <a:cs typeface="Arial"/>
+              </a:rPr>
+              <a:t> </a:t>
+            </a:r>
+            <a:r>
+              <a:rPr sz="2180" spc="-119" dirty="0">
+                <a:latin typeface="Arial"/>
+                <a:cs typeface="Arial"/>
+              </a:rPr>
+              <a:t>generalize</a:t>
+            </a:r>
+            <a:r>
+              <a:rPr sz="2180" spc="-20" dirty="0">
+                <a:latin typeface="Arial"/>
+                <a:cs typeface="Arial"/>
+              </a:rPr>
+              <a:t> </a:t>
+            </a:r>
+            <a:r>
+              <a:rPr sz="2180" spc="-99" dirty="0">
+                <a:latin typeface="Arial"/>
+                <a:cs typeface="Arial"/>
+              </a:rPr>
+              <a:t>those</a:t>
+            </a:r>
+            <a:r>
+              <a:rPr sz="2180" spc="-10" dirty="0">
+                <a:latin typeface="Arial"/>
+                <a:cs typeface="Arial"/>
+              </a:rPr>
+              <a:t> </a:t>
+            </a:r>
+            <a:r>
+              <a:rPr sz="2180" spc="-20" dirty="0">
+                <a:latin typeface="Arial"/>
+                <a:cs typeface="Arial"/>
+              </a:rPr>
+              <a:t>results:</a:t>
+            </a:r>
+            <a:endParaRPr sz="2180" dirty="0">
+              <a:latin typeface="Arial"/>
+              <a:cs typeface="Arial"/>
+            </a:endParaRPr>
+          </a:p>
+        </p:txBody>
+      </p:sp>
+      <p:pic>
+        <p:nvPicPr>
+          <p:cNvPr id="5" name="object 6">
+            <a:extLst>
+              <a:ext uri="{FF2B5EF4-FFF2-40B4-BE49-F238E27FC236}">
+                <a16:creationId xmlns:a16="http://schemas.microsoft.com/office/drawing/2014/main" id="{D81F2E41-D8C6-1532-7E50-03F42CA0FD8A}"/>
+              </a:ext>
+            </a:extLst>
+          </p:cNvPr>
+          <p:cNvPicPr>
+            <a:picLocks noChangeAspect="1"/>
+          </p:cNvPicPr>
+          <p:nvPr/>
+        </p:nvPicPr>
+        <p:blipFill>
+          <a:blip r:embed="rId2" cstate="print"/>
+          <a:stretch>
+            <a:fillRect/>
+          </a:stretch>
+        </p:blipFill>
+        <p:spPr>
+          <a:xfrm>
+            <a:off x="2942340" y="2433843"/>
+            <a:ext cx="9249660" cy="4389120"/>
+          </a:xfrm>
+          <a:prstGeom prst="rect">
+            <a:avLst/>
+          </a:prstGeom>
+        </p:spPr>
+      </p:pic>
+    </p:spTree>
+    <p:extLst>
+      <p:ext uri="{BB962C8B-B14F-4D97-AF65-F5344CB8AC3E}">
+        <p14:creationId xmlns:p14="http://schemas.microsoft.com/office/powerpoint/2010/main" val="1634613102"/>
+      </p:ext>
+    </p:extLst>
+  </p:cSld>
+  <p:clrMapOvr>
+    <a:masterClrMapping/>
+  </p:clrMapOvr>
+</p:sld>
+</file>
+
+<file path=ppt/slides/slide6.xml><?xml version="1.0" encoding="utf-8"?>
 <p:sld xmlns:a="http://schemas.openxmlformats.org/drawingml/2006/main" xmlns:r="http://schemas.openxmlformats.org/officeDocument/2006/relationships" xmlns:p="http://schemas.openxmlformats.org/presentationml/2006/main">
   <p:cSld>
     <p:spTree>
@@ -44711,7 +47272,7 @@
 </p:sld>
 </file>
 
-<file path=ppt/slides/slide5.xml><?xml version="1.0" encoding="utf-8"?>
+<file path=ppt/slides/slide7.xml><?xml version="1.0" encoding="utf-8"?>
 <p:sld xmlns:a="http://schemas.openxmlformats.org/drawingml/2006/main" xmlns:r="http://schemas.openxmlformats.org/officeDocument/2006/relationships" xmlns:p="http://schemas.openxmlformats.org/presentationml/2006/main">
   <p:cSld>
     <p:spTree>
@@ -45587,7 +48148,7 @@
 </p:sld>
 </file>
 
-<file path=ppt/slides/slide6.xml><?xml version="1.0" encoding="utf-8"?>
+<file path=ppt/slides/slide8.xml><?xml version="1.0" encoding="utf-8"?>
 <p:sld xmlns:a="http://schemas.openxmlformats.org/drawingml/2006/main" xmlns:r="http://schemas.openxmlformats.org/officeDocument/2006/relationships" xmlns:p="http://schemas.openxmlformats.org/presentationml/2006/main">
   <p:cSld>
     <p:spTree>
@@ -46463,7 +49024,7 @@
 </p:sld>
 </file>
 
-<file path=ppt/slides/slide7.xml><?xml version="1.0" encoding="utf-8"?>
+<file path=ppt/slides/slide9.xml><?xml version="1.0" encoding="utf-8"?>
 <p:sld xmlns:a="http://schemas.openxmlformats.org/drawingml/2006/main" xmlns:r="http://schemas.openxmlformats.org/officeDocument/2006/relationships" xmlns:p="http://schemas.openxmlformats.org/presentationml/2006/main">
   <p:cSld>
     <p:spTree>
@@ -47330,1997 +49891,6 @@
     <p:extLst>
       <p:ext uri="{BB962C8B-B14F-4D97-AF65-F5344CB8AC3E}">
         <p14:creationId xmlns:p14="http://schemas.microsoft.com/office/powerpoint/2010/main" val="1191207996"/>
-      </p:ext>
-    </p:extLst>
-  </p:cSld>
-  <p:clrMapOvr>
-    <a:masterClrMapping/>
-  </p:clrMapOvr>
-</p:sld>
-</file>
-
-<file path=ppt/slides/slide8.xml><?xml version="1.0" encoding="utf-8"?>
-<p:sld xmlns:a="http://schemas.openxmlformats.org/drawingml/2006/main" xmlns:r="http://schemas.openxmlformats.org/officeDocument/2006/relationships" xmlns:p="http://schemas.openxmlformats.org/presentationml/2006/main">
-  <p:cSld>
-    <p:spTree>
-      <p:nvGrpSpPr>
-        <p:cNvPr id="1" name=""/>
-        <p:cNvGrpSpPr/>
-        <p:nvPr/>
-      </p:nvGrpSpPr>
-      <p:grpSpPr>
-        <a:xfrm>
-          <a:off x="0" y="0"/>
-          <a:ext cx="0" cy="0"/>
-          <a:chOff x="0" y="0"/>
-          <a:chExt cx="0" cy="0"/>
-        </a:xfrm>
-      </p:grpSpPr>
-      <p:sp>
-        <p:nvSpPr>
-          <p:cNvPr id="2" name="Title 1">
-            <a:extLst>
-              <a:ext uri="{FF2B5EF4-FFF2-40B4-BE49-F238E27FC236}">
-                <a16:creationId xmlns:a16="http://schemas.microsoft.com/office/drawing/2014/main" id="{10D330C2-52A4-1ABA-980B-56FBC97F350C}"/>
-              </a:ext>
-            </a:extLst>
-          </p:cNvPr>
-          <p:cNvSpPr>
-            <a:spLocks noGrp="1"/>
-          </p:cNvSpPr>
-          <p:nvPr>
-            <p:ph type="title"/>
-          </p:nvPr>
-        </p:nvSpPr>
-        <p:spPr/>
-        <p:txBody>
-          <a:bodyPr/>
-          <a:lstStyle/>
-          <a:p>
-            <a:r>
-              <a:rPr lang="en-US" dirty="0"/>
-              <a:t>Big </a:t>
-            </a:r>
-            <a:r>
-              <a:rPr lang="en-US" spc="-50" dirty="0"/>
-              <a:t>Picture</a:t>
-            </a:r>
-            <a:endParaRPr lang="en-US" dirty="0"/>
-          </a:p>
-        </p:txBody>
-      </p:sp>
-      <p:sp>
-        <p:nvSpPr>
-          <p:cNvPr id="4" name="object 5">
-            <a:extLst>
-              <a:ext uri="{FF2B5EF4-FFF2-40B4-BE49-F238E27FC236}">
-                <a16:creationId xmlns:a16="http://schemas.microsoft.com/office/drawing/2014/main" id="{DE7012AC-9617-6FCB-6057-BA0C508327A1}"/>
-              </a:ext>
-            </a:extLst>
-          </p:cNvPr>
-          <p:cNvSpPr txBox="1"/>
-          <p:nvPr/>
-        </p:nvSpPr>
-        <p:spPr>
-          <a:xfrm>
-            <a:off x="3557212" y="375587"/>
-            <a:ext cx="8144458" cy="2058256"/>
-          </a:xfrm>
-          <a:prstGeom prst="rect">
-            <a:avLst/>
-          </a:prstGeom>
-        </p:spPr>
-        <p:txBody>
-          <a:bodyPr vert="horz" wrap="square" lIns="0" tIns="109474" rIns="0" bIns="0" rtlCol="0">
-            <a:spAutoFit/>
-          </a:bodyPr>
-          <a:lstStyle/>
-          <a:p>
-            <a:pPr marL="25168">
-              <a:spcBef>
-                <a:spcPts val="860"/>
-              </a:spcBef>
-            </a:pPr>
-            <a:r>
-              <a:rPr sz="2180" spc="-40" dirty="0">
-                <a:latin typeface="Arial"/>
-                <a:cs typeface="Arial"/>
-              </a:rPr>
-              <a:t>Thus</a:t>
-            </a:r>
-            <a:r>
-              <a:rPr sz="2180" spc="-79" dirty="0">
-                <a:latin typeface="Arial"/>
-                <a:cs typeface="Arial"/>
-              </a:rPr>
-              <a:t> </a:t>
-            </a:r>
-            <a:r>
-              <a:rPr sz="2180" dirty="0">
-                <a:latin typeface="Arial"/>
-                <a:cs typeface="Arial"/>
-              </a:rPr>
-              <a:t>far</a:t>
-            </a:r>
-            <a:r>
-              <a:rPr sz="2180" spc="-30" dirty="0">
-                <a:latin typeface="Arial"/>
-                <a:cs typeface="Arial"/>
-              </a:rPr>
-              <a:t> </a:t>
-            </a:r>
-            <a:r>
-              <a:rPr sz="2180" spc="-129" dirty="0">
-                <a:latin typeface="Arial"/>
-                <a:cs typeface="Arial"/>
-              </a:rPr>
-              <a:t>we’ve</a:t>
-            </a:r>
-            <a:r>
-              <a:rPr sz="2180" spc="-30" dirty="0">
-                <a:latin typeface="Arial"/>
-                <a:cs typeface="Arial"/>
-              </a:rPr>
-              <a:t> </a:t>
-            </a:r>
-            <a:r>
-              <a:rPr sz="2180" spc="-119" dirty="0">
-                <a:latin typeface="Arial"/>
-                <a:cs typeface="Arial"/>
-              </a:rPr>
-              <a:t>focused</a:t>
-            </a:r>
-            <a:r>
-              <a:rPr sz="2180" spc="-30" dirty="0">
-                <a:latin typeface="Arial"/>
-                <a:cs typeface="Arial"/>
-              </a:rPr>
-              <a:t> </a:t>
-            </a:r>
-            <a:r>
-              <a:rPr sz="2180" spc="-20" dirty="0">
-                <a:latin typeface="Arial"/>
-                <a:cs typeface="Arial"/>
-              </a:rPr>
-              <a:t>on</a:t>
-            </a:r>
-            <a:r>
-              <a:rPr sz="2180" spc="-30" dirty="0">
-                <a:latin typeface="Arial"/>
-                <a:cs typeface="Arial"/>
-              </a:rPr>
-              <a:t> </a:t>
-            </a:r>
-            <a:r>
-              <a:rPr sz="2180" spc="-89" dirty="0">
-                <a:latin typeface="Arial"/>
-                <a:cs typeface="Arial"/>
-              </a:rPr>
-              <a:t>understanding</a:t>
-            </a:r>
-            <a:r>
-              <a:rPr sz="2180" spc="-40" dirty="0">
-                <a:latin typeface="Arial"/>
-                <a:cs typeface="Arial"/>
-              </a:rPr>
-              <a:t> </a:t>
-            </a:r>
-            <a:r>
-              <a:rPr sz="2180" spc="-129" dirty="0">
-                <a:latin typeface="Arial"/>
-                <a:cs typeface="Arial"/>
-              </a:rPr>
-              <a:t>where</a:t>
-            </a:r>
-            <a:r>
-              <a:rPr sz="2180" spc="-20" dirty="0">
-                <a:latin typeface="Arial"/>
-                <a:cs typeface="Arial"/>
-              </a:rPr>
-              <a:t> </a:t>
-            </a:r>
-            <a:r>
-              <a:rPr sz="2180" dirty="0">
-                <a:latin typeface="Arial"/>
-                <a:cs typeface="Arial"/>
-              </a:rPr>
-              <a:t>our</a:t>
-            </a:r>
-            <a:r>
-              <a:rPr sz="2180" spc="-40" dirty="0">
-                <a:latin typeface="Arial"/>
-                <a:cs typeface="Arial"/>
-              </a:rPr>
-              <a:t> data</a:t>
-            </a:r>
-            <a:r>
-              <a:rPr sz="2180" spc="-30" dirty="0">
-                <a:latin typeface="Arial"/>
-                <a:cs typeface="Arial"/>
-              </a:rPr>
-              <a:t> </a:t>
-            </a:r>
-            <a:r>
-              <a:rPr sz="2180" spc="-129" dirty="0">
-                <a:latin typeface="Arial"/>
-                <a:cs typeface="Arial"/>
-              </a:rPr>
-              <a:t>come</a:t>
-            </a:r>
-            <a:r>
-              <a:rPr sz="2180" spc="-20" dirty="0">
-                <a:latin typeface="Arial"/>
-                <a:cs typeface="Arial"/>
-              </a:rPr>
-              <a:t> from:</a:t>
-            </a:r>
-            <a:endParaRPr sz="2180" dirty="0">
-              <a:latin typeface="Arial"/>
-              <a:cs typeface="Arial"/>
-            </a:endParaRPr>
-          </a:p>
-          <a:p>
-            <a:pPr marL="573821" marR="10067">
-              <a:lnSpc>
-                <a:spcPct val="125299"/>
-              </a:lnSpc>
-            </a:pPr>
-            <a:r>
-              <a:rPr sz="2180" dirty="0">
-                <a:latin typeface="Arial"/>
-                <a:cs typeface="Arial"/>
-              </a:rPr>
-              <a:t>Do</a:t>
-            </a:r>
-            <a:r>
-              <a:rPr sz="2180" spc="-159" dirty="0">
-                <a:latin typeface="Arial"/>
-                <a:cs typeface="Arial"/>
-              </a:rPr>
-              <a:t> </a:t>
-            </a:r>
-            <a:r>
-              <a:rPr sz="2180" spc="-109" dirty="0">
-                <a:latin typeface="Arial"/>
-                <a:cs typeface="Arial"/>
-              </a:rPr>
-              <a:t>those</a:t>
-            </a:r>
-            <a:r>
-              <a:rPr sz="2180" spc="-40" dirty="0">
-                <a:latin typeface="Arial"/>
-                <a:cs typeface="Arial"/>
-              </a:rPr>
-              <a:t> data</a:t>
-            </a:r>
-            <a:r>
-              <a:rPr sz="2180" spc="-79" dirty="0">
-                <a:latin typeface="Arial"/>
-                <a:cs typeface="Arial"/>
-              </a:rPr>
-              <a:t> </a:t>
-            </a:r>
-            <a:r>
-              <a:rPr sz="2180" spc="-139" dirty="0">
-                <a:latin typeface="Arial"/>
-                <a:cs typeface="Arial"/>
-              </a:rPr>
-              <a:t>represent</a:t>
-            </a:r>
-            <a:r>
-              <a:rPr sz="2180" spc="-10" dirty="0">
-                <a:latin typeface="Arial"/>
-                <a:cs typeface="Arial"/>
-              </a:rPr>
-              <a:t> </a:t>
-            </a:r>
-            <a:r>
-              <a:rPr sz="2180" dirty="0">
-                <a:latin typeface="Arial"/>
-                <a:cs typeface="Arial"/>
-              </a:rPr>
-              <a:t>a</a:t>
-            </a:r>
-            <a:r>
-              <a:rPr sz="2180" spc="-59" dirty="0">
-                <a:latin typeface="Arial"/>
-                <a:cs typeface="Arial"/>
-              </a:rPr>
-              <a:t> </a:t>
-            </a:r>
-            <a:r>
-              <a:rPr sz="2180" spc="-79" dirty="0">
-                <a:solidFill>
-                  <a:srgbClr val="00B0F0"/>
-                </a:solidFill>
-                <a:latin typeface="Arial"/>
-                <a:cs typeface="Arial"/>
-              </a:rPr>
-              <a:t>random</a:t>
-            </a:r>
-            <a:r>
-              <a:rPr sz="2180" spc="-59" dirty="0">
-                <a:solidFill>
-                  <a:srgbClr val="00B0F0"/>
-                </a:solidFill>
-                <a:latin typeface="Arial"/>
-                <a:cs typeface="Arial"/>
-              </a:rPr>
-              <a:t> </a:t>
-            </a:r>
-            <a:r>
-              <a:rPr sz="2180" spc="-149" dirty="0">
-                <a:solidFill>
-                  <a:srgbClr val="00B0F0"/>
-                </a:solidFill>
-                <a:latin typeface="Arial"/>
-                <a:cs typeface="Arial"/>
-              </a:rPr>
-              <a:t>sample</a:t>
-            </a:r>
-            <a:r>
-              <a:rPr sz="2180" dirty="0">
-                <a:solidFill>
-                  <a:srgbClr val="00B0F0"/>
-                </a:solidFill>
-                <a:latin typeface="Arial"/>
-                <a:cs typeface="Arial"/>
-              </a:rPr>
-              <a:t> </a:t>
-            </a:r>
-            <a:r>
-              <a:rPr sz="2180" dirty="0">
-                <a:latin typeface="Arial"/>
-                <a:cs typeface="Arial"/>
-              </a:rPr>
-              <a:t>from</a:t>
-            </a:r>
-            <a:r>
-              <a:rPr sz="2180" spc="-59" dirty="0">
-                <a:latin typeface="Arial"/>
-                <a:cs typeface="Arial"/>
-              </a:rPr>
-              <a:t> </a:t>
-            </a:r>
-            <a:r>
-              <a:rPr sz="2180" spc="-20" dirty="0">
-                <a:latin typeface="Arial"/>
-                <a:cs typeface="Arial"/>
-              </a:rPr>
-              <a:t>our</a:t>
-            </a:r>
-            <a:r>
-              <a:rPr sz="2180" spc="-59" dirty="0">
-                <a:latin typeface="Arial"/>
-                <a:cs typeface="Arial"/>
-              </a:rPr>
-              <a:t> </a:t>
-            </a:r>
-            <a:r>
-              <a:rPr sz="2180" spc="-20" dirty="0">
-                <a:latin typeface="Arial"/>
-                <a:cs typeface="Arial"/>
-              </a:rPr>
-              <a:t>target</a:t>
-            </a:r>
-            <a:r>
-              <a:rPr sz="2180" spc="-50" dirty="0">
-                <a:latin typeface="Arial"/>
-                <a:cs typeface="Arial"/>
-              </a:rPr>
-              <a:t> population? </a:t>
-            </a:r>
-            <a:r>
-              <a:rPr sz="2180" spc="-149" dirty="0">
-                <a:latin typeface="Arial"/>
-                <a:cs typeface="Arial"/>
-              </a:rPr>
-              <a:t>Was</a:t>
-            </a:r>
-            <a:r>
-              <a:rPr sz="2180" spc="-10" dirty="0">
-                <a:latin typeface="Arial"/>
-                <a:cs typeface="Arial"/>
-              </a:rPr>
-              <a:t> </a:t>
-            </a:r>
-            <a:r>
-              <a:rPr sz="2180" dirty="0">
-                <a:latin typeface="Arial"/>
-                <a:cs typeface="Arial"/>
-              </a:rPr>
-              <a:t>the</a:t>
-            </a:r>
-            <a:r>
-              <a:rPr sz="2180" spc="-50" dirty="0">
-                <a:latin typeface="Arial"/>
-                <a:cs typeface="Arial"/>
-              </a:rPr>
-              <a:t> </a:t>
-            </a:r>
-            <a:r>
-              <a:rPr sz="2180" spc="-79" dirty="0">
-                <a:latin typeface="Arial"/>
-                <a:cs typeface="Arial"/>
-              </a:rPr>
-              <a:t>explanatory</a:t>
-            </a:r>
-            <a:r>
-              <a:rPr sz="2180" spc="-20" dirty="0">
-                <a:latin typeface="Arial"/>
-                <a:cs typeface="Arial"/>
-              </a:rPr>
-              <a:t> </a:t>
-            </a:r>
-            <a:r>
-              <a:rPr sz="2180" spc="-89" dirty="0">
-                <a:latin typeface="Arial"/>
-                <a:cs typeface="Arial"/>
-              </a:rPr>
-              <a:t>variable</a:t>
-            </a:r>
-            <a:r>
-              <a:rPr sz="2180" spc="-30" dirty="0">
-                <a:latin typeface="Arial"/>
-                <a:cs typeface="Arial"/>
-              </a:rPr>
-              <a:t> </a:t>
-            </a:r>
-            <a:r>
-              <a:rPr sz="2180" spc="-69" dirty="0">
-                <a:solidFill>
-                  <a:srgbClr val="00B0F0"/>
-                </a:solidFill>
-                <a:latin typeface="Arial"/>
-                <a:cs typeface="Arial"/>
-              </a:rPr>
-              <a:t>randomly</a:t>
-            </a:r>
-            <a:r>
-              <a:rPr sz="2180" spc="-30" dirty="0">
-                <a:solidFill>
-                  <a:srgbClr val="00B0F0"/>
-                </a:solidFill>
-                <a:latin typeface="Arial"/>
-                <a:cs typeface="Arial"/>
-              </a:rPr>
-              <a:t> </a:t>
-            </a:r>
-            <a:r>
-              <a:rPr sz="2180" spc="-20" dirty="0">
-                <a:solidFill>
-                  <a:srgbClr val="00B0F0"/>
-                </a:solidFill>
-                <a:latin typeface="Arial"/>
-                <a:cs typeface="Arial"/>
-              </a:rPr>
-              <a:t>allocated</a:t>
-            </a:r>
-            <a:r>
-              <a:rPr sz="2180" spc="-20" dirty="0">
-                <a:latin typeface="Arial"/>
-                <a:cs typeface="Arial"/>
-              </a:rPr>
-              <a:t>?</a:t>
-            </a:r>
-            <a:endParaRPr sz="2180" dirty="0">
-              <a:latin typeface="Arial"/>
-              <a:cs typeface="Arial"/>
-            </a:endParaRPr>
-          </a:p>
-          <a:p>
-            <a:pPr marL="25168">
-              <a:spcBef>
-                <a:spcPts val="662"/>
-              </a:spcBef>
-            </a:pPr>
-            <a:r>
-              <a:rPr sz="2180" dirty="0">
-                <a:latin typeface="Arial"/>
-                <a:cs typeface="Arial"/>
-              </a:rPr>
-              <a:t>This</a:t>
-            </a:r>
-            <a:r>
-              <a:rPr sz="2180" spc="-59" dirty="0">
-                <a:latin typeface="Arial"/>
-                <a:cs typeface="Arial"/>
-              </a:rPr>
-              <a:t> </a:t>
-            </a:r>
-            <a:r>
-              <a:rPr sz="2180" dirty="0">
-                <a:latin typeface="Arial"/>
-                <a:cs typeface="Arial"/>
-              </a:rPr>
-              <a:t>in turn</a:t>
-            </a:r>
-            <a:r>
-              <a:rPr sz="2180" spc="-10" dirty="0">
-                <a:latin typeface="Arial"/>
-                <a:cs typeface="Arial"/>
-              </a:rPr>
-              <a:t> </a:t>
-            </a:r>
-            <a:r>
-              <a:rPr sz="2180" spc="-109" dirty="0">
-                <a:latin typeface="Arial"/>
-                <a:cs typeface="Arial"/>
-              </a:rPr>
-              <a:t>determines</a:t>
-            </a:r>
-            <a:r>
-              <a:rPr sz="2180" spc="-20" dirty="0">
-                <a:latin typeface="Arial"/>
-                <a:cs typeface="Arial"/>
-              </a:rPr>
-              <a:t> </a:t>
-            </a:r>
-            <a:r>
-              <a:rPr sz="2180" i="1" dirty="0">
-                <a:latin typeface="Arial"/>
-                <a:cs typeface="Arial"/>
-              </a:rPr>
-              <a:t>what</a:t>
-            </a:r>
-            <a:r>
-              <a:rPr sz="2180" i="1" spc="-10" dirty="0">
-                <a:latin typeface="Arial"/>
-                <a:cs typeface="Arial"/>
-              </a:rPr>
-              <a:t> </a:t>
-            </a:r>
-            <a:r>
-              <a:rPr sz="2180" spc="-99" dirty="0">
-                <a:latin typeface="Arial"/>
-                <a:cs typeface="Arial"/>
-              </a:rPr>
-              <a:t>sorts</a:t>
-            </a:r>
-            <a:r>
-              <a:rPr sz="2180" dirty="0">
-                <a:latin typeface="Arial"/>
-                <a:cs typeface="Arial"/>
-              </a:rPr>
-              <a:t> of</a:t>
-            </a:r>
-            <a:r>
-              <a:rPr sz="2180" spc="-10" dirty="0">
-                <a:latin typeface="Arial"/>
-                <a:cs typeface="Arial"/>
-              </a:rPr>
-              <a:t> </a:t>
-            </a:r>
-            <a:r>
-              <a:rPr sz="2180" spc="-119" dirty="0">
-                <a:latin typeface="Arial"/>
-                <a:cs typeface="Arial"/>
-              </a:rPr>
-              <a:t>conclusions</a:t>
-            </a:r>
-            <a:r>
-              <a:rPr sz="2180" spc="-10" dirty="0">
-                <a:latin typeface="Arial"/>
-                <a:cs typeface="Arial"/>
-              </a:rPr>
-              <a:t> </a:t>
-            </a:r>
-            <a:r>
-              <a:rPr sz="2180" spc="-188" dirty="0">
-                <a:latin typeface="Arial"/>
-                <a:cs typeface="Arial"/>
-              </a:rPr>
-              <a:t>we</a:t>
-            </a:r>
-            <a:r>
-              <a:rPr sz="2180" spc="40" dirty="0">
-                <a:latin typeface="Arial"/>
-                <a:cs typeface="Arial"/>
-              </a:rPr>
-              <a:t> </a:t>
-            </a:r>
-            <a:r>
-              <a:rPr sz="2180" spc="-99" dirty="0">
-                <a:latin typeface="Arial"/>
-                <a:cs typeface="Arial"/>
-              </a:rPr>
-              <a:t>can</a:t>
-            </a:r>
-            <a:r>
-              <a:rPr sz="2180" spc="-10" dirty="0">
-                <a:latin typeface="Arial"/>
-                <a:cs typeface="Arial"/>
-              </a:rPr>
-              <a:t> </a:t>
-            </a:r>
-            <a:r>
-              <a:rPr sz="2180" spc="-89" dirty="0">
-                <a:latin typeface="Arial"/>
-                <a:cs typeface="Arial"/>
-              </a:rPr>
-              <a:t>draw</a:t>
-            </a:r>
-            <a:r>
-              <a:rPr sz="2180" spc="-10" dirty="0">
-                <a:latin typeface="Arial"/>
-                <a:cs typeface="Arial"/>
-              </a:rPr>
-              <a:t> </a:t>
-            </a:r>
-            <a:r>
-              <a:rPr sz="2180" spc="-79" dirty="0">
-                <a:latin typeface="Arial"/>
-                <a:cs typeface="Arial"/>
-              </a:rPr>
-              <a:t>and</a:t>
-            </a:r>
-            <a:r>
-              <a:rPr sz="2180" dirty="0">
-                <a:latin typeface="Arial"/>
-                <a:cs typeface="Arial"/>
-              </a:rPr>
-              <a:t> </a:t>
-            </a:r>
-            <a:r>
-              <a:rPr sz="2180" spc="-50" dirty="0">
-                <a:latin typeface="Arial"/>
-                <a:cs typeface="Arial"/>
-              </a:rPr>
-              <a:t>to</a:t>
-            </a:r>
-            <a:endParaRPr sz="2180" dirty="0">
-              <a:latin typeface="Arial"/>
-              <a:cs typeface="Arial"/>
-            </a:endParaRPr>
-          </a:p>
-          <a:p>
-            <a:pPr marL="25168">
-              <a:spcBef>
-                <a:spcPts val="69"/>
-              </a:spcBef>
-            </a:pPr>
-            <a:r>
-              <a:rPr sz="2180" i="1" spc="-69" dirty="0">
-                <a:latin typeface="Arial"/>
-                <a:cs typeface="Arial"/>
-              </a:rPr>
-              <a:t>whom </a:t>
-            </a:r>
-            <a:r>
-              <a:rPr sz="2180" spc="-188" dirty="0">
-                <a:latin typeface="Arial"/>
-                <a:cs typeface="Arial"/>
-              </a:rPr>
-              <a:t>we</a:t>
-            </a:r>
-            <a:r>
-              <a:rPr sz="2180" spc="40" dirty="0">
-                <a:latin typeface="Arial"/>
-                <a:cs typeface="Arial"/>
-              </a:rPr>
-              <a:t> </a:t>
-            </a:r>
-            <a:r>
-              <a:rPr sz="2180" spc="-89" dirty="0">
-                <a:latin typeface="Arial"/>
-                <a:cs typeface="Arial"/>
-              </a:rPr>
-              <a:t>can</a:t>
-            </a:r>
-            <a:r>
-              <a:rPr sz="2180" spc="-10" dirty="0">
-                <a:latin typeface="Arial"/>
-                <a:cs typeface="Arial"/>
-              </a:rPr>
-              <a:t> </a:t>
-            </a:r>
-            <a:r>
-              <a:rPr sz="2180" spc="-119" dirty="0">
-                <a:latin typeface="Arial"/>
-                <a:cs typeface="Arial"/>
-              </a:rPr>
-              <a:t>generalize</a:t>
-            </a:r>
-            <a:r>
-              <a:rPr sz="2180" spc="-20" dirty="0">
-                <a:latin typeface="Arial"/>
-                <a:cs typeface="Arial"/>
-              </a:rPr>
-              <a:t> </a:t>
-            </a:r>
-            <a:r>
-              <a:rPr sz="2180" spc="-99" dirty="0">
-                <a:latin typeface="Arial"/>
-                <a:cs typeface="Arial"/>
-              </a:rPr>
-              <a:t>those</a:t>
-            </a:r>
-            <a:r>
-              <a:rPr sz="2180" spc="-10" dirty="0">
-                <a:latin typeface="Arial"/>
-                <a:cs typeface="Arial"/>
-              </a:rPr>
-              <a:t> </a:t>
-            </a:r>
-            <a:r>
-              <a:rPr sz="2180" spc="-20" dirty="0">
-                <a:latin typeface="Arial"/>
-                <a:cs typeface="Arial"/>
-              </a:rPr>
-              <a:t>results:</a:t>
-            </a:r>
-            <a:endParaRPr sz="2180" dirty="0">
-              <a:latin typeface="Arial"/>
-              <a:cs typeface="Arial"/>
-            </a:endParaRPr>
-          </a:p>
-        </p:txBody>
-      </p:sp>
-      <p:pic>
-        <p:nvPicPr>
-          <p:cNvPr id="5" name="object 6">
-            <a:extLst>
-              <a:ext uri="{FF2B5EF4-FFF2-40B4-BE49-F238E27FC236}">
-                <a16:creationId xmlns:a16="http://schemas.microsoft.com/office/drawing/2014/main" id="{D81F2E41-D8C6-1532-7E50-03F42CA0FD8A}"/>
-              </a:ext>
-            </a:extLst>
-          </p:cNvPr>
-          <p:cNvPicPr>
-            <a:picLocks noChangeAspect="1"/>
-          </p:cNvPicPr>
-          <p:nvPr/>
-        </p:nvPicPr>
-        <p:blipFill>
-          <a:blip r:embed="rId2" cstate="print"/>
-          <a:stretch>
-            <a:fillRect/>
-          </a:stretch>
-        </p:blipFill>
-        <p:spPr>
-          <a:xfrm>
-            <a:off x="2942340" y="2433843"/>
-            <a:ext cx="9249660" cy="4389120"/>
-          </a:xfrm>
-          <a:prstGeom prst="rect">
-            <a:avLst/>
-          </a:prstGeom>
-        </p:spPr>
-      </p:pic>
-      <p:grpSp>
-        <p:nvGrpSpPr>
-          <p:cNvPr id="7" name="object 7">
-            <a:extLst>
-              <a:ext uri="{FF2B5EF4-FFF2-40B4-BE49-F238E27FC236}">
-                <a16:creationId xmlns:a16="http://schemas.microsoft.com/office/drawing/2014/main" id="{AE24A05A-7142-6EA8-9E84-C14180C93407}"/>
-              </a:ext>
-            </a:extLst>
-          </p:cNvPr>
-          <p:cNvGrpSpPr/>
-          <p:nvPr/>
-        </p:nvGrpSpPr>
-        <p:grpSpPr>
-          <a:xfrm>
-            <a:off x="3557212" y="4144349"/>
-            <a:ext cx="8583196" cy="547382"/>
-            <a:chOff x="138547" y="2905655"/>
-            <a:chExt cx="4331335" cy="276225"/>
-          </a:xfrm>
-        </p:grpSpPr>
-        <p:sp>
-          <p:nvSpPr>
-            <p:cNvPr id="8" name="object 8">
-              <a:extLst>
-                <a:ext uri="{FF2B5EF4-FFF2-40B4-BE49-F238E27FC236}">
-                  <a16:creationId xmlns:a16="http://schemas.microsoft.com/office/drawing/2014/main" id="{64E96BC4-5559-87E4-25F0-52086505F75B}"/>
-                </a:ext>
-              </a:extLst>
-            </p:cNvPr>
-            <p:cNvSpPr/>
-            <p:nvPr/>
-          </p:nvSpPr>
-          <p:spPr>
-            <a:xfrm>
-              <a:off x="138547" y="2905655"/>
-              <a:ext cx="4331335" cy="276225"/>
-            </a:xfrm>
-            <a:custGeom>
-              <a:avLst/>
-              <a:gdLst/>
-              <a:ahLst/>
-              <a:cxnLst/>
-              <a:rect l="l" t="t" r="r" b="b"/>
-              <a:pathLst>
-                <a:path w="4331335" h="276225">
-                  <a:moveTo>
-                    <a:pt x="4276964" y="0"/>
-                  </a:moveTo>
-                  <a:lnTo>
-                    <a:pt x="54000" y="0"/>
-                  </a:lnTo>
-                  <a:lnTo>
-                    <a:pt x="32980" y="4243"/>
-                  </a:lnTo>
-                  <a:lnTo>
-                    <a:pt x="15816" y="15816"/>
-                  </a:lnTo>
-                  <a:lnTo>
-                    <a:pt x="4243" y="32980"/>
-                  </a:lnTo>
-                  <a:lnTo>
-                    <a:pt x="0" y="54000"/>
-                  </a:lnTo>
-                  <a:lnTo>
-                    <a:pt x="0" y="222214"/>
-                  </a:lnTo>
-                  <a:lnTo>
-                    <a:pt x="4243" y="243234"/>
-                  </a:lnTo>
-                  <a:lnTo>
-                    <a:pt x="15816" y="260398"/>
-                  </a:lnTo>
-                  <a:lnTo>
-                    <a:pt x="32980" y="271971"/>
-                  </a:lnTo>
-                  <a:lnTo>
-                    <a:pt x="54000" y="276215"/>
-                  </a:lnTo>
-                  <a:lnTo>
-                    <a:pt x="4276964" y="276215"/>
-                  </a:lnTo>
-                  <a:lnTo>
-                    <a:pt x="4297984" y="271971"/>
-                  </a:lnTo>
-                  <a:lnTo>
-                    <a:pt x="4315149" y="260398"/>
-                  </a:lnTo>
-                  <a:lnTo>
-                    <a:pt x="4326721" y="243234"/>
-                  </a:lnTo>
-                  <a:lnTo>
-                    <a:pt x="4330965" y="222214"/>
-                  </a:lnTo>
-                  <a:lnTo>
-                    <a:pt x="4330965" y="54000"/>
-                  </a:lnTo>
-                  <a:lnTo>
-                    <a:pt x="4326721" y="32980"/>
-                  </a:lnTo>
-                  <a:lnTo>
-                    <a:pt x="4315149" y="15816"/>
-                  </a:lnTo>
-                  <a:lnTo>
-                    <a:pt x="4297984" y="4243"/>
-                  </a:lnTo>
-                  <a:lnTo>
-                    <a:pt x="4276964" y="0"/>
-                  </a:lnTo>
-                  <a:close/>
-                </a:path>
-              </a:pathLst>
-            </a:custGeom>
-            <a:solidFill>
-              <a:srgbClr val="A8E2A0"/>
-            </a:solidFill>
-          </p:spPr>
-          <p:txBody>
-            <a:bodyPr wrap="square" lIns="0" tIns="0" rIns="0" bIns="0" rtlCol="0"/>
-            <a:lstStyle/>
-            <a:p>
-              <a:endParaRPr sz="3567"/>
-            </a:p>
-          </p:txBody>
-        </p:sp>
-        <p:sp>
-          <p:nvSpPr>
-            <p:cNvPr id="9" name="object 9">
-              <a:extLst>
-                <a:ext uri="{FF2B5EF4-FFF2-40B4-BE49-F238E27FC236}">
-                  <a16:creationId xmlns:a16="http://schemas.microsoft.com/office/drawing/2014/main" id="{6BBAFB4D-7088-DBB2-8009-EF59DA74F4EE}"/>
-                </a:ext>
-              </a:extLst>
-            </p:cNvPr>
-            <p:cNvSpPr/>
-            <p:nvPr/>
-          </p:nvSpPr>
-          <p:spPr>
-            <a:xfrm>
-              <a:off x="156547" y="2923655"/>
-              <a:ext cx="4295140" cy="240665"/>
-            </a:xfrm>
-            <a:custGeom>
-              <a:avLst/>
-              <a:gdLst/>
-              <a:ahLst/>
-              <a:cxnLst/>
-              <a:rect l="l" t="t" r="r" b="b"/>
-              <a:pathLst>
-                <a:path w="4295140" h="240664">
-                  <a:moveTo>
-                    <a:pt x="4258964" y="0"/>
-                  </a:moveTo>
-                  <a:lnTo>
-                    <a:pt x="36000" y="0"/>
-                  </a:lnTo>
-                  <a:lnTo>
-                    <a:pt x="21987" y="2829"/>
-                  </a:lnTo>
-                  <a:lnTo>
-                    <a:pt x="10544" y="10544"/>
-                  </a:lnTo>
-                  <a:lnTo>
-                    <a:pt x="2829" y="21987"/>
-                  </a:lnTo>
-                  <a:lnTo>
-                    <a:pt x="0" y="36000"/>
-                  </a:lnTo>
-                  <a:lnTo>
-                    <a:pt x="0" y="204214"/>
-                  </a:lnTo>
-                  <a:lnTo>
-                    <a:pt x="2829" y="218227"/>
-                  </a:lnTo>
-                  <a:lnTo>
-                    <a:pt x="10544" y="229671"/>
-                  </a:lnTo>
-                  <a:lnTo>
-                    <a:pt x="21987" y="237386"/>
-                  </a:lnTo>
-                  <a:lnTo>
-                    <a:pt x="36000" y="240215"/>
-                  </a:lnTo>
-                  <a:lnTo>
-                    <a:pt x="4258964" y="240215"/>
-                  </a:lnTo>
-                  <a:lnTo>
-                    <a:pt x="4272977" y="237386"/>
-                  </a:lnTo>
-                  <a:lnTo>
-                    <a:pt x="4284420" y="229671"/>
-                  </a:lnTo>
-                  <a:lnTo>
-                    <a:pt x="4292136" y="218227"/>
-                  </a:lnTo>
-                  <a:lnTo>
-                    <a:pt x="4294965" y="204214"/>
-                  </a:lnTo>
-                  <a:lnTo>
-                    <a:pt x="4294965" y="36000"/>
-                  </a:lnTo>
-                  <a:lnTo>
-                    <a:pt x="4292136" y="21987"/>
-                  </a:lnTo>
-                  <a:lnTo>
-                    <a:pt x="4284420" y="10544"/>
-                  </a:lnTo>
-                  <a:lnTo>
-                    <a:pt x="4272977" y="2829"/>
-                  </a:lnTo>
-                  <a:lnTo>
-                    <a:pt x="4258964" y="0"/>
-                  </a:lnTo>
-                  <a:close/>
-                </a:path>
-              </a:pathLst>
-            </a:custGeom>
-            <a:solidFill>
-              <a:srgbClr val="F1FAF0"/>
-            </a:solidFill>
-          </p:spPr>
-          <p:txBody>
-            <a:bodyPr wrap="square" lIns="0" tIns="0" rIns="0" bIns="0" rtlCol="0"/>
-            <a:lstStyle/>
-            <a:p>
-              <a:endParaRPr sz="3567"/>
-            </a:p>
-          </p:txBody>
-        </p:sp>
-      </p:grpSp>
-      <p:sp>
-        <p:nvSpPr>
-          <p:cNvPr id="10" name="object 10">
-            <a:extLst>
-              <a:ext uri="{FF2B5EF4-FFF2-40B4-BE49-F238E27FC236}">
-                <a16:creationId xmlns:a16="http://schemas.microsoft.com/office/drawing/2014/main" id="{CECC6BBC-1BC4-07FC-AD1A-C781647A1B51}"/>
-              </a:ext>
-            </a:extLst>
-          </p:cNvPr>
-          <p:cNvSpPr txBox="1"/>
-          <p:nvPr/>
-        </p:nvSpPr>
-        <p:spPr>
-          <a:xfrm>
-            <a:off x="3639048" y="4213637"/>
-            <a:ext cx="4811925" cy="358348"/>
-          </a:xfrm>
-          <a:prstGeom prst="rect">
-            <a:avLst/>
-          </a:prstGeom>
-        </p:spPr>
-        <p:txBody>
-          <a:bodyPr vert="horz" wrap="square" lIns="0" tIns="22650" rIns="0" bIns="0" rtlCol="0">
-            <a:spAutoFit/>
-          </a:bodyPr>
-          <a:lstStyle/>
-          <a:p>
-            <a:pPr marL="25168">
-              <a:spcBef>
-                <a:spcPts val="178"/>
-              </a:spcBef>
-            </a:pPr>
-            <a:r>
-              <a:rPr sz="2180" dirty="0">
-                <a:latin typeface="Arial"/>
-                <a:cs typeface="Arial"/>
-              </a:rPr>
-              <a:t>But</a:t>
-            </a:r>
-            <a:r>
-              <a:rPr sz="2180" spc="-79" dirty="0">
-                <a:latin typeface="Arial"/>
-                <a:cs typeface="Arial"/>
-              </a:rPr>
-              <a:t> </a:t>
-            </a:r>
-            <a:r>
-              <a:rPr sz="2180" spc="-129" dirty="0">
-                <a:latin typeface="Arial"/>
-                <a:cs typeface="Arial"/>
-              </a:rPr>
-              <a:t>once</a:t>
-            </a:r>
-            <a:r>
-              <a:rPr sz="2180" spc="40" dirty="0">
-                <a:latin typeface="Arial"/>
-                <a:cs typeface="Arial"/>
-              </a:rPr>
-              <a:t> </a:t>
-            </a:r>
-            <a:r>
-              <a:rPr sz="2180" spc="-188" dirty="0">
-                <a:latin typeface="Arial"/>
-                <a:cs typeface="Arial"/>
-              </a:rPr>
-              <a:t>we</a:t>
-            </a:r>
-            <a:r>
-              <a:rPr sz="2180" spc="30" dirty="0">
-                <a:latin typeface="Arial"/>
-                <a:cs typeface="Arial"/>
-              </a:rPr>
-              <a:t> </a:t>
-            </a:r>
-            <a:r>
-              <a:rPr sz="2180" spc="-129" dirty="0">
-                <a:latin typeface="Arial"/>
-                <a:cs typeface="Arial"/>
-              </a:rPr>
-              <a:t>have</a:t>
-            </a:r>
-            <a:r>
-              <a:rPr sz="2180" spc="40" dirty="0">
-                <a:latin typeface="Arial"/>
-                <a:cs typeface="Arial"/>
-              </a:rPr>
-              <a:t> </a:t>
-            </a:r>
-            <a:r>
-              <a:rPr sz="2180" dirty="0">
-                <a:latin typeface="Arial"/>
-                <a:cs typeface="Arial"/>
-              </a:rPr>
-              <a:t>our</a:t>
-            </a:r>
-            <a:r>
-              <a:rPr sz="2180" spc="40" dirty="0">
-                <a:latin typeface="Arial"/>
-                <a:cs typeface="Arial"/>
-              </a:rPr>
-              <a:t> </a:t>
-            </a:r>
-            <a:r>
-              <a:rPr sz="2180" spc="-79" dirty="0">
-                <a:latin typeface="Arial"/>
-                <a:cs typeface="Arial"/>
-              </a:rPr>
-              <a:t>data.</a:t>
-            </a:r>
-            <a:r>
-              <a:rPr sz="2180" spc="-248" dirty="0">
-                <a:latin typeface="Arial"/>
-                <a:cs typeface="Arial"/>
-              </a:rPr>
-              <a:t> </a:t>
-            </a:r>
-            <a:r>
-              <a:rPr sz="2180" spc="-20" dirty="0">
-                <a:latin typeface="Arial"/>
-                <a:cs typeface="Arial"/>
-              </a:rPr>
-              <a:t>.</a:t>
-            </a:r>
-            <a:r>
-              <a:rPr sz="2180" spc="-248" dirty="0">
-                <a:latin typeface="Arial"/>
-                <a:cs typeface="Arial"/>
-              </a:rPr>
-              <a:t> </a:t>
-            </a:r>
-            <a:r>
-              <a:rPr sz="2180" spc="-20" dirty="0">
-                <a:latin typeface="Arial"/>
-                <a:cs typeface="Arial"/>
-              </a:rPr>
-              <a:t>.</a:t>
-            </a:r>
-            <a:r>
-              <a:rPr sz="2180" spc="-248" dirty="0">
-                <a:latin typeface="Arial"/>
-                <a:cs typeface="Arial"/>
-              </a:rPr>
-              <a:t> </a:t>
-            </a:r>
-            <a:r>
-              <a:rPr sz="2180" spc="-20" dirty="0">
-                <a:latin typeface="Arial"/>
-                <a:cs typeface="Arial"/>
-              </a:rPr>
-              <a:t>then</a:t>
-            </a:r>
-            <a:r>
-              <a:rPr sz="2180" spc="30" dirty="0">
-                <a:latin typeface="Arial"/>
-                <a:cs typeface="Arial"/>
-              </a:rPr>
-              <a:t> </a:t>
-            </a:r>
-            <a:r>
-              <a:rPr sz="2180" spc="-20" dirty="0">
-                <a:latin typeface="Arial"/>
-                <a:cs typeface="Arial"/>
-              </a:rPr>
-              <a:t>what?</a:t>
-            </a:r>
-            <a:endParaRPr sz="2180" dirty="0">
-              <a:latin typeface="Arial"/>
-              <a:cs typeface="Arial"/>
-            </a:endParaRPr>
-          </a:p>
-        </p:txBody>
-      </p:sp>
-    </p:spTree>
-    <p:extLst>
-      <p:ext uri="{BB962C8B-B14F-4D97-AF65-F5344CB8AC3E}">
-        <p14:creationId xmlns:p14="http://schemas.microsoft.com/office/powerpoint/2010/main" val="1797280277"/>
-      </p:ext>
-    </p:extLst>
-  </p:cSld>
-  <p:clrMapOvr>
-    <a:masterClrMapping/>
-  </p:clrMapOvr>
-</p:sld>
-</file>
-
-<file path=ppt/slides/slide9.xml><?xml version="1.0" encoding="utf-8"?>
-<p:sld xmlns:a="http://schemas.openxmlformats.org/drawingml/2006/main" xmlns:r="http://schemas.openxmlformats.org/officeDocument/2006/relationships" xmlns:p="http://schemas.openxmlformats.org/presentationml/2006/main">
-  <p:cSld>
-    <p:spTree>
-      <p:nvGrpSpPr>
-        <p:cNvPr id="1" name=""/>
-        <p:cNvGrpSpPr/>
-        <p:nvPr/>
-      </p:nvGrpSpPr>
-      <p:grpSpPr>
-        <a:xfrm>
-          <a:off x="0" y="0"/>
-          <a:ext cx="0" cy="0"/>
-          <a:chOff x="0" y="0"/>
-          <a:chExt cx="0" cy="0"/>
-        </a:xfrm>
-      </p:grpSpPr>
-      <p:sp>
-        <p:nvSpPr>
-          <p:cNvPr id="2" name="Title 1">
-            <a:extLst>
-              <a:ext uri="{FF2B5EF4-FFF2-40B4-BE49-F238E27FC236}">
-                <a16:creationId xmlns:a16="http://schemas.microsoft.com/office/drawing/2014/main" id="{10D330C2-52A4-1ABA-980B-56FBC97F350C}"/>
-              </a:ext>
-            </a:extLst>
-          </p:cNvPr>
-          <p:cNvSpPr>
-            <a:spLocks noGrp="1"/>
-          </p:cNvSpPr>
-          <p:nvPr>
-            <p:ph type="title"/>
-          </p:nvPr>
-        </p:nvSpPr>
-        <p:spPr/>
-        <p:txBody>
-          <a:bodyPr/>
-          <a:lstStyle/>
-          <a:p>
-            <a:r>
-              <a:rPr lang="en-US" dirty="0"/>
-              <a:t>IMDB</a:t>
-            </a:r>
-            <a:r>
-              <a:rPr lang="en-US" spc="40" dirty="0"/>
-              <a:t> </a:t>
-            </a:r>
-            <a:r>
-              <a:rPr lang="en-US" spc="-40" dirty="0"/>
-              <a:t>Movie</a:t>
-            </a:r>
-            <a:r>
-              <a:rPr lang="en-US" spc="59" dirty="0"/>
-              <a:t> </a:t>
-            </a:r>
-            <a:r>
-              <a:rPr lang="en-US" spc="-69" dirty="0"/>
-              <a:t>Dataset</a:t>
-            </a:r>
-            <a:endParaRPr lang="en-US" dirty="0"/>
-          </a:p>
-        </p:txBody>
-      </p:sp>
-      <p:sp>
-        <p:nvSpPr>
-          <p:cNvPr id="3" name="object 4">
-            <a:extLst>
-              <a:ext uri="{FF2B5EF4-FFF2-40B4-BE49-F238E27FC236}">
-                <a16:creationId xmlns:a16="http://schemas.microsoft.com/office/drawing/2014/main" id="{45F5C794-B5BD-4A05-99D1-FF3CC493A4C6}"/>
-              </a:ext>
-            </a:extLst>
-          </p:cNvPr>
-          <p:cNvSpPr txBox="1"/>
-          <p:nvPr/>
-        </p:nvSpPr>
-        <p:spPr>
-          <a:xfrm>
-            <a:off x="3504773" y="690785"/>
-            <a:ext cx="8524054" cy="1847171"/>
-          </a:xfrm>
-          <a:prstGeom prst="rect">
-            <a:avLst/>
-          </a:prstGeom>
-        </p:spPr>
-        <p:txBody>
-          <a:bodyPr vert="horz" wrap="square" lIns="0" tIns="13842" rIns="0" bIns="0" rtlCol="0">
-            <a:spAutoFit/>
-          </a:bodyPr>
-          <a:lstStyle/>
-          <a:p>
-            <a:pPr marL="25168" marR="10067">
-              <a:lnSpc>
-                <a:spcPct val="102600"/>
-              </a:lnSpc>
-              <a:spcBef>
-                <a:spcPts val="109"/>
-              </a:spcBef>
-            </a:pPr>
-            <a:r>
-              <a:rPr sz="2180" spc="-59" dirty="0">
-                <a:latin typeface="Arial"/>
-                <a:cs typeface="Arial"/>
-              </a:rPr>
-              <a:t>For</a:t>
-            </a:r>
-            <a:r>
-              <a:rPr sz="2180" spc="-99" dirty="0">
-                <a:latin typeface="Arial"/>
-                <a:cs typeface="Arial"/>
-              </a:rPr>
-              <a:t> </a:t>
-            </a:r>
-            <a:r>
-              <a:rPr sz="2180" dirty="0">
-                <a:latin typeface="Arial"/>
-                <a:cs typeface="Arial"/>
-              </a:rPr>
-              <a:t>the</a:t>
-            </a:r>
-            <a:r>
-              <a:rPr sz="2180" spc="-40" dirty="0">
-                <a:latin typeface="Arial"/>
-                <a:cs typeface="Arial"/>
-              </a:rPr>
-              <a:t> </a:t>
-            </a:r>
-            <a:r>
-              <a:rPr sz="2180" spc="-20" dirty="0">
-                <a:latin typeface="Arial"/>
-                <a:cs typeface="Arial"/>
-              </a:rPr>
-              <a:t>next</a:t>
-            </a:r>
-            <a:r>
-              <a:rPr sz="2180" spc="-30" dirty="0">
-                <a:latin typeface="Arial"/>
-                <a:cs typeface="Arial"/>
-              </a:rPr>
-              <a:t> </a:t>
-            </a:r>
-            <a:r>
-              <a:rPr sz="2180" spc="-40" dirty="0">
-                <a:latin typeface="Arial"/>
-                <a:cs typeface="Arial"/>
-              </a:rPr>
-              <a:t>few</a:t>
-            </a:r>
-            <a:r>
-              <a:rPr sz="2180" spc="-30" dirty="0">
-                <a:latin typeface="Arial"/>
-                <a:cs typeface="Arial"/>
-              </a:rPr>
-              <a:t> </a:t>
-            </a:r>
-            <a:r>
-              <a:rPr sz="2180" spc="-178" dirty="0">
-                <a:latin typeface="Arial"/>
-                <a:cs typeface="Arial"/>
-              </a:rPr>
-              <a:t>classes,</a:t>
-            </a:r>
-            <a:r>
-              <a:rPr sz="2180" spc="30" dirty="0">
-                <a:latin typeface="Arial"/>
-                <a:cs typeface="Arial"/>
-              </a:rPr>
-              <a:t> </a:t>
-            </a:r>
-            <a:r>
-              <a:rPr sz="2180" spc="-20" dirty="0">
-                <a:latin typeface="Arial"/>
-                <a:cs typeface="Arial"/>
-              </a:rPr>
-              <a:t>we’ll</a:t>
-            </a:r>
-            <a:r>
-              <a:rPr sz="2180" spc="-40" dirty="0">
-                <a:latin typeface="Arial"/>
-                <a:cs typeface="Arial"/>
-              </a:rPr>
-              <a:t> be</a:t>
-            </a:r>
-            <a:r>
-              <a:rPr sz="2180" spc="-30" dirty="0">
-                <a:latin typeface="Arial"/>
-                <a:cs typeface="Arial"/>
-              </a:rPr>
-              <a:t> </a:t>
-            </a:r>
-            <a:r>
-              <a:rPr sz="2180" spc="-69" dirty="0">
-                <a:latin typeface="Arial"/>
-                <a:cs typeface="Arial"/>
-              </a:rPr>
-              <a:t>working</a:t>
-            </a:r>
-            <a:r>
-              <a:rPr sz="2180" spc="-30" dirty="0">
-                <a:latin typeface="Arial"/>
-                <a:cs typeface="Arial"/>
-              </a:rPr>
-              <a:t> </a:t>
-            </a:r>
-            <a:r>
-              <a:rPr sz="2180" dirty="0">
-                <a:latin typeface="Arial"/>
-                <a:cs typeface="Arial"/>
-              </a:rPr>
-              <a:t>with</a:t>
-            </a:r>
-            <a:r>
-              <a:rPr sz="2180" spc="-30" dirty="0">
-                <a:latin typeface="Arial"/>
-                <a:cs typeface="Arial"/>
-              </a:rPr>
-              <a:t> </a:t>
-            </a:r>
-            <a:r>
-              <a:rPr sz="2180" spc="-20" dirty="0">
-                <a:latin typeface="Arial"/>
-                <a:cs typeface="Arial"/>
-              </a:rPr>
-              <a:t>data</a:t>
-            </a:r>
-            <a:r>
-              <a:rPr sz="2180" spc="-40" dirty="0">
-                <a:latin typeface="Arial"/>
-                <a:cs typeface="Arial"/>
-              </a:rPr>
-              <a:t> </a:t>
-            </a:r>
-            <a:r>
-              <a:rPr sz="2180" spc="-20" dirty="0">
-                <a:latin typeface="Arial"/>
-                <a:cs typeface="Arial"/>
-              </a:rPr>
-              <a:t>on</a:t>
-            </a:r>
-            <a:r>
-              <a:rPr sz="2180" spc="-30" dirty="0">
-                <a:latin typeface="Arial"/>
-                <a:cs typeface="Arial"/>
-              </a:rPr>
-              <a:t> </a:t>
-            </a:r>
-            <a:r>
-              <a:rPr sz="2180" spc="-129" dirty="0">
-                <a:latin typeface="Arial"/>
-                <a:cs typeface="Arial"/>
-              </a:rPr>
-              <a:t>movies</a:t>
-            </a:r>
-            <a:r>
-              <a:rPr sz="2180" spc="-20" dirty="0">
-                <a:latin typeface="Arial"/>
-                <a:cs typeface="Arial"/>
-              </a:rPr>
-              <a:t> </a:t>
-            </a:r>
-            <a:r>
-              <a:rPr sz="2180" dirty="0">
-                <a:latin typeface="Arial"/>
-                <a:cs typeface="Arial"/>
-              </a:rPr>
-              <a:t>in</a:t>
-            </a:r>
-            <a:r>
-              <a:rPr sz="2180" spc="-30" dirty="0">
-                <a:latin typeface="Arial"/>
-                <a:cs typeface="Arial"/>
-              </a:rPr>
-              <a:t> </a:t>
-            </a:r>
-            <a:r>
-              <a:rPr sz="2180" spc="-99" dirty="0">
-                <a:latin typeface="Arial"/>
-                <a:cs typeface="Arial"/>
-              </a:rPr>
-              <a:t>order</a:t>
-            </a:r>
-            <a:r>
-              <a:rPr sz="2180" spc="-30" dirty="0">
-                <a:latin typeface="Arial"/>
-                <a:cs typeface="Arial"/>
-              </a:rPr>
-              <a:t> </a:t>
-            </a:r>
-            <a:r>
-              <a:rPr sz="2180" spc="-50" dirty="0">
-                <a:latin typeface="Arial"/>
-                <a:cs typeface="Arial"/>
-              </a:rPr>
-              <a:t>to </a:t>
-            </a:r>
-            <a:r>
-              <a:rPr sz="2180" spc="-99" dirty="0">
-                <a:latin typeface="Arial"/>
-                <a:cs typeface="Arial"/>
-              </a:rPr>
-              <a:t>understand</a:t>
-            </a:r>
-            <a:r>
-              <a:rPr sz="2180" dirty="0">
-                <a:latin typeface="Arial"/>
-                <a:cs typeface="Arial"/>
-              </a:rPr>
-              <a:t> </a:t>
-            </a:r>
-            <a:r>
-              <a:rPr sz="2180" spc="-89" dirty="0">
-                <a:latin typeface="Arial"/>
-                <a:cs typeface="Arial"/>
-              </a:rPr>
-              <a:t>how</a:t>
-            </a:r>
-            <a:r>
-              <a:rPr sz="2180" dirty="0">
-                <a:latin typeface="Arial"/>
-                <a:cs typeface="Arial"/>
-              </a:rPr>
-              <a:t> the </a:t>
-            </a:r>
-            <a:r>
-              <a:rPr sz="2180" spc="-20" dirty="0">
-                <a:latin typeface="Arial"/>
-                <a:cs typeface="Arial"/>
-              </a:rPr>
-              <a:t>attributes</a:t>
-            </a:r>
-            <a:r>
-              <a:rPr sz="2180" spc="10" dirty="0">
-                <a:latin typeface="Arial"/>
-                <a:cs typeface="Arial"/>
-              </a:rPr>
-              <a:t> </a:t>
-            </a:r>
-            <a:r>
-              <a:rPr sz="2180" dirty="0">
-                <a:latin typeface="Arial"/>
-                <a:cs typeface="Arial"/>
-              </a:rPr>
-              <a:t>of </a:t>
-            </a:r>
-            <a:r>
-              <a:rPr sz="2180" spc="-119" dirty="0">
-                <a:latin typeface="Arial"/>
-                <a:cs typeface="Arial"/>
-              </a:rPr>
-              <a:t>these</a:t>
-            </a:r>
-            <a:r>
-              <a:rPr sz="2180" dirty="0">
-                <a:latin typeface="Arial"/>
-                <a:cs typeface="Arial"/>
-              </a:rPr>
-              <a:t> </a:t>
-            </a:r>
-            <a:r>
-              <a:rPr sz="2180" spc="-129" dirty="0">
-                <a:latin typeface="Arial"/>
-                <a:cs typeface="Arial"/>
-              </a:rPr>
-              <a:t>movies</a:t>
-            </a:r>
-            <a:r>
-              <a:rPr sz="2180" spc="10" dirty="0">
-                <a:latin typeface="Arial"/>
-                <a:cs typeface="Arial"/>
-              </a:rPr>
-              <a:t> </a:t>
-            </a:r>
-            <a:r>
-              <a:rPr sz="2180" spc="-129" dirty="0">
-                <a:latin typeface="Arial"/>
-                <a:cs typeface="Arial"/>
-              </a:rPr>
-              <a:t>associate</a:t>
-            </a:r>
-            <a:r>
-              <a:rPr sz="2180" dirty="0">
-                <a:latin typeface="Arial"/>
-                <a:cs typeface="Arial"/>
-              </a:rPr>
-              <a:t> with </a:t>
-            </a:r>
-            <a:r>
-              <a:rPr sz="2180" spc="-40" dirty="0">
-                <a:latin typeface="Arial"/>
-                <a:cs typeface="Arial"/>
-              </a:rPr>
-              <a:t>box</a:t>
-            </a:r>
-            <a:r>
-              <a:rPr sz="2180" spc="10" dirty="0">
-                <a:latin typeface="Arial"/>
-                <a:cs typeface="Arial"/>
-              </a:rPr>
-              <a:t> </a:t>
-            </a:r>
-            <a:r>
-              <a:rPr sz="2180" spc="-20" dirty="0">
-                <a:latin typeface="Arial"/>
-                <a:cs typeface="Arial"/>
-              </a:rPr>
-              <a:t>office gross!</a:t>
-            </a:r>
-            <a:endParaRPr sz="2180">
-              <a:latin typeface="Arial"/>
-              <a:cs typeface="Arial"/>
-            </a:endParaRPr>
-          </a:p>
-          <a:p>
-            <a:pPr marL="573821" marR="643032">
-              <a:lnSpc>
-                <a:spcPct val="102600"/>
-              </a:lnSpc>
-              <a:spcBef>
-                <a:spcPts val="991"/>
-              </a:spcBef>
-            </a:pPr>
-            <a:r>
-              <a:rPr sz="2180" dirty="0">
-                <a:latin typeface="Arial"/>
-                <a:cs typeface="Arial"/>
-              </a:rPr>
-              <a:t>Data</a:t>
-            </a:r>
-            <a:r>
-              <a:rPr sz="2180" spc="-30" dirty="0">
-                <a:latin typeface="Arial"/>
-                <a:cs typeface="Arial"/>
-              </a:rPr>
-              <a:t> </a:t>
-            </a:r>
-            <a:r>
-              <a:rPr sz="2180" spc="-20" dirty="0">
-                <a:latin typeface="Arial"/>
-                <a:cs typeface="Arial"/>
-              </a:rPr>
-              <a:t>on</a:t>
-            </a:r>
-            <a:r>
-              <a:rPr sz="2180" spc="-30" dirty="0">
-                <a:latin typeface="Arial"/>
-                <a:cs typeface="Arial"/>
-              </a:rPr>
-              <a:t> </a:t>
-            </a:r>
-            <a:r>
-              <a:rPr sz="2180" spc="-89" dirty="0">
-                <a:latin typeface="Arial"/>
-                <a:cs typeface="Arial"/>
-              </a:rPr>
-              <a:t>3,039</a:t>
-            </a:r>
-            <a:r>
-              <a:rPr sz="2180" spc="-20" dirty="0">
-                <a:latin typeface="Arial"/>
-                <a:cs typeface="Arial"/>
-              </a:rPr>
-              <a:t> </a:t>
-            </a:r>
-            <a:r>
-              <a:rPr sz="2180" spc="-129" dirty="0">
-                <a:latin typeface="Arial"/>
-                <a:cs typeface="Arial"/>
-              </a:rPr>
-              <a:t>movies</a:t>
-            </a:r>
-            <a:r>
-              <a:rPr sz="2180" spc="-20" dirty="0">
-                <a:latin typeface="Arial"/>
-                <a:cs typeface="Arial"/>
-              </a:rPr>
-              <a:t> </a:t>
-            </a:r>
-            <a:r>
-              <a:rPr sz="2180" spc="-129" dirty="0">
-                <a:latin typeface="Arial"/>
-                <a:cs typeface="Arial"/>
-              </a:rPr>
-              <a:t>made</a:t>
-            </a:r>
-            <a:r>
-              <a:rPr sz="2180" spc="-30" dirty="0">
-                <a:latin typeface="Arial"/>
-                <a:cs typeface="Arial"/>
-              </a:rPr>
-              <a:t> </a:t>
-            </a:r>
-            <a:r>
-              <a:rPr sz="2180" dirty="0">
-                <a:latin typeface="Arial"/>
-                <a:cs typeface="Arial"/>
-              </a:rPr>
-              <a:t>in</a:t>
-            </a:r>
-            <a:r>
-              <a:rPr sz="2180" spc="-20" dirty="0">
-                <a:latin typeface="Arial"/>
-                <a:cs typeface="Arial"/>
-              </a:rPr>
-              <a:t> </a:t>
-            </a:r>
-            <a:r>
-              <a:rPr sz="2180" dirty="0">
-                <a:latin typeface="Arial"/>
-                <a:cs typeface="Arial"/>
-              </a:rPr>
-              <a:t>the</a:t>
-            </a:r>
-            <a:r>
-              <a:rPr sz="2180" spc="-30" dirty="0">
-                <a:latin typeface="Arial"/>
-                <a:cs typeface="Arial"/>
-              </a:rPr>
-              <a:t> </a:t>
-            </a:r>
-            <a:r>
-              <a:rPr sz="2180" spc="-119" dirty="0">
-                <a:latin typeface="Arial"/>
-                <a:cs typeface="Arial"/>
-              </a:rPr>
-              <a:t>US</a:t>
-            </a:r>
-            <a:r>
-              <a:rPr sz="2180" spc="-20" dirty="0">
-                <a:latin typeface="Arial"/>
-                <a:cs typeface="Arial"/>
-              </a:rPr>
-              <a:t> </a:t>
-            </a:r>
-            <a:r>
-              <a:rPr sz="2180" spc="-129" dirty="0">
-                <a:latin typeface="Arial"/>
-                <a:cs typeface="Arial"/>
-              </a:rPr>
-              <a:t>between</a:t>
-            </a:r>
-            <a:r>
-              <a:rPr sz="2180" spc="-20" dirty="0">
-                <a:latin typeface="Arial"/>
-                <a:cs typeface="Arial"/>
-              </a:rPr>
-              <a:t> </a:t>
-            </a:r>
-            <a:r>
-              <a:rPr sz="2180" spc="-109" dirty="0">
-                <a:latin typeface="Arial"/>
-                <a:cs typeface="Arial"/>
-              </a:rPr>
-              <a:t>1929</a:t>
-            </a:r>
-            <a:r>
-              <a:rPr sz="2180" spc="-30" dirty="0">
-                <a:latin typeface="Arial"/>
-                <a:cs typeface="Arial"/>
-              </a:rPr>
-              <a:t> </a:t>
-            </a:r>
-            <a:r>
-              <a:rPr sz="2180" spc="-79" dirty="0">
-                <a:latin typeface="Arial"/>
-                <a:cs typeface="Arial"/>
-              </a:rPr>
-              <a:t>and</a:t>
-            </a:r>
-            <a:r>
-              <a:rPr sz="2180" spc="-20" dirty="0">
-                <a:latin typeface="Arial"/>
-                <a:cs typeface="Arial"/>
-              </a:rPr>
-              <a:t> </a:t>
-            </a:r>
-            <a:r>
-              <a:rPr sz="2180" spc="-69" dirty="0">
-                <a:latin typeface="Arial"/>
-                <a:cs typeface="Arial"/>
-              </a:rPr>
-              <a:t>2016, </a:t>
-            </a:r>
-            <a:r>
-              <a:rPr sz="2180" spc="-149" dirty="0">
-                <a:latin typeface="Arial"/>
-                <a:cs typeface="Arial"/>
-              </a:rPr>
-              <a:t>scraped</a:t>
-            </a:r>
-            <a:r>
-              <a:rPr sz="2180" spc="10" dirty="0">
-                <a:latin typeface="Arial"/>
-                <a:cs typeface="Arial"/>
-              </a:rPr>
-              <a:t> </a:t>
-            </a:r>
-            <a:r>
-              <a:rPr sz="2180" dirty="0">
-                <a:latin typeface="Arial"/>
-                <a:cs typeface="Arial"/>
-              </a:rPr>
-              <a:t>from</a:t>
-            </a:r>
-            <a:r>
-              <a:rPr sz="2180" spc="20" dirty="0">
-                <a:latin typeface="Arial"/>
-                <a:cs typeface="Arial"/>
-              </a:rPr>
-              <a:t> </a:t>
-            </a:r>
-            <a:r>
-              <a:rPr sz="2180" spc="-40" dirty="0">
-                <a:latin typeface="Arial"/>
-                <a:cs typeface="Arial"/>
-              </a:rPr>
-              <a:t>IMDB</a:t>
-            </a:r>
-            <a:endParaRPr sz="2180" dirty="0">
-              <a:latin typeface="Arial"/>
-              <a:cs typeface="Arial"/>
-            </a:endParaRPr>
-          </a:p>
-        </p:txBody>
-      </p:sp>
-      <p:pic>
-        <p:nvPicPr>
-          <p:cNvPr id="6" name="object 5">
-            <a:extLst>
-              <a:ext uri="{FF2B5EF4-FFF2-40B4-BE49-F238E27FC236}">
-                <a16:creationId xmlns:a16="http://schemas.microsoft.com/office/drawing/2014/main" id="{62CC6512-1923-4973-CE64-5FAED334B060}"/>
-              </a:ext>
-            </a:extLst>
-          </p:cNvPr>
-          <p:cNvPicPr/>
-          <p:nvPr/>
-        </p:nvPicPr>
-        <p:blipFill>
-          <a:blip r:embed="rId2" cstate="print"/>
-          <a:stretch>
-            <a:fillRect/>
-          </a:stretch>
-        </p:blipFill>
-        <p:spPr>
-          <a:xfrm>
-            <a:off x="3959087" y="2859184"/>
-            <a:ext cx="7724243" cy="2931338"/>
-          </a:xfrm>
-          <a:prstGeom prst="rect">
-            <a:avLst/>
-          </a:prstGeom>
-        </p:spPr>
-      </p:pic>
-      <p:sp>
-        <p:nvSpPr>
-          <p:cNvPr id="11" name="object 6">
-            <a:extLst>
-              <a:ext uri="{FF2B5EF4-FFF2-40B4-BE49-F238E27FC236}">
-                <a16:creationId xmlns:a16="http://schemas.microsoft.com/office/drawing/2014/main" id="{EDDBD9D2-4FF5-47EC-D119-7306E05C61D0}"/>
-              </a:ext>
-            </a:extLst>
-          </p:cNvPr>
-          <p:cNvSpPr txBox="1"/>
-          <p:nvPr/>
-        </p:nvSpPr>
-        <p:spPr>
-          <a:xfrm>
-            <a:off x="3504773" y="6181551"/>
-            <a:ext cx="6446518" cy="207141"/>
-          </a:xfrm>
-          <a:prstGeom prst="rect">
-            <a:avLst/>
-          </a:prstGeom>
-        </p:spPr>
-        <p:txBody>
-          <a:bodyPr vert="horz" wrap="square" lIns="0" tIns="23909" rIns="0" bIns="0" rtlCol="0">
-            <a:spAutoFit/>
-          </a:bodyPr>
-          <a:lstStyle/>
-          <a:p>
-            <a:pPr marL="25168">
-              <a:spcBef>
-                <a:spcPts val="188"/>
-              </a:spcBef>
-            </a:pPr>
-            <a:r>
-              <a:rPr sz="1189" dirty="0">
-                <a:latin typeface="Arial"/>
-                <a:cs typeface="Arial"/>
-              </a:rPr>
-              <a:t>Data</a:t>
-            </a:r>
-            <a:r>
-              <a:rPr sz="1189" spc="109" dirty="0">
-                <a:latin typeface="Arial"/>
-                <a:cs typeface="Arial"/>
-              </a:rPr>
-              <a:t> </a:t>
-            </a:r>
-            <a:r>
-              <a:rPr sz="1189" spc="-20" dirty="0">
-                <a:latin typeface="Arial"/>
-                <a:cs typeface="Arial"/>
-              </a:rPr>
-              <a:t>are</a:t>
-            </a:r>
-            <a:r>
-              <a:rPr sz="1189" spc="119" dirty="0">
-                <a:latin typeface="Arial"/>
-                <a:cs typeface="Arial"/>
-              </a:rPr>
-              <a:t> </a:t>
-            </a:r>
-            <a:r>
-              <a:rPr sz="1189" dirty="0">
-                <a:latin typeface="Arial"/>
-                <a:cs typeface="Arial"/>
-              </a:rPr>
-              <a:t>from</a:t>
-            </a:r>
-            <a:r>
-              <a:rPr sz="1189" spc="109" dirty="0">
-                <a:latin typeface="Arial"/>
-                <a:cs typeface="Arial"/>
-              </a:rPr>
-              <a:t> </a:t>
-            </a:r>
-            <a:r>
-              <a:rPr sz="1189" spc="-20" dirty="0">
-                <a:latin typeface="Arial"/>
-                <a:cs typeface="Arial"/>
-              </a:rPr>
-              <a:t>Kaggle.com</a:t>
-            </a:r>
-            <a:r>
-              <a:rPr sz="1189" spc="119" dirty="0">
-                <a:latin typeface="Arial"/>
-                <a:cs typeface="Arial"/>
-              </a:rPr>
-              <a:t> </a:t>
-            </a:r>
-            <a:r>
-              <a:rPr sz="1189" dirty="0">
-                <a:latin typeface="Arial"/>
-                <a:cs typeface="Arial"/>
-              </a:rPr>
-              <a:t>and</a:t>
-            </a:r>
-            <a:r>
-              <a:rPr sz="1189" spc="109" dirty="0">
-                <a:latin typeface="Arial"/>
-                <a:cs typeface="Arial"/>
-              </a:rPr>
-              <a:t> </a:t>
-            </a:r>
-            <a:r>
-              <a:rPr sz="1189" spc="-20" dirty="0">
-                <a:latin typeface="Arial"/>
-                <a:cs typeface="Arial"/>
-              </a:rPr>
-              <a:t>are</a:t>
-            </a:r>
-            <a:r>
-              <a:rPr sz="1189" spc="119" dirty="0">
-                <a:latin typeface="Arial"/>
-                <a:cs typeface="Arial"/>
-              </a:rPr>
-              <a:t> </a:t>
-            </a:r>
-            <a:r>
-              <a:rPr sz="1189" spc="-20" dirty="0">
-                <a:latin typeface="Arial"/>
-                <a:cs typeface="Arial"/>
-              </a:rPr>
-              <a:t>available</a:t>
-            </a:r>
-            <a:r>
-              <a:rPr sz="1189" spc="119" dirty="0">
-                <a:latin typeface="Arial"/>
-                <a:cs typeface="Arial"/>
-              </a:rPr>
-              <a:t> </a:t>
-            </a:r>
-            <a:r>
-              <a:rPr sz="1189" dirty="0">
-                <a:latin typeface="Arial"/>
-                <a:cs typeface="Arial"/>
-              </a:rPr>
-              <a:t>at</a:t>
-            </a:r>
-            <a:r>
-              <a:rPr sz="1189" spc="119" dirty="0">
-                <a:latin typeface="Arial"/>
-                <a:cs typeface="Arial"/>
-              </a:rPr>
-              <a:t> </a:t>
-            </a:r>
-            <a:r>
-              <a:rPr sz="1189" spc="-99" dirty="0">
-                <a:latin typeface="Courier New"/>
-                <a:cs typeface="Courier New"/>
-                <a:hlinkClick r:id="rId3"/>
-              </a:rPr>
-              <a:t>https://github.com/kaitlyncook/data-</a:t>
-            </a:r>
-            <a:r>
-              <a:rPr sz="1189" spc="-40" dirty="0">
-                <a:latin typeface="Courier New"/>
-                <a:cs typeface="Courier New"/>
-                <a:hlinkClick r:id="rId3"/>
-              </a:rPr>
-              <a:t>sets</a:t>
-            </a:r>
-            <a:endParaRPr sz="1189" dirty="0">
-              <a:latin typeface="Courier New"/>
-              <a:cs typeface="Courier New"/>
-            </a:endParaRPr>
-          </a:p>
-        </p:txBody>
-      </p:sp>
-    </p:spTree>
-    <p:extLst>
-      <p:ext uri="{BB962C8B-B14F-4D97-AF65-F5344CB8AC3E}">
-        <p14:creationId xmlns:p14="http://schemas.microsoft.com/office/powerpoint/2010/main" val="77643350"/>
       </p:ext>
     </p:extLst>
   </p:cSld>
